--- a/Chapitre 6.pptx
+++ b/Chapitre 6.pptx
@@ -4,6 +4,9 @@
   <p:sldMasterIdLst>
     <p:sldMasterId id="2147483648" r:id="rId1"/>
   </p:sldMasterIdLst>
+  <p:notesMasterIdLst>
+    <p:notesMasterId r:id="rId44"/>
+  </p:notesMasterIdLst>
   <p:sldIdLst>
     <p:sldId id="257" r:id="rId2"/>
     <p:sldId id="258" r:id="rId3"/>
@@ -22,24 +25,31 @@
     <p:sldId id="271" r:id="rId16"/>
     <p:sldId id="272" r:id="rId17"/>
     <p:sldId id="273" r:id="rId18"/>
-    <p:sldId id="274" r:id="rId19"/>
-    <p:sldId id="275" r:id="rId20"/>
-    <p:sldId id="276" r:id="rId21"/>
-    <p:sldId id="277" r:id="rId22"/>
-    <p:sldId id="278" r:id="rId23"/>
-    <p:sldId id="279" r:id="rId24"/>
-    <p:sldId id="280" r:id="rId25"/>
-    <p:sldId id="281" r:id="rId26"/>
-    <p:sldId id="282" r:id="rId27"/>
-    <p:sldId id="283" r:id="rId28"/>
-    <p:sldId id="284" r:id="rId29"/>
-    <p:sldId id="285" r:id="rId30"/>
-    <p:sldId id="286" r:id="rId31"/>
-    <p:sldId id="287" r:id="rId32"/>
-    <p:sldId id="288" r:id="rId33"/>
-    <p:sldId id="289" r:id="rId34"/>
-    <p:sldId id="290" r:id="rId35"/>
-    <p:sldId id="291" r:id="rId36"/>
+    <p:sldId id="294" r:id="rId19"/>
+    <p:sldId id="295" r:id="rId20"/>
+    <p:sldId id="274" r:id="rId21"/>
+    <p:sldId id="275" r:id="rId22"/>
+    <p:sldId id="276" r:id="rId23"/>
+    <p:sldId id="277" r:id="rId24"/>
+    <p:sldId id="296" r:id="rId25"/>
+    <p:sldId id="278" r:id="rId26"/>
+    <p:sldId id="297" r:id="rId27"/>
+    <p:sldId id="298" r:id="rId28"/>
+    <p:sldId id="279" r:id="rId29"/>
+    <p:sldId id="280" r:id="rId30"/>
+    <p:sldId id="281" r:id="rId31"/>
+    <p:sldId id="299" r:id="rId32"/>
+    <p:sldId id="300" r:id="rId33"/>
+    <p:sldId id="282" r:id="rId34"/>
+    <p:sldId id="283" r:id="rId35"/>
+    <p:sldId id="284" r:id="rId36"/>
+    <p:sldId id="286" r:id="rId37"/>
+    <p:sldId id="301" r:id="rId38"/>
+    <p:sldId id="287" r:id="rId39"/>
+    <p:sldId id="288" r:id="rId40"/>
+    <p:sldId id="289" r:id="rId41"/>
+    <p:sldId id="290" r:id="rId42"/>
+    <p:sldId id="291" r:id="rId43"/>
   </p:sldIdLst>
   <p:sldSz cx="12192000" cy="6858000"/>
   <p:notesSz cx="6858000" cy="9144000"/>
@@ -138,7 +148,1374 @@
       </a:defRPr>
     </a:lvl9pPr>
   </p:defaultTextStyle>
+  <p:extLst>
+    <p:ext uri="{EFAFB233-063F-42B5-8137-9DF3F51BA10A}">
+      <p15:sldGuideLst xmlns:p15="http://schemas.microsoft.com/office/powerpoint/2012/main"/>
+    </p:ext>
+  </p:extLst>
 </p:presentation>
+</file>
+
+<file path=ppt/notesMasters/notesMaster1.xml><?xml version="1.0" encoding="utf-8"?>
+<p:notesMaster xmlns:a="http://schemas.openxmlformats.org/drawingml/2006/main" xmlns:r="http://schemas.openxmlformats.org/officeDocument/2006/relationships" xmlns:p="http://schemas.openxmlformats.org/presentationml/2006/main">
+  <p:cSld>
+    <p:bg>
+      <p:bgRef idx="1001">
+        <a:schemeClr val="bg1"/>
+      </p:bgRef>
+    </p:bg>
+    <p:spTree>
+      <p:nvGrpSpPr>
+        <p:cNvPr id="1" name=""/>
+        <p:cNvGrpSpPr/>
+        <p:nvPr/>
+      </p:nvGrpSpPr>
+      <p:grpSpPr>
+        <a:xfrm>
+          <a:off x="0" y="0"/>
+          <a:ext cx="0" cy="0"/>
+          <a:chOff x="0" y="0"/>
+          <a:chExt cx="0" cy="0"/>
+        </a:xfrm>
+      </p:grpSpPr>
+      <p:sp>
+        <p:nvSpPr>
+          <p:cNvPr id="2" name="Espace réservé de l'en-tête 1"/>
+          <p:cNvSpPr>
+            <a:spLocks noGrp="1"/>
+          </p:cNvSpPr>
+          <p:nvPr>
+            <p:ph type="hdr" sz="quarter"/>
+          </p:nvPr>
+        </p:nvSpPr>
+        <p:spPr>
+          <a:xfrm>
+            <a:off x="0" y="0"/>
+            <a:ext cx="2971800" cy="458788"/>
+          </a:xfrm>
+          <a:prstGeom prst="rect">
+            <a:avLst/>
+          </a:prstGeom>
+        </p:spPr>
+        <p:txBody>
+          <a:bodyPr vert="horz" lIns="91440" tIns="45720" rIns="91440" bIns="45720" rtlCol="0"/>
+          <a:lstStyle>
+            <a:lvl1pPr algn="l">
+              <a:defRPr sz="1200"/>
+            </a:lvl1pPr>
+          </a:lstStyle>
+          <a:p>
+            <a:endParaRPr lang="fr-BE"/>
+          </a:p>
+        </p:txBody>
+      </p:sp>
+      <p:sp>
+        <p:nvSpPr>
+          <p:cNvPr id="3" name="Espace réservé de la date 2"/>
+          <p:cNvSpPr>
+            <a:spLocks noGrp="1"/>
+          </p:cNvSpPr>
+          <p:nvPr>
+            <p:ph type="dt" idx="1"/>
+          </p:nvPr>
+        </p:nvSpPr>
+        <p:spPr>
+          <a:xfrm>
+            <a:off x="3884613" y="0"/>
+            <a:ext cx="2971800" cy="458788"/>
+          </a:xfrm>
+          <a:prstGeom prst="rect">
+            <a:avLst/>
+          </a:prstGeom>
+        </p:spPr>
+        <p:txBody>
+          <a:bodyPr vert="horz" lIns="91440" tIns="45720" rIns="91440" bIns="45720" rtlCol="0"/>
+          <a:lstStyle>
+            <a:lvl1pPr algn="r">
+              <a:defRPr sz="1200"/>
+            </a:lvl1pPr>
+          </a:lstStyle>
+          <a:p>
+            <a:fld id="{61351FF7-5C78-4294-846E-A935FF07D088}" type="datetimeFigureOut">
+              <a:rPr lang="fr-BE" smtClean="0"/>
+              <a:t>29-12-25</a:t>
+            </a:fld>
+            <a:endParaRPr lang="fr-BE"/>
+          </a:p>
+        </p:txBody>
+      </p:sp>
+      <p:sp>
+        <p:nvSpPr>
+          <p:cNvPr id="4" name="Espace réservé de l'image des diapositives 3"/>
+          <p:cNvSpPr>
+            <a:spLocks noGrp="1" noRot="1" noChangeAspect="1"/>
+          </p:cNvSpPr>
+          <p:nvPr>
+            <p:ph type="sldImg" idx="2"/>
+          </p:nvPr>
+        </p:nvSpPr>
+        <p:spPr>
+          <a:xfrm>
+            <a:off x="685800" y="1143000"/>
+            <a:ext cx="5486400" cy="3086100"/>
+          </a:xfrm>
+          <a:prstGeom prst="rect">
+            <a:avLst/>
+          </a:prstGeom>
+          <a:noFill/>
+          <a:ln w="12700">
+            <a:solidFill>
+              <a:prstClr val="black"/>
+            </a:solidFill>
+          </a:ln>
+        </p:spPr>
+        <p:txBody>
+          <a:bodyPr vert="horz" lIns="91440" tIns="45720" rIns="91440" bIns="45720" rtlCol="0" anchor="ctr"/>
+          <a:lstStyle/>
+          <a:p>
+            <a:endParaRPr lang="fr-BE"/>
+          </a:p>
+        </p:txBody>
+      </p:sp>
+      <p:sp>
+        <p:nvSpPr>
+          <p:cNvPr id="5" name="Espace réservé des notes 4"/>
+          <p:cNvSpPr>
+            <a:spLocks noGrp="1"/>
+          </p:cNvSpPr>
+          <p:nvPr>
+            <p:ph type="body" sz="quarter" idx="3"/>
+          </p:nvPr>
+        </p:nvSpPr>
+        <p:spPr>
+          <a:xfrm>
+            <a:off x="685800" y="4400550"/>
+            <a:ext cx="5486400" cy="3600450"/>
+          </a:xfrm>
+          <a:prstGeom prst="rect">
+            <a:avLst/>
+          </a:prstGeom>
+        </p:spPr>
+        <p:txBody>
+          <a:bodyPr vert="horz" lIns="91440" tIns="45720" rIns="91440" bIns="45720" rtlCol="0"/>
+          <a:lstStyle/>
+          <a:p>
+            <a:pPr lvl="0"/>
+            <a:r>
+              <a:rPr lang="fr-FR"/>
+              <a:t>Cliquez pour modifier les styles du texte du masque</a:t>
+            </a:r>
+          </a:p>
+          <a:p>
+            <a:pPr lvl="1"/>
+            <a:r>
+              <a:rPr lang="fr-FR"/>
+              <a:t>Deuxième niveau</a:t>
+            </a:r>
+          </a:p>
+          <a:p>
+            <a:pPr lvl="2"/>
+            <a:r>
+              <a:rPr lang="fr-FR"/>
+              <a:t>Troisième niveau</a:t>
+            </a:r>
+          </a:p>
+          <a:p>
+            <a:pPr lvl="3"/>
+            <a:r>
+              <a:rPr lang="fr-FR"/>
+              <a:t>Quatrième niveau</a:t>
+            </a:r>
+          </a:p>
+          <a:p>
+            <a:pPr lvl="4"/>
+            <a:r>
+              <a:rPr lang="fr-FR"/>
+              <a:t>Cinquième niveau</a:t>
+            </a:r>
+            <a:endParaRPr lang="fr-BE"/>
+          </a:p>
+        </p:txBody>
+      </p:sp>
+      <p:sp>
+        <p:nvSpPr>
+          <p:cNvPr id="6" name="Espace réservé du pied de page 5"/>
+          <p:cNvSpPr>
+            <a:spLocks noGrp="1"/>
+          </p:cNvSpPr>
+          <p:nvPr>
+            <p:ph type="ftr" sz="quarter" idx="4"/>
+          </p:nvPr>
+        </p:nvSpPr>
+        <p:spPr>
+          <a:xfrm>
+            <a:off x="0" y="8685213"/>
+            <a:ext cx="2971800" cy="458787"/>
+          </a:xfrm>
+          <a:prstGeom prst="rect">
+            <a:avLst/>
+          </a:prstGeom>
+        </p:spPr>
+        <p:txBody>
+          <a:bodyPr vert="horz" lIns="91440" tIns="45720" rIns="91440" bIns="45720" rtlCol="0" anchor="b"/>
+          <a:lstStyle>
+            <a:lvl1pPr algn="l">
+              <a:defRPr sz="1200"/>
+            </a:lvl1pPr>
+          </a:lstStyle>
+          <a:p>
+            <a:endParaRPr lang="fr-BE"/>
+          </a:p>
+        </p:txBody>
+      </p:sp>
+      <p:sp>
+        <p:nvSpPr>
+          <p:cNvPr id="7" name="Espace réservé du numéro de diapositive 6"/>
+          <p:cNvSpPr>
+            <a:spLocks noGrp="1"/>
+          </p:cNvSpPr>
+          <p:nvPr>
+            <p:ph type="sldNum" sz="quarter" idx="5"/>
+          </p:nvPr>
+        </p:nvSpPr>
+        <p:spPr>
+          <a:xfrm>
+            <a:off x="3884613" y="8685213"/>
+            <a:ext cx="2971800" cy="458787"/>
+          </a:xfrm>
+          <a:prstGeom prst="rect">
+            <a:avLst/>
+          </a:prstGeom>
+        </p:spPr>
+        <p:txBody>
+          <a:bodyPr vert="horz" lIns="91440" tIns="45720" rIns="91440" bIns="45720" rtlCol="0" anchor="b"/>
+          <a:lstStyle>
+            <a:lvl1pPr algn="r">
+              <a:defRPr sz="1200"/>
+            </a:lvl1pPr>
+          </a:lstStyle>
+          <a:p>
+            <a:fld id="{57428BD9-C303-42C0-88AC-10E59498CEEF}" type="slidenum">
+              <a:rPr lang="fr-BE" smtClean="0"/>
+              <a:t>‹N°›</a:t>
+            </a:fld>
+            <a:endParaRPr lang="fr-BE"/>
+          </a:p>
+        </p:txBody>
+      </p:sp>
+    </p:spTree>
+    <p:extLst>
+      <p:ext uri="{BB962C8B-B14F-4D97-AF65-F5344CB8AC3E}">
+        <p14:creationId xmlns:p14="http://schemas.microsoft.com/office/powerpoint/2010/main" val="3047436900"/>
+      </p:ext>
+    </p:extLst>
+  </p:cSld>
+  <p:clrMap bg1="lt1" tx1="dk1" bg2="lt2" tx2="dk2" accent1="accent1" accent2="accent2" accent3="accent3" accent4="accent4" accent5="accent5" accent6="accent6" hlink="hlink" folHlink="folHlink"/>
+  <p:notesStyle>
+    <a:lvl1pPr marL="0" algn="l" defTabSz="914400" rtl="0" eaLnBrk="1" latinLnBrk="0" hangingPunct="1">
+      <a:defRPr sz="1200" kern="1200">
+        <a:solidFill>
+          <a:schemeClr val="tx1"/>
+        </a:solidFill>
+        <a:latin typeface="+mn-lt"/>
+        <a:ea typeface="+mn-ea"/>
+        <a:cs typeface="+mn-cs"/>
+      </a:defRPr>
+    </a:lvl1pPr>
+    <a:lvl2pPr marL="457200" algn="l" defTabSz="914400" rtl="0" eaLnBrk="1" latinLnBrk="0" hangingPunct="1">
+      <a:defRPr sz="1200" kern="1200">
+        <a:solidFill>
+          <a:schemeClr val="tx1"/>
+        </a:solidFill>
+        <a:latin typeface="+mn-lt"/>
+        <a:ea typeface="+mn-ea"/>
+        <a:cs typeface="+mn-cs"/>
+      </a:defRPr>
+    </a:lvl2pPr>
+    <a:lvl3pPr marL="914400" algn="l" defTabSz="914400" rtl="0" eaLnBrk="1" latinLnBrk="0" hangingPunct="1">
+      <a:defRPr sz="1200" kern="1200">
+        <a:solidFill>
+          <a:schemeClr val="tx1"/>
+        </a:solidFill>
+        <a:latin typeface="+mn-lt"/>
+        <a:ea typeface="+mn-ea"/>
+        <a:cs typeface="+mn-cs"/>
+      </a:defRPr>
+    </a:lvl3pPr>
+    <a:lvl4pPr marL="1371600" algn="l" defTabSz="914400" rtl="0" eaLnBrk="1" latinLnBrk="0" hangingPunct="1">
+      <a:defRPr sz="1200" kern="1200">
+        <a:solidFill>
+          <a:schemeClr val="tx1"/>
+        </a:solidFill>
+        <a:latin typeface="+mn-lt"/>
+        <a:ea typeface="+mn-ea"/>
+        <a:cs typeface="+mn-cs"/>
+      </a:defRPr>
+    </a:lvl4pPr>
+    <a:lvl5pPr marL="1828800" algn="l" defTabSz="914400" rtl="0" eaLnBrk="1" latinLnBrk="0" hangingPunct="1">
+      <a:defRPr sz="1200" kern="1200">
+        <a:solidFill>
+          <a:schemeClr val="tx1"/>
+        </a:solidFill>
+        <a:latin typeface="+mn-lt"/>
+        <a:ea typeface="+mn-ea"/>
+        <a:cs typeface="+mn-cs"/>
+      </a:defRPr>
+    </a:lvl5pPr>
+    <a:lvl6pPr marL="2286000" algn="l" defTabSz="914400" rtl="0" eaLnBrk="1" latinLnBrk="0" hangingPunct="1">
+      <a:defRPr sz="1200" kern="1200">
+        <a:solidFill>
+          <a:schemeClr val="tx1"/>
+        </a:solidFill>
+        <a:latin typeface="+mn-lt"/>
+        <a:ea typeface="+mn-ea"/>
+        <a:cs typeface="+mn-cs"/>
+      </a:defRPr>
+    </a:lvl6pPr>
+    <a:lvl7pPr marL="2743200" algn="l" defTabSz="914400" rtl="0" eaLnBrk="1" latinLnBrk="0" hangingPunct="1">
+      <a:defRPr sz="1200" kern="1200">
+        <a:solidFill>
+          <a:schemeClr val="tx1"/>
+        </a:solidFill>
+        <a:latin typeface="+mn-lt"/>
+        <a:ea typeface="+mn-ea"/>
+        <a:cs typeface="+mn-cs"/>
+      </a:defRPr>
+    </a:lvl7pPr>
+    <a:lvl8pPr marL="3200400" algn="l" defTabSz="914400" rtl="0" eaLnBrk="1" latinLnBrk="0" hangingPunct="1">
+      <a:defRPr sz="1200" kern="1200">
+        <a:solidFill>
+          <a:schemeClr val="tx1"/>
+        </a:solidFill>
+        <a:latin typeface="+mn-lt"/>
+        <a:ea typeface="+mn-ea"/>
+        <a:cs typeface="+mn-cs"/>
+      </a:defRPr>
+    </a:lvl8pPr>
+    <a:lvl9pPr marL="3657600" algn="l" defTabSz="914400" rtl="0" eaLnBrk="1" latinLnBrk="0" hangingPunct="1">
+      <a:defRPr sz="1200" kern="1200">
+        <a:solidFill>
+          <a:schemeClr val="tx1"/>
+        </a:solidFill>
+        <a:latin typeface="+mn-lt"/>
+        <a:ea typeface="+mn-ea"/>
+        <a:cs typeface="+mn-cs"/>
+      </a:defRPr>
+    </a:lvl9pPr>
+  </p:notesStyle>
+</p:notesMaster>
+</file>
+
+<file path=ppt/notesSlides/notesSlide1.xml><?xml version="1.0" encoding="utf-8"?>
+<p:notes xmlns:a="http://schemas.openxmlformats.org/drawingml/2006/main" xmlns:r="http://schemas.openxmlformats.org/officeDocument/2006/relationships" xmlns:p="http://schemas.openxmlformats.org/presentationml/2006/main">
+  <p:cSld>
+    <p:spTree>
+      <p:nvGrpSpPr>
+        <p:cNvPr id="1" name=""/>
+        <p:cNvGrpSpPr/>
+        <p:nvPr/>
+      </p:nvGrpSpPr>
+      <p:grpSpPr>
+        <a:xfrm>
+          <a:off x="0" y="0"/>
+          <a:ext cx="0" cy="0"/>
+          <a:chOff x="0" y="0"/>
+          <a:chExt cx="0" cy="0"/>
+        </a:xfrm>
+      </p:grpSpPr>
+      <p:sp>
+        <p:nvSpPr>
+          <p:cNvPr id="2" name="Espace réservé de l'image des diapositives 1"/>
+          <p:cNvSpPr>
+            <a:spLocks noGrp="1" noRot="1" noChangeAspect="1"/>
+          </p:cNvSpPr>
+          <p:nvPr>
+            <p:ph type="sldImg"/>
+          </p:nvPr>
+        </p:nvSpPr>
+        <p:spPr/>
+      </p:sp>
+      <p:sp>
+        <p:nvSpPr>
+          <p:cNvPr id="3" name="Espace réservé des notes 2"/>
+          <p:cNvSpPr>
+            <a:spLocks noGrp="1"/>
+          </p:cNvSpPr>
+          <p:nvPr>
+            <p:ph type="body" idx="1"/>
+          </p:nvPr>
+        </p:nvSpPr>
+        <p:spPr/>
+        <p:txBody>
+          <a:bodyPr/>
+          <a:lstStyle/>
+          <a:p>
+            <a:r>
+              <a:rPr lang="fr-FR" dirty="0"/>
+              <a:t>1. 5 puis 6</a:t>
+            </a:r>
+          </a:p>
+          <a:p>
+            <a:r>
+              <a:rPr lang="fr-FR" dirty="0"/>
+              <a:t>2. 9 puis 6</a:t>
+            </a:r>
+            <a:endParaRPr lang="fr-BE" dirty="0"/>
+          </a:p>
+        </p:txBody>
+      </p:sp>
+      <p:sp>
+        <p:nvSpPr>
+          <p:cNvPr id="4" name="Espace réservé du numéro de diapositive 3"/>
+          <p:cNvSpPr>
+            <a:spLocks noGrp="1"/>
+          </p:cNvSpPr>
+          <p:nvPr>
+            <p:ph type="sldNum" sz="quarter" idx="5"/>
+          </p:nvPr>
+        </p:nvSpPr>
+        <p:spPr/>
+        <p:txBody>
+          <a:bodyPr/>
+          <a:lstStyle/>
+          <a:p>
+            <a:fld id="{57428BD9-C303-42C0-88AC-10E59498CEEF}" type="slidenum">
+              <a:rPr lang="fr-BE" smtClean="0"/>
+              <a:t>12</a:t>
+            </a:fld>
+            <a:endParaRPr lang="fr-BE"/>
+          </a:p>
+        </p:txBody>
+      </p:sp>
+    </p:spTree>
+    <p:extLst>
+      <p:ext uri="{BB962C8B-B14F-4D97-AF65-F5344CB8AC3E}">
+        <p14:creationId xmlns:p14="http://schemas.microsoft.com/office/powerpoint/2010/main" val="740852127"/>
+      </p:ext>
+    </p:extLst>
+  </p:cSld>
+  <p:clrMapOvr>
+    <a:masterClrMapping/>
+  </p:clrMapOvr>
+</p:notes>
+</file>
+
+<file path=ppt/notesSlides/notesSlide10.xml><?xml version="1.0" encoding="utf-8"?>
+<p:notes xmlns:a="http://schemas.openxmlformats.org/drawingml/2006/main" xmlns:r="http://schemas.openxmlformats.org/officeDocument/2006/relationships" xmlns:p="http://schemas.openxmlformats.org/presentationml/2006/main">
+  <p:cSld>
+    <p:spTree>
+      <p:nvGrpSpPr>
+        <p:cNvPr id="1" name=""/>
+        <p:cNvGrpSpPr/>
+        <p:nvPr/>
+      </p:nvGrpSpPr>
+      <p:grpSpPr>
+        <a:xfrm>
+          <a:off x="0" y="0"/>
+          <a:ext cx="0" cy="0"/>
+          <a:chOff x="0" y="0"/>
+          <a:chExt cx="0" cy="0"/>
+        </a:xfrm>
+      </p:grpSpPr>
+      <p:sp>
+        <p:nvSpPr>
+          <p:cNvPr id="2" name="Espace réservé de l'image des diapositives 1"/>
+          <p:cNvSpPr>
+            <a:spLocks noGrp="1" noRot="1" noChangeAspect="1"/>
+          </p:cNvSpPr>
+          <p:nvPr>
+            <p:ph type="sldImg"/>
+          </p:nvPr>
+        </p:nvSpPr>
+        <p:spPr/>
+      </p:sp>
+      <p:sp>
+        <p:nvSpPr>
+          <p:cNvPr id="3" name="Espace réservé des notes 2"/>
+          <p:cNvSpPr>
+            <a:spLocks noGrp="1"/>
+          </p:cNvSpPr>
+          <p:nvPr>
+            <p:ph type="body" idx="1"/>
+          </p:nvPr>
+        </p:nvSpPr>
+        <p:spPr/>
+        <p:txBody>
+          <a:bodyPr/>
+          <a:lstStyle/>
+          <a:p>
+            <a:r>
+              <a:rPr lang="fr-BE" dirty="0"/>
+              <a:t>13	13	7	13</a:t>
+            </a:r>
+          </a:p>
+        </p:txBody>
+      </p:sp>
+      <p:sp>
+        <p:nvSpPr>
+          <p:cNvPr id="4" name="Espace réservé du numéro de diapositive 3"/>
+          <p:cNvSpPr>
+            <a:spLocks noGrp="1"/>
+          </p:cNvSpPr>
+          <p:nvPr>
+            <p:ph type="sldNum" sz="quarter" idx="5"/>
+          </p:nvPr>
+        </p:nvSpPr>
+        <p:spPr/>
+        <p:txBody>
+          <a:bodyPr/>
+          <a:lstStyle/>
+          <a:p>
+            <a:fld id="{57428BD9-C303-42C0-88AC-10E59498CEEF}" type="slidenum">
+              <a:rPr lang="fr-BE" smtClean="0"/>
+              <a:t>36</a:t>
+            </a:fld>
+            <a:endParaRPr lang="fr-BE"/>
+          </a:p>
+        </p:txBody>
+      </p:sp>
+    </p:spTree>
+    <p:extLst>
+      <p:ext uri="{BB962C8B-B14F-4D97-AF65-F5344CB8AC3E}">
+        <p14:creationId xmlns:p14="http://schemas.microsoft.com/office/powerpoint/2010/main" val="325519551"/>
+      </p:ext>
+    </p:extLst>
+  </p:cSld>
+  <p:clrMapOvr>
+    <a:masterClrMapping/>
+  </p:clrMapOvr>
+</p:notes>
+</file>
+
+<file path=ppt/notesSlides/notesSlide11.xml><?xml version="1.0" encoding="utf-8"?>
+<p:notes xmlns:a="http://schemas.openxmlformats.org/drawingml/2006/main" xmlns:r="http://schemas.openxmlformats.org/officeDocument/2006/relationships" xmlns:p="http://schemas.openxmlformats.org/presentationml/2006/main">
+  <p:cSld>
+    <p:spTree>
+      <p:nvGrpSpPr>
+        <p:cNvPr id="1" name=""/>
+        <p:cNvGrpSpPr/>
+        <p:nvPr/>
+      </p:nvGrpSpPr>
+      <p:grpSpPr>
+        <a:xfrm>
+          <a:off x="0" y="0"/>
+          <a:ext cx="0" cy="0"/>
+          <a:chOff x="0" y="0"/>
+          <a:chExt cx="0" cy="0"/>
+        </a:xfrm>
+      </p:grpSpPr>
+      <p:sp>
+        <p:nvSpPr>
+          <p:cNvPr id="2" name="Espace réservé de l'image des diapositives 1"/>
+          <p:cNvSpPr>
+            <a:spLocks noGrp="1" noRot="1" noChangeAspect="1"/>
+          </p:cNvSpPr>
+          <p:nvPr>
+            <p:ph type="sldImg"/>
+          </p:nvPr>
+        </p:nvSpPr>
+        <p:spPr/>
+      </p:sp>
+      <p:sp>
+        <p:nvSpPr>
+          <p:cNvPr id="3" name="Espace réservé des notes 2"/>
+          <p:cNvSpPr>
+            <a:spLocks noGrp="1"/>
+          </p:cNvSpPr>
+          <p:nvPr>
+            <p:ph type="body" idx="1"/>
+          </p:nvPr>
+        </p:nvSpPr>
+        <p:spPr/>
+        <p:txBody>
+          <a:bodyPr/>
+          <a:lstStyle/>
+          <a:p>
+            <a:r>
+              <a:rPr lang="fr-BE" dirty="0"/>
+              <a:t>13	13	7	7</a:t>
+            </a:r>
+          </a:p>
+        </p:txBody>
+      </p:sp>
+      <p:sp>
+        <p:nvSpPr>
+          <p:cNvPr id="4" name="Espace réservé du numéro de diapositive 3"/>
+          <p:cNvSpPr>
+            <a:spLocks noGrp="1"/>
+          </p:cNvSpPr>
+          <p:nvPr>
+            <p:ph type="sldNum" sz="quarter" idx="5"/>
+          </p:nvPr>
+        </p:nvSpPr>
+        <p:spPr/>
+        <p:txBody>
+          <a:bodyPr/>
+          <a:lstStyle/>
+          <a:p>
+            <a:fld id="{57428BD9-C303-42C0-88AC-10E59498CEEF}" type="slidenum">
+              <a:rPr lang="fr-BE" smtClean="0"/>
+              <a:t>37</a:t>
+            </a:fld>
+            <a:endParaRPr lang="fr-BE"/>
+          </a:p>
+        </p:txBody>
+      </p:sp>
+    </p:spTree>
+    <p:extLst>
+      <p:ext uri="{BB962C8B-B14F-4D97-AF65-F5344CB8AC3E}">
+        <p14:creationId xmlns:p14="http://schemas.microsoft.com/office/powerpoint/2010/main" val="519405102"/>
+      </p:ext>
+    </p:extLst>
+  </p:cSld>
+  <p:clrMapOvr>
+    <a:masterClrMapping/>
+  </p:clrMapOvr>
+</p:notes>
+</file>
+
+<file path=ppt/notesSlides/notesSlide2.xml><?xml version="1.0" encoding="utf-8"?>
+<p:notes xmlns:a="http://schemas.openxmlformats.org/drawingml/2006/main" xmlns:r="http://schemas.openxmlformats.org/officeDocument/2006/relationships" xmlns:p="http://schemas.openxmlformats.org/presentationml/2006/main">
+  <p:cSld>
+    <p:spTree>
+      <p:nvGrpSpPr>
+        <p:cNvPr id="1" name=""/>
+        <p:cNvGrpSpPr/>
+        <p:nvPr/>
+      </p:nvGrpSpPr>
+      <p:grpSpPr>
+        <a:xfrm>
+          <a:off x="0" y="0"/>
+          <a:ext cx="0" cy="0"/>
+          <a:chOff x="0" y="0"/>
+          <a:chExt cx="0" cy="0"/>
+        </a:xfrm>
+      </p:grpSpPr>
+      <p:sp>
+        <p:nvSpPr>
+          <p:cNvPr id="2" name="Espace réservé de l'image des diapositives 1"/>
+          <p:cNvSpPr>
+            <a:spLocks noGrp="1" noRot="1" noChangeAspect="1"/>
+          </p:cNvSpPr>
+          <p:nvPr>
+            <p:ph type="sldImg"/>
+          </p:nvPr>
+        </p:nvSpPr>
+        <p:spPr/>
+      </p:sp>
+      <p:sp>
+        <p:nvSpPr>
+          <p:cNvPr id="3" name="Espace réservé des notes 2"/>
+          <p:cNvSpPr>
+            <a:spLocks noGrp="1"/>
+          </p:cNvSpPr>
+          <p:nvPr>
+            <p:ph type="body" idx="1"/>
+          </p:nvPr>
+        </p:nvSpPr>
+        <p:spPr/>
+        <p:txBody>
+          <a:bodyPr/>
+          <a:lstStyle/>
+          <a:p>
+            <a:r>
+              <a:rPr lang="fr-FR" dirty="0"/>
+              <a:t>Les tableaux peuvent contenir des trous, pour infos</a:t>
+            </a:r>
+            <a:endParaRPr lang="fr-BE" dirty="0"/>
+          </a:p>
+        </p:txBody>
+      </p:sp>
+      <p:sp>
+        <p:nvSpPr>
+          <p:cNvPr id="4" name="Espace réservé du numéro de diapositive 3"/>
+          <p:cNvSpPr>
+            <a:spLocks noGrp="1"/>
+          </p:cNvSpPr>
+          <p:nvPr>
+            <p:ph type="sldNum" sz="quarter" idx="5"/>
+          </p:nvPr>
+        </p:nvSpPr>
+        <p:spPr/>
+        <p:txBody>
+          <a:bodyPr/>
+          <a:lstStyle/>
+          <a:p>
+            <a:fld id="{57428BD9-C303-42C0-88AC-10E59498CEEF}" type="slidenum">
+              <a:rPr lang="fr-BE" smtClean="0"/>
+              <a:t>14</a:t>
+            </a:fld>
+            <a:endParaRPr lang="fr-BE"/>
+          </a:p>
+        </p:txBody>
+      </p:sp>
+    </p:spTree>
+    <p:extLst>
+      <p:ext uri="{BB962C8B-B14F-4D97-AF65-F5344CB8AC3E}">
+        <p14:creationId xmlns:p14="http://schemas.microsoft.com/office/powerpoint/2010/main" val="401901859"/>
+      </p:ext>
+    </p:extLst>
+  </p:cSld>
+  <p:clrMapOvr>
+    <a:masterClrMapping/>
+  </p:clrMapOvr>
+</p:notes>
+</file>
+
+<file path=ppt/notesSlides/notesSlide3.xml><?xml version="1.0" encoding="utf-8"?>
+<p:notes xmlns:a="http://schemas.openxmlformats.org/drawingml/2006/main" xmlns:r="http://schemas.openxmlformats.org/officeDocument/2006/relationships" xmlns:p="http://schemas.openxmlformats.org/presentationml/2006/main">
+  <p:cSld>
+    <p:spTree>
+      <p:nvGrpSpPr>
+        <p:cNvPr id="1" name=""/>
+        <p:cNvGrpSpPr/>
+        <p:nvPr/>
+      </p:nvGrpSpPr>
+      <p:grpSpPr>
+        <a:xfrm>
+          <a:off x="0" y="0"/>
+          <a:ext cx="0" cy="0"/>
+          <a:chOff x="0" y="0"/>
+          <a:chExt cx="0" cy="0"/>
+        </a:xfrm>
+      </p:grpSpPr>
+      <p:sp>
+        <p:nvSpPr>
+          <p:cNvPr id="2" name="Espace réservé de l'image des diapositives 1"/>
+          <p:cNvSpPr>
+            <a:spLocks noGrp="1" noRot="1" noChangeAspect="1"/>
+          </p:cNvSpPr>
+          <p:nvPr>
+            <p:ph type="sldImg"/>
+          </p:nvPr>
+        </p:nvSpPr>
+        <p:spPr/>
+      </p:sp>
+      <p:sp>
+        <p:nvSpPr>
+          <p:cNvPr id="3" name="Espace réservé des notes 2"/>
+          <p:cNvSpPr>
+            <a:spLocks noGrp="1"/>
+          </p:cNvSpPr>
+          <p:nvPr>
+            <p:ph type="body" idx="1"/>
+          </p:nvPr>
+        </p:nvSpPr>
+        <p:spPr/>
+        <p:txBody>
+          <a:bodyPr/>
+          <a:lstStyle/>
+          <a:p>
+            <a:r>
+              <a:rPr lang="fr-FR" dirty="0"/>
+              <a:t>Faire une démo au tableau pour </a:t>
+            </a:r>
+            <a:r>
+              <a:rPr lang="fr-FR" dirty="0" err="1"/>
+              <a:t>chaques</a:t>
+            </a:r>
+            <a:r>
+              <a:rPr lang="fr-FR" dirty="0"/>
+              <a:t> accès avant d’afficher l’image</a:t>
+            </a:r>
+            <a:endParaRPr lang="fr-BE" dirty="0"/>
+          </a:p>
+        </p:txBody>
+      </p:sp>
+      <p:sp>
+        <p:nvSpPr>
+          <p:cNvPr id="4" name="Espace réservé du numéro de diapositive 3"/>
+          <p:cNvSpPr>
+            <a:spLocks noGrp="1"/>
+          </p:cNvSpPr>
+          <p:nvPr>
+            <p:ph type="sldNum" sz="quarter" idx="5"/>
+          </p:nvPr>
+        </p:nvSpPr>
+        <p:spPr/>
+        <p:txBody>
+          <a:bodyPr/>
+          <a:lstStyle/>
+          <a:p>
+            <a:fld id="{57428BD9-C303-42C0-88AC-10E59498CEEF}" type="slidenum">
+              <a:rPr lang="fr-BE" smtClean="0"/>
+              <a:t>16</a:t>
+            </a:fld>
+            <a:endParaRPr lang="fr-BE"/>
+          </a:p>
+        </p:txBody>
+      </p:sp>
+    </p:spTree>
+    <p:extLst>
+      <p:ext uri="{BB962C8B-B14F-4D97-AF65-F5344CB8AC3E}">
+        <p14:creationId xmlns:p14="http://schemas.microsoft.com/office/powerpoint/2010/main" val="2653783725"/>
+      </p:ext>
+    </p:extLst>
+  </p:cSld>
+  <p:clrMapOvr>
+    <a:masterClrMapping/>
+  </p:clrMapOvr>
+</p:notes>
+</file>
+
+<file path=ppt/notesSlides/notesSlide4.xml><?xml version="1.0" encoding="utf-8"?>
+<p:notes xmlns:a="http://schemas.openxmlformats.org/drawingml/2006/main" xmlns:r="http://schemas.openxmlformats.org/officeDocument/2006/relationships" xmlns:p="http://schemas.openxmlformats.org/presentationml/2006/main">
+  <p:cSld>
+    <p:spTree>
+      <p:nvGrpSpPr>
+        <p:cNvPr id="1" name=""/>
+        <p:cNvGrpSpPr/>
+        <p:nvPr/>
+      </p:nvGrpSpPr>
+      <p:grpSpPr>
+        <a:xfrm>
+          <a:off x="0" y="0"/>
+          <a:ext cx="0" cy="0"/>
+          <a:chOff x="0" y="0"/>
+          <a:chExt cx="0" cy="0"/>
+        </a:xfrm>
+      </p:grpSpPr>
+      <p:sp>
+        <p:nvSpPr>
+          <p:cNvPr id="2" name="Espace réservé de l'image des diapositives 1"/>
+          <p:cNvSpPr>
+            <a:spLocks noGrp="1" noRot="1" noChangeAspect="1"/>
+          </p:cNvSpPr>
+          <p:nvPr>
+            <p:ph type="sldImg"/>
+          </p:nvPr>
+        </p:nvSpPr>
+        <p:spPr/>
+      </p:sp>
+      <p:sp>
+        <p:nvSpPr>
+          <p:cNvPr id="3" name="Espace réservé des notes 2"/>
+          <p:cNvSpPr>
+            <a:spLocks noGrp="1"/>
+          </p:cNvSpPr>
+          <p:nvPr>
+            <p:ph type="body" idx="1"/>
+          </p:nvPr>
+        </p:nvSpPr>
+        <p:spPr/>
+        <p:txBody>
+          <a:bodyPr/>
+          <a:lstStyle/>
+          <a:p>
+            <a:endParaRPr lang="fr-BE" dirty="0"/>
+          </a:p>
+        </p:txBody>
+      </p:sp>
+      <p:sp>
+        <p:nvSpPr>
+          <p:cNvPr id="4" name="Espace réservé du numéro de diapositive 3"/>
+          <p:cNvSpPr>
+            <a:spLocks noGrp="1"/>
+          </p:cNvSpPr>
+          <p:nvPr>
+            <p:ph type="sldNum" sz="quarter" idx="5"/>
+          </p:nvPr>
+        </p:nvSpPr>
+        <p:spPr/>
+        <p:txBody>
+          <a:bodyPr/>
+          <a:lstStyle/>
+          <a:p>
+            <a:fld id="{57428BD9-C303-42C0-88AC-10E59498CEEF}" type="slidenum">
+              <a:rPr lang="fr-BE" smtClean="0"/>
+              <a:t>22</a:t>
+            </a:fld>
+            <a:endParaRPr lang="fr-BE"/>
+          </a:p>
+        </p:txBody>
+      </p:sp>
+    </p:spTree>
+    <p:extLst>
+      <p:ext uri="{BB962C8B-B14F-4D97-AF65-F5344CB8AC3E}">
+        <p14:creationId xmlns:p14="http://schemas.microsoft.com/office/powerpoint/2010/main" val="392590056"/>
+      </p:ext>
+    </p:extLst>
+  </p:cSld>
+  <p:clrMapOvr>
+    <a:masterClrMapping/>
+  </p:clrMapOvr>
+</p:notes>
+</file>
+
+<file path=ppt/notesSlides/notesSlide5.xml><?xml version="1.0" encoding="utf-8"?>
+<p:notes xmlns:a="http://schemas.openxmlformats.org/drawingml/2006/main" xmlns:r="http://schemas.openxmlformats.org/officeDocument/2006/relationships" xmlns:p="http://schemas.openxmlformats.org/presentationml/2006/main">
+  <p:cSld>
+    <p:spTree>
+      <p:nvGrpSpPr>
+        <p:cNvPr id="1" name=""/>
+        <p:cNvGrpSpPr/>
+        <p:nvPr/>
+      </p:nvGrpSpPr>
+      <p:grpSpPr>
+        <a:xfrm>
+          <a:off x="0" y="0"/>
+          <a:ext cx="0" cy="0"/>
+          <a:chOff x="0" y="0"/>
+          <a:chExt cx="0" cy="0"/>
+        </a:xfrm>
+      </p:grpSpPr>
+      <p:sp>
+        <p:nvSpPr>
+          <p:cNvPr id="2" name="Espace réservé de l'image des diapositives 1"/>
+          <p:cNvSpPr>
+            <a:spLocks noGrp="1" noRot="1" noChangeAspect="1"/>
+          </p:cNvSpPr>
+          <p:nvPr>
+            <p:ph type="sldImg"/>
+          </p:nvPr>
+        </p:nvSpPr>
+        <p:spPr/>
+      </p:sp>
+      <p:sp>
+        <p:nvSpPr>
+          <p:cNvPr id="3" name="Espace réservé des notes 2"/>
+          <p:cNvSpPr>
+            <a:spLocks noGrp="1"/>
+          </p:cNvSpPr>
+          <p:nvPr>
+            <p:ph type="body" idx="1"/>
+          </p:nvPr>
+        </p:nvSpPr>
+        <p:spPr/>
+        <p:txBody>
+          <a:bodyPr/>
+          <a:lstStyle/>
+          <a:p>
+            <a:r>
+              <a:rPr lang="fr-BE" dirty="0"/>
+              <a:t>Note : une propriété peut être déclarée "non énumérable" ! Dans ce cas-là, elle ne sera pas visitée par un for-in.</a:t>
+            </a:r>
+          </a:p>
+        </p:txBody>
+      </p:sp>
+      <p:sp>
+        <p:nvSpPr>
+          <p:cNvPr id="4" name="Espace réservé du numéro de diapositive 3"/>
+          <p:cNvSpPr>
+            <a:spLocks noGrp="1"/>
+          </p:cNvSpPr>
+          <p:nvPr>
+            <p:ph type="sldNum" sz="quarter" idx="5"/>
+          </p:nvPr>
+        </p:nvSpPr>
+        <p:spPr/>
+        <p:txBody>
+          <a:bodyPr/>
+          <a:lstStyle/>
+          <a:p>
+            <a:fld id="{57428BD9-C303-42C0-88AC-10E59498CEEF}" type="slidenum">
+              <a:rPr lang="fr-BE" smtClean="0"/>
+              <a:t>25</a:t>
+            </a:fld>
+            <a:endParaRPr lang="fr-BE"/>
+          </a:p>
+        </p:txBody>
+      </p:sp>
+    </p:spTree>
+    <p:extLst>
+      <p:ext uri="{BB962C8B-B14F-4D97-AF65-F5344CB8AC3E}">
+        <p14:creationId xmlns:p14="http://schemas.microsoft.com/office/powerpoint/2010/main" val="1920353088"/>
+      </p:ext>
+    </p:extLst>
+  </p:cSld>
+  <p:clrMapOvr>
+    <a:masterClrMapping/>
+  </p:clrMapOvr>
+</p:notes>
+</file>
+
+<file path=ppt/notesSlides/notesSlide6.xml><?xml version="1.0" encoding="utf-8"?>
+<p:notes xmlns:a="http://schemas.openxmlformats.org/drawingml/2006/main" xmlns:r="http://schemas.openxmlformats.org/officeDocument/2006/relationships" xmlns:p="http://schemas.openxmlformats.org/presentationml/2006/main">
+  <p:cSld>
+    <p:spTree>
+      <p:nvGrpSpPr>
+        <p:cNvPr id="1" name=""/>
+        <p:cNvGrpSpPr/>
+        <p:nvPr/>
+      </p:nvGrpSpPr>
+      <p:grpSpPr>
+        <a:xfrm>
+          <a:off x="0" y="0"/>
+          <a:ext cx="0" cy="0"/>
+          <a:chOff x="0" y="0"/>
+          <a:chExt cx="0" cy="0"/>
+        </a:xfrm>
+      </p:grpSpPr>
+      <p:sp>
+        <p:nvSpPr>
+          <p:cNvPr id="2" name="Espace réservé de l'image des diapositives 1"/>
+          <p:cNvSpPr>
+            <a:spLocks noGrp="1" noRot="1" noChangeAspect="1"/>
+          </p:cNvSpPr>
+          <p:nvPr>
+            <p:ph type="sldImg"/>
+          </p:nvPr>
+        </p:nvSpPr>
+        <p:spPr/>
+      </p:sp>
+      <p:sp>
+        <p:nvSpPr>
+          <p:cNvPr id="3" name="Espace réservé des notes 2"/>
+          <p:cNvSpPr>
+            <a:spLocks noGrp="1"/>
+          </p:cNvSpPr>
+          <p:nvPr>
+            <p:ph type="body" idx="1"/>
+          </p:nvPr>
+        </p:nvSpPr>
+        <p:spPr/>
+        <p:txBody>
+          <a:bodyPr/>
+          <a:lstStyle/>
+          <a:p>
+            <a:r>
+              <a:rPr lang="fr-BE" dirty="0"/>
+              <a:t>Note : on peut rendre n'importe quel objet itérable en lui ajoutant une propriété indiquant comment visiter ses propriétés énumérables (cela dépasse le cadre du cours – mot-clef : </a:t>
+            </a:r>
+            <a:r>
+              <a:rPr lang="fr-BE" dirty="0" err="1"/>
+              <a:t>Symbol.iterator</a:t>
+            </a:r>
+            <a:r>
+              <a:rPr lang="fr-BE" dirty="0"/>
+              <a:t>)</a:t>
+            </a:r>
+          </a:p>
+        </p:txBody>
+      </p:sp>
+      <p:sp>
+        <p:nvSpPr>
+          <p:cNvPr id="4" name="Espace réservé du numéro de diapositive 3"/>
+          <p:cNvSpPr>
+            <a:spLocks noGrp="1"/>
+          </p:cNvSpPr>
+          <p:nvPr>
+            <p:ph type="sldNum" sz="quarter" idx="5"/>
+          </p:nvPr>
+        </p:nvSpPr>
+        <p:spPr/>
+        <p:txBody>
+          <a:bodyPr/>
+          <a:lstStyle/>
+          <a:p>
+            <a:fld id="{57428BD9-C303-42C0-88AC-10E59498CEEF}" type="slidenum">
+              <a:rPr lang="fr-BE" smtClean="0"/>
+              <a:t>26</a:t>
+            </a:fld>
+            <a:endParaRPr lang="fr-BE"/>
+          </a:p>
+        </p:txBody>
+      </p:sp>
+    </p:spTree>
+    <p:extLst>
+      <p:ext uri="{BB962C8B-B14F-4D97-AF65-F5344CB8AC3E}">
+        <p14:creationId xmlns:p14="http://schemas.microsoft.com/office/powerpoint/2010/main" val="2182687242"/>
+      </p:ext>
+    </p:extLst>
+  </p:cSld>
+  <p:clrMapOvr>
+    <a:masterClrMapping/>
+  </p:clrMapOvr>
+</p:notes>
+</file>
+
+<file path=ppt/notesSlides/notesSlide7.xml><?xml version="1.0" encoding="utf-8"?>
+<p:notes xmlns:a="http://schemas.openxmlformats.org/drawingml/2006/main" xmlns:r="http://schemas.openxmlformats.org/officeDocument/2006/relationships" xmlns:p="http://schemas.openxmlformats.org/presentationml/2006/main">
+  <p:cSld>
+    <p:spTree>
+      <p:nvGrpSpPr>
+        <p:cNvPr id="1" name=""/>
+        <p:cNvGrpSpPr/>
+        <p:nvPr/>
+      </p:nvGrpSpPr>
+      <p:grpSpPr>
+        <a:xfrm>
+          <a:off x="0" y="0"/>
+          <a:ext cx="0" cy="0"/>
+          <a:chOff x="0" y="0"/>
+          <a:chExt cx="0" cy="0"/>
+        </a:xfrm>
+      </p:grpSpPr>
+      <p:sp>
+        <p:nvSpPr>
+          <p:cNvPr id="2" name="Espace réservé de l'image des diapositives 1"/>
+          <p:cNvSpPr>
+            <a:spLocks noGrp="1" noRot="1" noChangeAspect="1"/>
+          </p:cNvSpPr>
+          <p:nvPr>
+            <p:ph type="sldImg"/>
+          </p:nvPr>
+        </p:nvSpPr>
+        <p:spPr/>
+      </p:sp>
+      <p:sp>
+        <p:nvSpPr>
+          <p:cNvPr id="3" name="Espace réservé des notes 2"/>
+          <p:cNvSpPr>
+            <a:spLocks noGrp="1"/>
+          </p:cNvSpPr>
+          <p:nvPr>
+            <p:ph type="body" idx="1"/>
+          </p:nvPr>
+        </p:nvSpPr>
+        <p:spPr/>
+        <p:txBody>
+          <a:bodyPr/>
+          <a:lstStyle/>
+          <a:p>
+            <a:r>
+              <a:rPr lang="fr-BE" dirty="0"/>
+              <a:t>Mauvaise méthode : ajouter une fonction à chaque objet</a:t>
+            </a:r>
+          </a:p>
+          <a:p>
+            <a:r>
+              <a:rPr lang="fr-BE" dirty="0"/>
+              <a:t>Meilleur méthode : placer une méthode dans un objet à part et dire que tous les personnages en héritent</a:t>
+            </a:r>
+          </a:p>
+        </p:txBody>
+      </p:sp>
+      <p:sp>
+        <p:nvSpPr>
+          <p:cNvPr id="4" name="Espace réservé du numéro de diapositive 3"/>
+          <p:cNvSpPr>
+            <a:spLocks noGrp="1"/>
+          </p:cNvSpPr>
+          <p:nvPr>
+            <p:ph type="sldNum" sz="quarter" idx="5"/>
+          </p:nvPr>
+        </p:nvSpPr>
+        <p:spPr/>
+        <p:txBody>
+          <a:bodyPr/>
+          <a:lstStyle/>
+          <a:p>
+            <a:fld id="{57428BD9-C303-42C0-88AC-10E59498CEEF}" type="slidenum">
+              <a:rPr lang="fr-BE" smtClean="0"/>
+              <a:t>31</a:t>
+            </a:fld>
+            <a:endParaRPr lang="fr-BE"/>
+          </a:p>
+        </p:txBody>
+      </p:sp>
+    </p:spTree>
+    <p:extLst>
+      <p:ext uri="{BB962C8B-B14F-4D97-AF65-F5344CB8AC3E}">
+        <p14:creationId xmlns:p14="http://schemas.microsoft.com/office/powerpoint/2010/main" val="1728106340"/>
+      </p:ext>
+    </p:extLst>
+  </p:cSld>
+  <p:clrMapOvr>
+    <a:masterClrMapping/>
+  </p:clrMapOvr>
+</p:notes>
+</file>
+
+<file path=ppt/notesSlides/notesSlide8.xml><?xml version="1.0" encoding="utf-8"?>
+<p:notes xmlns:a="http://schemas.openxmlformats.org/drawingml/2006/main" xmlns:r="http://schemas.openxmlformats.org/officeDocument/2006/relationships" xmlns:p="http://schemas.openxmlformats.org/presentationml/2006/main">
+  <p:cSld>
+    <p:spTree>
+      <p:nvGrpSpPr>
+        <p:cNvPr id="1" name="">
+          <a:extLst>
+            <a:ext uri="{FF2B5EF4-FFF2-40B4-BE49-F238E27FC236}">
+              <a16:creationId xmlns:a16="http://schemas.microsoft.com/office/drawing/2014/main" id="{94846276-8776-315D-F0CA-D1F84526408D}"/>
+            </a:ext>
+          </a:extLst>
+        </p:cNvPr>
+        <p:cNvGrpSpPr/>
+        <p:nvPr/>
+      </p:nvGrpSpPr>
+      <p:grpSpPr>
+        <a:xfrm>
+          <a:off x="0" y="0"/>
+          <a:ext cx="0" cy="0"/>
+          <a:chOff x="0" y="0"/>
+          <a:chExt cx="0" cy="0"/>
+        </a:xfrm>
+      </p:grpSpPr>
+      <p:sp>
+        <p:nvSpPr>
+          <p:cNvPr id="2" name="Espace réservé de l'image des diapositives 1">
+            <a:extLst>
+              <a:ext uri="{FF2B5EF4-FFF2-40B4-BE49-F238E27FC236}">
+                <a16:creationId xmlns:a16="http://schemas.microsoft.com/office/drawing/2014/main" id="{BBD3CC4A-F3D5-D18C-0CAC-6A91DC0038F9}"/>
+              </a:ext>
+            </a:extLst>
+          </p:cNvPr>
+          <p:cNvSpPr>
+            <a:spLocks noGrp="1" noRot="1" noChangeAspect="1"/>
+          </p:cNvSpPr>
+          <p:nvPr>
+            <p:ph type="sldImg"/>
+          </p:nvPr>
+        </p:nvSpPr>
+        <p:spPr/>
+      </p:sp>
+      <p:sp>
+        <p:nvSpPr>
+          <p:cNvPr id="3" name="Espace réservé des notes 2">
+            <a:extLst>
+              <a:ext uri="{FF2B5EF4-FFF2-40B4-BE49-F238E27FC236}">
+                <a16:creationId xmlns:a16="http://schemas.microsoft.com/office/drawing/2014/main" id="{E6E78377-AD37-DE40-A5EF-DC9D4B05C9A9}"/>
+              </a:ext>
+            </a:extLst>
+          </p:cNvPr>
+          <p:cNvSpPr>
+            <a:spLocks noGrp="1"/>
+          </p:cNvSpPr>
+          <p:nvPr>
+            <p:ph type="body" idx="1"/>
+          </p:nvPr>
+        </p:nvSpPr>
+        <p:spPr/>
+        <p:txBody>
+          <a:bodyPr/>
+          <a:lstStyle/>
+          <a:p>
+            <a:r>
+              <a:rPr lang="fr-BE" dirty="0"/>
+              <a:t>Mauvaise méthode : ajouter une fonction à chaque objet</a:t>
+            </a:r>
+          </a:p>
+          <a:p>
+            <a:r>
+              <a:rPr lang="fr-BE" dirty="0"/>
+              <a:t>Meilleur méthode : placer une méthode dans un objet à part et dire que tous les personnages en héritent</a:t>
+            </a:r>
+          </a:p>
+        </p:txBody>
+      </p:sp>
+      <p:sp>
+        <p:nvSpPr>
+          <p:cNvPr id="4" name="Espace réservé du numéro de diapositive 3">
+            <a:extLst>
+              <a:ext uri="{FF2B5EF4-FFF2-40B4-BE49-F238E27FC236}">
+                <a16:creationId xmlns:a16="http://schemas.microsoft.com/office/drawing/2014/main" id="{57CB8B54-1B96-7D0B-9D51-BF7E8327CC35}"/>
+              </a:ext>
+            </a:extLst>
+          </p:cNvPr>
+          <p:cNvSpPr>
+            <a:spLocks noGrp="1"/>
+          </p:cNvSpPr>
+          <p:nvPr>
+            <p:ph type="sldNum" sz="quarter" idx="5"/>
+          </p:nvPr>
+        </p:nvSpPr>
+        <p:spPr/>
+        <p:txBody>
+          <a:bodyPr/>
+          <a:lstStyle/>
+          <a:p>
+            <a:fld id="{57428BD9-C303-42C0-88AC-10E59498CEEF}" type="slidenum">
+              <a:rPr lang="fr-BE" smtClean="0"/>
+              <a:t>32</a:t>
+            </a:fld>
+            <a:endParaRPr lang="fr-BE"/>
+          </a:p>
+        </p:txBody>
+      </p:sp>
+    </p:spTree>
+    <p:extLst>
+      <p:ext uri="{BB962C8B-B14F-4D97-AF65-F5344CB8AC3E}">
+        <p14:creationId xmlns:p14="http://schemas.microsoft.com/office/powerpoint/2010/main" val="2781160665"/>
+      </p:ext>
+    </p:extLst>
+  </p:cSld>
+  <p:clrMapOvr>
+    <a:masterClrMapping/>
+  </p:clrMapOvr>
+</p:notes>
+</file>
+
+<file path=ppt/notesSlides/notesSlide9.xml><?xml version="1.0" encoding="utf-8"?>
+<p:notes xmlns:a="http://schemas.openxmlformats.org/drawingml/2006/main" xmlns:r="http://schemas.openxmlformats.org/officeDocument/2006/relationships" xmlns:p="http://schemas.openxmlformats.org/presentationml/2006/main">
+  <p:cSld>
+    <p:spTree>
+      <p:nvGrpSpPr>
+        <p:cNvPr id="1" name=""/>
+        <p:cNvGrpSpPr/>
+        <p:nvPr/>
+      </p:nvGrpSpPr>
+      <p:grpSpPr>
+        <a:xfrm>
+          <a:off x="0" y="0"/>
+          <a:ext cx="0" cy="0"/>
+          <a:chOff x="0" y="0"/>
+          <a:chExt cx="0" cy="0"/>
+        </a:xfrm>
+      </p:grpSpPr>
+      <p:sp>
+        <p:nvSpPr>
+          <p:cNvPr id="2" name="Espace réservé de l'image des diapositives 1"/>
+          <p:cNvSpPr>
+            <a:spLocks noGrp="1" noRot="1" noChangeAspect="1"/>
+          </p:cNvSpPr>
+          <p:nvPr>
+            <p:ph type="sldImg"/>
+          </p:nvPr>
+        </p:nvSpPr>
+        <p:spPr/>
+      </p:sp>
+      <p:sp>
+        <p:nvSpPr>
+          <p:cNvPr id="3" name="Espace réservé des notes 2"/>
+          <p:cNvSpPr>
+            <a:spLocks noGrp="1"/>
+          </p:cNvSpPr>
+          <p:nvPr>
+            <p:ph type="body" idx="1"/>
+          </p:nvPr>
+        </p:nvSpPr>
+        <p:spPr/>
+        <p:txBody>
+          <a:bodyPr/>
+          <a:lstStyle/>
+          <a:p>
+            <a:endParaRPr lang="fr-BE" dirty="0"/>
+          </a:p>
+        </p:txBody>
+      </p:sp>
+      <p:sp>
+        <p:nvSpPr>
+          <p:cNvPr id="4" name="Espace réservé du numéro de diapositive 3"/>
+          <p:cNvSpPr>
+            <a:spLocks noGrp="1"/>
+          </p:cNvSpPr>
+          <p:nvPr>
+            <p:ph type="sldNum" sz="quarter" idx="5"/>
+          </p:nvPr>
+        </p:nvSpPr>
+        <p:spPr/>
+        <p:txBody>
+          <a:bodyPr/>
+          <a:lstStyle/>
+          <a:p>
+            <a:fld id="{57428BD9-C303-42C0-88AC-10E59498CEEF}" type="slidenum">
+              <a:rPr lang="fr-BE" smtClean="0"/>
+              <a:t>34</a:t>
+            </a:fld>
+            <a:endParaRPr lang="fr-BE"/>
+          </a:p>
+        </p:txBody>
+      </p:sp>
+    </p:spTree>
+    <p:extLst>
+      <p:ext uri="{BB962C8B-B14F-4D97-AF65-F5344CB8AC3E}">
+        <p14:creationId xmlns:p14="http://schemas.microsoft.com/office/powerpoint/2010/main" val="2599248645"/>
+      </p:ext>
+    </p:extLst>
+  </p:cSld>
+  <p:clrMapOvr>
+    <a:masterClrMapping/>
+  </p:clrMapOvr>
+</p:notes>
 </file>
 
 <file path=ppt/slideLayouts/slideLayout1.xml><?xml version="1.0" encoding="utf-8"?>
@@ -290,7 +1667,7 @@
           <a:p>
             <a:fld id="{AEBED520-9047-4E94-9C6B-DE22BBDBA390}" type="datetimeFigureOut">
               <a:rPr lang="fr-BE" smtClean="0"/>
-              <a:t>26-12-25</a:t>
+              <a:t>29-12-25</a:t>
             </a:fld>
             <a:endParaRPr lang="fr-BE"/>
           </a:p>
@@ -490,7 +1867,7 @@
           <a:p>
             <a:fld id="{AEBED520-9047-4E94-9C6B-DE22BBDBA390}" type="datetimeFigureOut">
               <a:rPr lang="fr-BE" smtClean="0"/>
-              <a:t>26-12-25</a:t>
+              <a:t>29-12-25</a:t>
             </a:fld>
             <a:endParaRPr lang="fr-BE"/>
           </a:p>
@@ -700,7 +2077,7 @@
           <a:p>
             <a:fld id="{AEBED520-9047-4E94-9C6B-DE22BBDBA390}" type="datetimeFigureOut">
               <a:rPr lang="fr-BE" smtClean="0"/>
-              <a:t>26-12-25</a:t>
+              <a:t>29-12-25</a:t>
             </a:fld>
             <a:endParaRPr lang="fr-BE"/>
           </a:p>
@@ -900,7 +2277,7 @@
           <a:p>
             <a:fld id="{AEBED520-9047-4E94-9C6B-DE22BBDBA390}" type="datetimeFigureOut">
               <a:rPr lang="fr-BE" smtClean="0"/>
-              <a:t>26-12-25</a:t>
+              <a:t>29-12-25</a:t>
             </a:fld>
             <a:endParaRPr lang="fr-BE"/>
           </a:p>
@@ -1176,7 +2553,7 @@
           <a:p>
             <a:fld id="{AEBED520-9047-4E94-9C6B-DE22BBDBA390}" type="datetimeFigureOut">
               <a:rPr lang="fr-BE" smtClean="0"/>
-              <a:t>26-12-25</a:t>
+              <a:t>29-12-25</a:t>
             </a:fld>
             <a:endParaRPr lang="fr-BE"/>
           </a:p>
@@ -1444,7 +2821,7 @@
           <a:p>
             <a:fld id="{AEBED520-9047-4E94-9C6B-DE22BBDBA390}" type="datetimeFigureOut">
               <a:rPr lang="fr-BE" smtClean="0"/>
-              <a:t>26-12-25</a:t>
+              <a:t>29-12-25</a:t>
             </a:fld>
             <a:endParaRPr lang="fr-BE"/>
           </a:p>
@@ -1859,7 +3236,7 @@
           <a:p>
             <a:fld id="{AEBED520-9047-4E94-9C6B-DE22BBDBA390}" type="datetimeFigureOut">
               <a:rPr lang="fr-BE" smtClean="0"/>
-              <a:t>26-12-25</a:t>
+              <a:t>29-12-25</a:t>
             </a:fld>
             <a:endParaRPr lang="fr-BE"/>
           </a:p>
@@ -2001,7 +3378,7 @@
           <a:p>
             <a:fld id="{AEBED520-9047-4E94-9C6B-DE22BBDBA390}" type="datetimeFigureOut">
               <a:rPr lang="fr-BE" smtClean="0"/>
-              <a:t>26-12-25</a:t>
+              <a:t>29-12-25</a:t>
             </a:fld>
             <a:endParaRPr lang="fr-BE"/>
           </a:p>
@@ -2114,7 +3491,7 @@
           <a:p>
             <a:fld id="{AEBED520-9047-4E94-9C6B-DE22BBDBA390}" type="datetimeFigureOut">
               <a:rPr lang="fr-BE" smtClean="0"/>
-              <a:t>26-12-25</a:t>
+              <a:t>29-12-25</a:t>
             </a:fld>
             <a:endParaRPr lang="fr-BE"/>
           </a:p>
@@ -2427,7 +3804,7 @@
           <a:p>
             <a:fld id="{AEBED520-9047-4E94-9C6B-DE22BBDBA390}" type="datetimeFigureOut">
               <a:rPr lang="fr-BE" smtClean="0"/>
-              <a:t>26-12-25</a:t>
+              <a:t>29-12-25</a:t>
             </a:fld>
             <a:endParaRPr lang="fr-BE"/>
           </a:p>
@@ -2716,7 +4093,7 @@
           <a:p>
             <a:fld id="{AEBED520-9047-4E94-9C6B-DE22BBDBA390}" type="datetimeFigureOut">
               <a:rPr lang="fr-BE" smtClean="0"/>
-              <a:t>26-12-25</a:t>
+              <a:t>29-12-25</a:t>
             </a:fld>
             <a:endParaRPr lang="fr-BE"/>
           </a:p>
@@ -2959,7 +4336,7 @@
           <a:p>
             <a:fld id="{AEBED520-9047-4E94-9C6B-DE22BBDBA390}" type="datetimeFigureOut">
               <a:rPr lang="fr-BE" smtClean="0"/>
-              <a:t>26-12-25</a:t>
+              <a:t>29-12-25</a:t>
             </a:fld>
             <a:endParaRPr lang="fr-BE"/>
           </a:p>
@@ -3513,23 +4890,177 @@
         </p:nvSpPr>
         <p:spPr/>
         <p:txBody>
-          <a:bodyPr/>
-          <a:lstStyle/>
-          <a:p>
-            <a:r>
-              <a:rPr lang="fr-FR" dirty="0"/>
-              <a:t>Fonction nommée ( &lt;&gt; fonction anonymes)</a:t>
+          <a:bodyPr>
+            <a:normAutofit fontScale="92500" lnSpcReduction="10000"/>
+          </a:bodyPr>
+          <a:lstStyle/>
+          <a:p>
+            <a:r>
+              <a:rPr lang="fr-FR" dirty="0"/>
+              <a:t>Fonction nommée </a:t>
             </a:r>
           </a:p>
           <a:p>
             <a:pPr lvl="1"/>
             <a:r>
               <a:rPr lang="fr-FR" dirty="0"/>
-              <a:t>Utilisation</a:t>
-            </a:r>
-          </a:p>
-        </p:txBody>
-      </p:sp>
+              <a:t>Utilisation </a:t>
+            </a:r>
+            <a:r>
+              <a:rPr lang="fr-FR" dirty="0">
+                <a:sym typeface="Wingdings" panose="05000000000000000000" pitchFamily="2" charset="2"/>
+              </a:rPr>
+              <a:t> appeler une fonction nommée</a:t>
+            </a:r>
+          </a:p>
+          <a:p>
+            <a:pPr lvl="1"/>
+            <a:endParaRPr lang="fr-FR" dirty="0">
+              <a:sym typeface="Wingdings" panose="05000000000000000000" pitchFamily="2" charset="2"/>
+            </a:endParaRPr>
+          </a:p>
+          <a:p>
+            <a:pPr lvl="1"/>
+            <a:endParaRPr lang="fr-FR" dirty="0">
+              <a:sym typeface="Wingdings" panose="05000000000000000000" pitchFamily="2" charset="2"/>
+            </a:endParaRPr>
+          </a:p>
+          <a:p>
+            <a:pPr lvl="1"/>
+            <a:endParaRPr lang="fr-FR" dirty="0">
+              <a:sym typeface="Wingdings" panose="05000000000000000000" pitchFamily="2" charset="2"/>
+            </a:endParaRPr>
+          </a:p>
+          <a:p>
+            <a:pPr lvl="1"/>
+            <a:endParaRPr lang="fr-FR" dirty="0">
+              <a:sym typeface="Wingdings" panose="05000000000000000000" pitchFamily="2" charset="2"/>
+            </a:endParaRPr>
+          </a:p>
+          <a:p>
+            <a:pPr lvl="1"/>
+            <a:r>
+              <a:rPr lang="fr-FR" dirty="0">
+                <a:sym typeface="Wingdings" panose="05000000000000000000" pitchFamily="2" charset="2"/>
+              </a:rPr>
+              <a:t>Attention</a:t>
+            </a:r>
+          </a:p>
+          <a:p>
+            <a:pPr lvl="2"/>
+            <a:r>
+              <a:rPr lang="fr-FR" dirty="0">
+                <a:sym typeface="Wingdings" panose="05000000000000000000" pitchFamily="2" charset="2"/>
+              </a:rPr>
+              <a:t>Aucune vérification de type</a:t>
+            </a:r>
+          </a:p>
+          <a:p>
+            <a:pPr lvl="2"/>
+            <a:r>
+              <a:rPr lang="fr-FR" dirty="0">
+                <a:sym typeface="Wingdings" panose="05000000000000000000" pitchFamily="2" charset="2"/>
+              </a:rPr>
+              <a:t>Aucune vérification du nombre de paramètres</a:t>
+            </a:r>
+          </a:p>
+          <a:p>
+            <a:pPr lvl="3"/>
+            <a:r>
+              <a:rPr lang="fr-FR" dirty="0">
+                <a:sym typeface="Wingdings" panose="05000000000000000000" pitchFamily="2" charset="2"/>
+              </a:rPr>
+              <a:t>Trop: les derniers sont ignorés</a:t>
+            </a:r>
+          </a:p>
+          <a:p>
+            <a:pPr lvl="3"/>
+            <a:r>
+              <a:rPr lang="fr-FR" dirty="0">
+                <a:sym typeface="Wingdings" panose="05000000000000000000" pitchFamily="2" charset="2"/>
+              </a:rPr>
+              <a:t>Pas assez : complété avec des </a:t>
+            </a:r>
+            <a:r>
+              <a:rPr lang="fr-FR" dirty="0" err="1">
+                <a:sym typeface="Wingdings" panose="05000000000000000000" pitchFamily="2" charset="2"/>
+              </a:rPr>
+              <a:t>undefined</a:t>
+            </a:r>
+            <a:endParaRPr lang="fr-FR" dirty="0">
+              <a:sym typeface="Wingdings" panose="05000000000000000000" pitchFamily="2" charset="2"/>
+            </a:endParaRPr>
+          </a:p>
+          <a:p>
+            <a:pPr lvl="2"/>
+            <a:r>
+              <a:rPr lang="fr-FR" dirty="0">
+                <a:sym typeface="Wingdings" panose="05000000000000000000" pitchFamily="2" charset="2"/>
+              </a:rPr>
+              <a:t>Passage par valeurs pour les types primitifs</a:t>
+            </a:r>
+          </a:p>
+          <a:p>
+            <a:pPr lvl="2"/>
+            <a:r>
+              <a:rPr lang="fr-FR" dirty="0">
+                <a:sym typeface="Wingdings" panose="05000000000000000000" pitchFamily="2" charset="2"/>
+              </a:rPr>
+              <a:t>Passage par référence pour les objets</a:t>
+            </a:r>
+          </a:p>
+          <a:p>
+            <a:pPr lvl="1"/>
+            <a:endParaRPr lang="fr-FR" dirty="0"/>
+          </a:p>
+        </p:txBody>
+      </p:sp>
+      <p:pic>
+        <p:nvPicPr>
+          <p:cNvPr id="5" name="Image 4" descr="Une image contenant texte, Police, ligne, capture d’écran&#10;&#10;Le contenu généré par l’IA peut être incorrect.">
+            <a:extLst>
+              <a:ext uri="{FF2B5EF4-FFF2-40B4-BE49-F238E27FC236}">
+                <a16:creationId xmlns:a16="http://schemas.microsoft.com/office/drawing/2014/main" id="{AAAD0559-5F3A-1BC9-E946-0E28B61A2989}"/>
+              </a:ext>
+            </a:extLst>
+          </p:cNvPr>
+          <p:cNvPicPr>
+            <a:picLocks noChangeAspect="1"/>
+          </p:cNvPicPr>
+          <p:nvPr/>
+        </p:nvPicPr>
+        <p:blipFill>
+          <a:blip r:embed="rId2">
+            <a:extLst>
+              <a:ext uri="{28A0092B-C50C-407E-A947-70E740481C1C}">
+                <a14:useLocalDpi xmlns:a14="http://schemas.microsoft.com/office/drawing/2010/main" val="0"/>
+              </a:ext>
+            </a:extLst>
+          </a:blip>
+          <a:stretch>
+            <a:fillRect/>
+          </a:stretch>
+        </p:blipFill>
+        <p:spPr>
+          <a:xfrm>
+            <a:off x="5226448" y="2681183"/>
+            <a:ext cx="6773220" cy="1495634"/>
+          </a:xfrm>
+          <a:prstGeom prst="rect">
+            <a:avLst/>
+          </a:prstGeom>
+          <a:ln>
+            <a:noFill/>
+          </a:ln>
+          <a:effectLst>
+            <a:outerShdw blurRad="292100" dist="139700" dir="2700000" algn="tl" rotWithShape="0">
+              <a:srgbClr val="333333">
+                <a:alpha val="65000"/>
+              </a:srgbClr>
+            </a:outerShdw>
+          </a:effectLst>
+        </p:spPr>
+      </p:pic>
     </p:spTree>
     <p:extLst>
       <p:ext uri="{BB962C8B-B14F-4D97-AF65-F5344CB8AC3E}">
@@ -3618,7 +5149,7 @@
           <a:p>
             <a:r>
               <a:rPr lang="fr-FR" dirty="0"/>
-              <a:t>Fonction nommée ( &lt;&gt; fonction anonymes)</a:t>
+              <a:t>Fonction nommée </a:t>
             </a:r>
           </a:p>
           <a:p>
@@ -3626,6 +5157,178 @@
             <a:r>
               <a:rPr lang="fr-FR" dirty="0"/>
               <a:t>Fonctions prédéfinies</a:t>
+            </a:r>
+          </a:p>
+          <a:p>
+            <a:pPr lvl="2"/>
+            <a:r>
+              <a:rPr lang="fr-FR" dirty="0"/>
+              <a:t>Eval </a:t>
+            </a:r>
+            <a:r>
+              <a:rPr lang="fr-FR" dirty="0">
+                <a:sym typeface="Wingdings" panose="05000000000000000000" pitchFamily="2" charset="2"/>
+              </a:rPr>
+              <a:t> retourne la valeur d’un code JS (!!lent)</a:t>
+            </a:r>
+            <a:endParaRPr lang="fr-FR" dirty="0"/>
+          </a:p>
+          <a:p>
+            <a:pPr lvl="2"/>
+            <a:r>
+              <a:rPr lang="fr-FR" dirty="0" err="1"/>
+              <a:t>isNan</a:t>
+            </a:r>
+            <a:r>
+              <a:rPr lang="fr-FR" dirty="0"/>
+              <a:t> </a:t>
+            </a:r>
+            <a:r>
+              <a:rPr lang="fr-FR" dirty="0">
+                <a:sym typeface="Wingdings" panose="05000000000000000000" pitchFamily="2" charset="2"/>
+              </a:rPr>
+              <a:t> retourne si la valeur n’est pas un nombre</a:t>
+            </a:r>
+            <a:r>
+              <a:rPr lang="fr-FR" dirty="0"/>
+              <a:t> </a:t>
+            </a:r>
+          </a:p>
+          <a:p>
+            <a:pPr lvl="2"/>
+            <a:r>
+              <a:rPr lang="fr-FR" dirty="0" err="1"/>
+              <a:t>isFinite</a:t>
+            </a:r>
+            <a:r>
+              <a:rPr lang="fr-FR" dirty="0"/>
+              <a:t> </a:t>
+            </a:r>
+            <a:r>
+              <a:rPr lang="fr-FR" dirty="0">
+                <a:sym typeface="Wingdings" panose="05000000000000000000" pitchFamily="2" charset="2"/>
+              </a:rPr>
+              <a:t> retourne si la valeur est un nombre fini</a:t>
+            </a:r>
+          </a:p>
+          <a:p>
+            <a:pPr lvl="2"/>
+            <a:r>
+              <a:rPr lang="fr-FR" dirty="0">
+                <a:sym typeface="Wingdings" panose="05000000000000000000" pitchFamily="2" charset="2"/>
+              </a:rPr>
+              <a:t>Fonction de conversion</a:t>
+            </a:r>
+          </a:p>
+          <a:p>
+            <a:pPr lvl="3"/>
+            <a:r>
+              <a:rPr lang="fr-FR" dirty="0" err="1">
+                <a:sym typeface="Wingdings" panose="05000000000000000000" pitchFamily="2" charset="2"/>
+              </a:rPr>
+              <a:t>parseInt</a:t>
+            </a:r>
+            <a:r>
+              <a:rPr lang="fr-FR" dirty="0">
+                <a:sym typeface="Wingdings" panose="05000000000000000000" pitchFamily="2" charset="2"/>
+              </a:rPr>
+              <a:t>(s) ou </a:t>
+            </a:r>
+            <a:r>
+              <a:rPr lang="fr-FR" dirty="0" err="1">
+                <a:sym typeface="Wingdings" panose="05000000000000000000" pitchFamily="2" charset="2"/>
+              </a:rPr>
+              <a:t>parseInt</a:t>
+            </a:r>
+            <a:r>
+              <a:rPr lang="fr-FR" dirty="0">
+                <a:sym typeface="Wingdings" panose="05000000000000000000" pitchFamily="2" charset="2"/>
+              </a:rPr>
+              <a:t>(s, base)</a:t>
+            </a:r>
+          </a:p>
+          <a:p>
+            <a:pPr lvl="3"/>
+            <a:r>
+              <a:rPr lang="fr-FR" dirty="0" err="1">
+                <a:sym typeface="Wingdings" panose="05000000000000000000" pitchFamily="2" charset="2"/>
+              </a:rPr>
+              <a:t>parseFloat</a:t>
+            </a:r>
+            <a:r>
+              <a:rPr lang="fr-FR" dirty="0">
+                <a:sym typeface="Wingdings" panose="05000000000000000000" pitchFamily="2" charset="2"/>
+              </a:rPr>
+              <a:t>(s)</a:t>
+            </a:r>
+          </a:p>
+          <a:p>
+            <a:pPr lvl="3"/>
+            <a:r>
+              <a:rPr lang="fr-FR" dirty="0" err="1">
+                <a:sym typeface="Wingdings" panose="05000000000000000000" pitchFamily="2" charset="2"/>
+              </a:rPr>
+              <a:t>Number</a:t>
+            </a:r>
+            <a:r>
+              <a:rPr lang="fr-FR" dirty="0">
+                <a:sym typeface="Wingdings" panose="05000000000000000000" pitchFamily="2" charset="2"/>
+              </a:rPr>
+              <a:t>(</a:t>
+            </a:r>
+            <a:r>
+              <a:rPr lang="fr-FR" dirty="0" err="1">
+                <a:sym typeface="Wingdings" panose="05000000000000000000" pitchFamily="2" charset="2"/>
+              </a:rPr>
+              <a:t>obj</a:t>
+            </a:r>
+            <a:r>
+              <a:rPr lang="fr-FR" dirty="0">
+                <a:sym typeface="Wingdings" panose="05000000000000000000" pitchFamily="2" charset="2"/>
+              </a:rPr>
+              <a:t>)</a:t>
+            </a:r>
+          </a:p>
+          <a:p>
+            <a:pPr lvl="3"/>
+            <a:r>
+              <a:rPr lang="fr-FR" dirty="0">
+                <a:sym typeface="Wingdings" panose="05000000000000000000" pitchFamily="2" charset="2"/>
+              </a:rPr>
+              <a:t>String(</a:t>
+            </a:r>
+            <a:r>
+              <a:rPr lang="fr-FR" dirty="0" err="1">
+                <a:sym typeface="Wingdings" panose="05000000000000000000" pitchFamily="2" charset="2"/>
+              </a:rPr>
+              <a:t>obj</a:t>
+            </a:r>
+            <a:r>
+              <a:rPr lang="fr-FR" dirty="0">
+                <a:sym typeface="Wingdings" panose="05000000000000000000" pitchFamily="2" charset="2"/>
+              </a:rPr>
+              <a:t>)</a:t>
+            </a:r>
+          </a:p>
+          <a:p>
+            <a:pPr lvl="3"/>
+            <a:r>
+              <a:rPr lang="fr-FR" dirty="0">
+                <a:sym typeface="Wingdings" panose="05000000000000000000" pitchFamily="2" charset="2"/>
+              </a:rPr>
+              <a:t>Boolean(</a:t>
+            </a:r>
+            <a:r>
+              <a:rPr lang="fr-FR" dirty="0" err="1">
+                <a:sym typeface="Wingdings" panose="05000000000000000000" pitchFamily="2" charset="2"/>
+              </a:rPr>
+              <a:t>obj</a:t>
+            </a:r>
+            <a:r>
+              <a:rPr lang="fr-FR" dirty="0">
+                <a:sym typeface="Wingdings" panose="05000000000000000000" pitchFamily="2" charset="2"/>
+              </a:rPr>
+              <a:t>)</a:t>
             </a:r>
           </a:p>
         </p:txBody>
@@ -3731,10 +5434,106 @@
               <a:rPr lang="fr-BE" dirty="0"/>
               <a:t>s</a:t>
             </a:r>
+          </a:p>
+          <a:p>
+            <a:pPr lvl="2"/>
+            <a:r>
+              <a:rPr lang="fr-BE" dirty="0"/>
+              <a:t>1</a:t>
+            </a:r>
+            <a:r>
+              <a:rPr lang="fr-FR" dirty="0"/>
+              <a:t>. Considérez le code. </a:t>
+            </a:r>
+            <a:br>
+              <a:rPr lang="fr-FR" dirty="0"/>
+            </a:br>
+            <a:r>
+              <a:rPr lang="fr-FR" dirty="0"/>
+              <a:t>Qu’affichera la console ?</a:t>
+            </a:r>
+          </a:p>
+          <a:p>
+            <a:pPr lvl="2"/>
+            <a:r>
+              <a:rPr lang="fr-FR" dirty="0"/>
+              <a:t>2. si on déclare la fonction via </a:t>
+            </a:r>
+            <a:br>
+              <a:rPr lang="fr-FR" dirty="0"/>
+            </a:br>
+            <a:r>
+              <a:rPr lang="fr-FR" dirty="0"/>
+              <a:t>une expression fonctionnelle et un </a:t>
+            </a:r>
+            <a:br>
+              <a:rPr lang="fr-FR" dirty="0"/>
+            </a:br>
+            <a:r>
+              <a:rPr lang="fr-FR" dirty="0"/>
+              <a:t>var. Qu’affichera la console ?</a:t>
+            </a:r>
+          </a:p>
+          <a:p>
+            <a:pPr lvl="2"/>
+            <a:r>
+              <a:rPr lang="fr-FR" dirty="0"/>
+              <a:t>3. Quel est le terme utiliser pour </a:t>
+            </a:r>
+            <a:br>
+              <a:rPr lang="fr-FR" dirty="0"/>
+            </a:br>
+            <a:r>
+              <a:rPr lang="fr-FR" dirty="0"/>
+              <a:t>définir la mécanique qui induit les différences de valeurs pour l’exercice 1 et 2</a:t>
+            </a:r>
+          </a:p>
+          <a:p>
+            <a:pPr lvl="2"/>
             <a:endParaRPr lang="fr-FR" dirty="0"/>
           </a:p>
-        </p:txBody>
-      </p:sp>
+          <a:p>
+            <a:pPr lvl="2"/>
+            <a:endParaRPr lang="fr-BE" dirty="0"/>
+          </a:p>
+        </p:txBody>
+      </p:sp>
+      <p:pic>
+        <p:nvPicPr>
+          <p:cNvPr id="5" name="Image 4" descr="Une image contenant texte, Police, écriture manuscrite&#10;&#10;Le contenu généré par l’IA peut être incorrect.">
+            <a:extLst>
+              <a:ext uri="{FF2B5EF4-FFF2-40B4-BE49-F238E27FC236}">
+                <a16:creationId xmlns:a16="http://schemas.microsoft.com/office/drawing/2014/main" id="{EA76A292-91F8-4C49-AEF1-48B490744032}"/>
+              </a:ext>
+            </a:extLst>
+          </p:cNvPr>
+          <p:cNvPicPr>
+            <a:picLocks noChangeAspect="1"/>
+          </p:cNvPicPr>
+          <p:nvPr/>
+        </p:nvPicPr>
+        <p:blipFill>
+          <a:blip r:embed="rId3">
+            <a:extLst>
+              <a:ext uri="{28A0092B-C50C-407E-A947-70E740481C1C}">
+                <a14:useLocalDpi xmlns:a14="http://schemas.microsoft.com/office/drawing/2010/main" val="0"/>
+              </a:ext>
+            </a:extLst>
+          </a:blip>
+          <a:stretch>
+            <a:fillRect/>
+          </a:stretch>
+        </p:blipFill>
+        <p:spPr>
+          <a:xfrm>
+            <a:off x="5915530" y="2495419"/>
+            <a:ext cx="3762900" cy="1867161"/>
+          </a:xfrm>
+          <a:prstGeom prst="rect">
+            <a:avLst/>
+          </a:prstGeom>
+        </p:spPr>
+      </p:pic>
     </p:spTree>
     <p:extLst>
       <p:ext uri="{BB962C8B-B14F-4D97-AF65-F5344CB8AC3E}">
@@ -3904,8 +5703,214 @@
               <a:t>Caractéristiques</a:t>
             </a:r>
           </a:p>
-        </p:txBody>
-      </p:sp>
+          <a:p>
+            <a:pPr lvl="2"/>
+            <a:r>
+              <a:rPr lang="fr-BE" dirty="0"/>
+              <a:t>Hétérogènes et (potentiellement) multidimensionnels </a:t>
+            </a:r>
+          </a:p>
+          <a:p>
+            <a:pPr lvl="2"/>
+            <a:endParaRPr lang="fr-BE" dirty="0"/>
+          </a:p>
+          <a:p>
+            <a:pPr lvl="2"/>
+            <a:endParaRPr lang="fr-BE" dirty="0"/>
+          </a:p>
+          <a:p>
+            <a:pPr lvl="2"/>
+            <a:r>
+              <a:rPr lang="fr-BE" dirty="0"/>
+              <a:t>Dynamiques</a:t>
+            </a:r>
+          </a:p>
+        </p:txBody>
+      </p:sp>
+      <p:pic>
+        <p:nvPicPr>
+          <p:cNvPr id="5" name="Image 4">
+            <a:extLst>
+              <a:ext uri="{FF2B5EF4-FFF2-40B4-BE49-F238E27FC236}">
+                <a16:creationId xmlns:a16="http://schemas.microsoft.com/office/drawing/2014/main" id="{23DEE9E2-B825-FC61-A4EA-383AA49FA1BB}"/>
+              </a:ext>
+            </a:extLst>
+          </p:cNvPr>
+          <p:cNvPicPr>
+            <a:picLocks noChangeAspect="1"/>
+          </p:cNvPicPr>
+          <p:nvPr/>
+        </p:nvPicPr>
+        <p:blipFill>
+          <a:blip r:embed="rId3">
+            <a:extLst>
+              <a:ext uri="{28A0092B-C50C-407E-A947-70E740481C1C}">
+                <a14:useLocalDpi xmlns:a14="http://schemas.microsoft.com/office/drawing/2010/main" val="0"/>
+              </a:ext>
+            </a:extLst>
+          </a:blip>
+          <a:stretch>
+            <a:fillRect/>
+          </a:stretch>
+        </p:blipFill>
+        <p:spPr>
+          <a:xfrm>
+            <a:off x="1542628" y="2710459"/>
+            <a:ext cx="6058746" cy="257211"/>
+          </a:xfrm>
+          <a:prstGeom prst="rect">
+            <a:avLst/>
+          </a:prstGeom>
+          <a:ln>
+            <a:noFill/>
+          </a:ln>
+          <a:effectLst>
+            <a:outerShdw blurRad="292100" dist="139700" dir="2700000" algn="tl" rotWithShape="0">
+              <a:srgbClr val="333333">
+                <a:alpha val="65000"/>
+              </a:srgbClr>
+            </a:outerShdw>
+          </a:effectLst>
+        </p:spPr>
+      </p:pic>
+      <p:pic>
+        <p:nvPicPr>
+          <p:cNvPr id="7" name="Image 6">
+            <a:extLst>
+              <a:ext uri="{FF2B5EF4-FFF2-40B4-BE49-F238E27FC236}">
+                <a16:creationId xmlns:a16="http://schemas.microsoft.com/office/drawing/2014/main" id="{A1872921-E759-D74A-A32A-E9D6E518663F}"/>
+              </a:ext>
+            </a:extLst>
+          </p:cNvPr>
+          <p:cNvPicPr>
+            <a:picLocks noChangeAspect="1"/>
+          </p:cNvPicPr>
+          <p:nvPr/>
+        </p:nvPicPr>
+        <p:blipFill>
+          <a:blip r:embed="rId4">
+            <a:extLst>
+              <a:ext uri="{28A0092B-C50C-407E-A947-70E740481C1C}">
+                <a14:useLocalDpi xmlns:a14="http://schemas.microsoft.com/office/drawing/2010/main" val="0"/>
+              </a:ext>
+            </a:extLst>
+          </a:blip>
+          <a:stretch>
+            <a:fillRect/>
+          </a:stretch>
+        </p:blipFill>
+        <p:spPr>
+          <a:xfrm>
+            <a:off x="7865856" y="2615195"/>
+            <a:ext cx="3677163" cy="447737"/>
+          </a:xfrm>
+          <a:prstGeom prst="rect">
+            <a:avLst/>
+          </a:prstGeom>
+          <a:ln>
+            <a:noFill/>
+          </a:ln>
+          <a:effectLst>
+            <a:outerShdw blurRad="292100" dist="139700" dir="2700000" algn="tl" rotWithShape="0">
+              <a:srgbClr val="333333">
+                <a:alpha val="65000"/>
+              </a:srgbClr>
+            </a:outerShdw>
+          </a:effectLst>
+        </p:spPr>
+      </p:pic>
+      <p:pic>
+        <p:nvPicPr>
+          <p:cNvPr id="9" name="Image 8">
+            <a:extLst>
+              <a:ext uri="{FF2B5EF4-FFF2-40B4-BE49-F238E27FC236}">
+                <a16:creationId xmlns:a16="http://schemas.microsoft.com/office/drawing/2014/main" id="{0735F2EA-ACD2-BBDB-E0CC-3ACE15196006}"/>
+              </a:ext>
+            </a:extLst>
+          </p:cNvPr>
+          <p:cNvPicPr>
+            <a:picLocks noChangeAspect="1"/>
+          </p:cNvPicPr>
+          <p:nvPr/>
+        </p:nvPicPr>
+        <p:blipFill>
+          <a:blip r:embed="rId5">
+            <a:extLst>
+              <a:ext uri="{28A0092B-C50C-407E-A947-70E740481C1C}">
+                <a14:useLocalDpi xmlns:a14="http://schemas.microsoft.com/office/drawing/2010/main" val="0"/>
+              </a:ext>
+            </a:extLst>
+          </a:blip>
+          <a:stretch>
+            <a:fillRect/>
+          </a:stretch>
+        </p:blipFill>
+        <p:spPr>
+          <a:xfrm>
+            <a:off x="2733419" y="3771252"/>
+            <a:ext cx="1838582" cy="238158"/>
+          </a:xfrm>
+          <a:prstGeom prst="rect">
+            <a:avLst/>
+          </a:prstGeom>
+          <a:ln>
+            <a:noFill/>
+          </a:ln>
+          <a:effectLst>
+            <a:outerShdw blurRad="292100" dist="139700" dir="2700000" algn="tl" rotWithShape="0">
+              <a:srgbClr val="333333">
+                <a:alpha val="65000"/>
+              </a:srgbClr>
+            </a:outerShdw>
+          </a:effectLst>
+        </p:spPr>
+      </p:pic>
+      <p:pic>
+        <p:nvPicPr>
+          <p:cNvPr id="11" name="Image 10">
+            <a:extLst>
+              <a:ext uri="{FF2B5EF4-FFF2-40B4-BE49-F238E27FC236}">
+                <a16:creationId xmlns:a16="http://schemas.microsoft.com/office/drawing/2014/main" id="{5E5D590A-F0E6-26E1-90E2-2D204AAF180A}"/>
+              </a:ext>
+            </a:extLst>
+          </p:cNvPr>
+          <p:cNvPicPr>
+            <a:picLocks noChangeAspect="1"/>
+          </p:cNvPicPr>
+          <p:nvPr/>
+        </p:nvPicPr>
+        <p:blipFill>
+          <a:blip r:embed="rId6">
+            <a:extLst>
+              <a:ext uri="{28A0092B-C50C-407E-A947-70E740481C1C}">
+                <a14:useLocalDpi xmlns:a14="http://schemas.microsoft.com/office/drawing/2010/main" val="0"/>
+              </a:ext>
+            </a:extLst>
+          </a:blip>
+          <a:stretch>
+            <a:fillRect/>
+          </a:stretch>
+        </p:blipFill>
+        <p:spPr>
+          <a:xfrm>
+            <a:off x="6012106" y="3666462"/>
+            <a:ext cx="4572638" cy="447737"/>
+          </a:xfrm>
+          <a:prstGeom prst="rect">
+            <a:avLst/>
+          </a:prstGeom>
+          <a:ln>
+            <a:noFill/>
+          </a:ln>
+          <a:effectLst>
+            <a:outerShdw blurRad="292100" dist="139700" dir="2700000" algn="tl" rotWithShape="0">
+              <a:srgbClr val="333333">
+                <a:alpha val="65000"/>
+              </a:srgbClr>
+            </a:outerShdw>
+          </a:effectLst>
+        </p:spPr>
+      </p:pic>
     </p:spTree>
     <p:extLst>
       <p:ext uri="{BB962C8B-B14F-4D97-AF65-F5344CB8AC3E}">
@@ -4001,8 +6006,183 @@
               <a:t>Création </a:t>
             </a:r>
           </a:p>
-        </p:txBody>
-      </p:sp>
+          <a:p>
+            <a:pPr lvl="2"/>
+            <a:r>
+              <a:rPr lang="fr-BE" dirty="0"/>
+              <a:t>Méthode 1 : utiliser un littéral</a:t>
+            </a:r>
+          </a:p>
+          <a:p>
+            <a:pPr lvl="2"/>
+            <a:endParaRPr lang="fr-BE" dirty="0"/>
+          </a:p>
+          <a:p>
+            <a:pPr lvl="2"/>
+            <a:endParaRPr lang="fr-BE" dirty="0"/>
+          </a:p>
+          <a:p>
+            <a:pPr lvl="2"/>
+            <a:r>
+              <a:rPr lang="fr-BE" dirty="0"/>
+              <a:t>Méthode 2 : utiliser un constructeur</a:t>
+            </a:r>
+          </a:p>
+          <a:p>
+            <a:pPr lvl="2"/>
+            <a:endParaRPr lang="fr-BE" dirty="0"/>
+          </a:p>
+          <a:p>
+            <a:pPr lvl="2"/>
+            <a:endParaRPr lang="fr-BE" dirty="0"/>
+          </a:p>
+          <a:p>
+            <a:pPr lvl="2"/>
+            <a:r>
+              <a:rPr lang="fr-BE" dirty="0"/>
+              <a:t>Tableau vide</a:t>
+            </a:r>
+          </a:p>
+        </p:txBody>
+      </p:sp>
+      <p:pic>
+        <p:nvPicPr>
+          <p:cNvPr id="5" name="Image 4">
+            <a:extLst>
+              <a:ext uri="{FF2B5EF4-FFF2-40B4-BE49-F238E27FC236}">
+                <a16:creationId xmlns:a16="http://schemas.microsoft.com/office/drawing/2014/main" id="{27879FFF-F881-639B-E692-1BE3C3C0749A}"/>
+              </a:ext>
+            </a:extLst>
+          </p:cNvPr>
+          <p:cNvPicPr>
+            <a:picLocks noChangeAspect="1"/>
+          </p:cNvPicPr>
+          <p:nvPr/>
+        </p:nvPicPr>
+        <p:blipFill>
+          <a:blip r:embed="rId2">
+            <a:extLst>
+              <a:ext uri="{28A0092B-C50C-407E-A947-70E740481C1C}">
+                <a14:useLocalDpi xmlns:a14="http://schemas.microsoft.com/office/drawing/2010/main" val="0"/>
+              </a:ext>
+            </a:extLst>
+          </a:blip>
+          <a:stretch>
+            <a:fillRect/>
+          </a:stretch>
+        </p:blipFill>
+        <p:spPr>
+          <a:xfrm>
+            <a:off x="4496579" y="2725971"/>
+            <a:ext cx="2038635" cy="304843"/>
+          </a:xfrm>
+          <a:prstGeom prst="rect">
+            <a:avLst/>
+          </a:prstGeom>
+          <a:ln>
+            <a:noFill/>
+          </a:ln>
+          <a:effectLst>
+            <a:outerShdw blurRad="292100" dist="139700" dir="2700000" algn="tl" rotWithShape="0">
+              <a:srgbClr val="333333">
+                <a:alpha val="65000"/>
+              </a:srgbClr>
+            </a:outerShdw>
+          </a:effectLst>
+        </p:spPr>
+      </p:pic>
+      <p:pic>
+        <p:nvPicPr>
+          <p:cNvPr id="7" name="Image 6">
+            <a:extLst>
+              <a:ext uri="{FF2B5EF4-FFF2-40B4-BE49-F238E27FC236}">
+                <a16:creationId xmlns:a16="http://schemas.microsoft.com/office/drawing/2014/main" id="{813C9B9F-B950-B417-1361-268B5275412E}"/>
+              </a:ext>
+            </a:extLst>
+          </p:cNvPr>
+          <p:cNvPicPr>
+            <a:picLocks noChangeAspect="1"/>
+          </p:cNvPicPr>
+          <p:nvPr/>
+        </p:nvPicPr>
+        <p:blipFill>
+          <a:blip r:embed="rId3">
+            <a:extLst>
+              <a:ext uri="{28A0092B-C50C-407E-A947-70E740481C1C}">
+                <a14:useLocalDpi xmlns:a14="http://schemas.microsoft.com/office/drawing/2010/main" val="0"/>
+              </a:ext>
+            </a:extLst>
+          </a:blip>
+          <a:stretch>
+            <a:fillRect/>
+          </a:stretch>
+        </p:blipFill>
+        <p:spPr>
+          <a:xfrm>
+            <a:off x="4496579" y="3783502"/>
+            <a:ext cx="3143689" cy="295316"/>
+          </a:xfrm>
+          <a:prstGeom prst="rect">
+            <a:avLst/>
+          </a:prstGeom>
+          <a:ln>
+            <a:noFill/>
+          </a:ln>
+          <a:effectLst>
+            <a:outerShdw blurRad="292100" dist="139700" dir="2700000" algn="tl" rotWithShape="0">
+              <a:srgbClr val="333333">
+                <a:alpha val="65000"/>
+              </a:srgbClr>
+            </a:outerShdw>
+          </a:effectLst>
+        </p:spPr>
+      </p:pic>
+      <p:pic>
+        <p:nvPicPr>
+          <p:cNvPr id="9" name="Image 8" descr="Une image contenant texte, Police, ligne, typographie&#10;&#10;Le contenu généré par l’IA peut être incorrect.">
+            <a:extLst>
+              <a:ext uri="{FF2B5EF4-FFF2-40B4-BE49-F238E27FC236}">
+                <a16:creationId xmlns:a16="http://schemas.microsoft.com/office/drawing/2014/main" id="{60FD5659-D7F9-6B03-89FC-F6D0F849EB13}"/>
+              </a:ext>
+            </a:extLst>
+          </p:cNvPr>
+          <p:cNvPicPr>
+            <a:picLocks noChangeAspect="1"/>
+          </p:cNvPicPr>
+          <p:nvPr/>
+        </p:nvPicPr>
+        <p:blipFill>
+          <a:blip r:embed="rId4">
+            <a:extLst>
+              <a:ext uri="{28A0092B-C50C-407E-A947-70E740481C1C}">
+                <a14:useLocalDpi xmlns:a14="http://schemas.microsoft.com/office/drawing/2010/main" val="0"/>
+              </a:ext>
+            </a:extLst>
+          </a:blip>
+          <a:stretch>
+            <a:fillRect/>
+          </a:stretch>
+        </p:blipFill>
+        <p:spPr>
+          <a:xfrm>
+            <a:off x="4496579" y="4908558"/>
+            <a:ext cx="3467584" cy="600159"/>
+          </a:xfrm>
+          <a:prstGeom prst="rect">
+            <a:avLst/>
+          </a:prstGeom>
+          <a:ln>
+            <a:noFill/>
+          </a:ln>
+          <a:effectLst>
+            <a:outerShdw blurRad="292100" dist="139700" dir="2700000" algn="tl" rotWithShape="0">
+              <a:srgbClr val="333333">
+                <a:alpha val="65000"/>
+              </a:srgbClr>
+            </a:outerShdw>
+          </a:effectLst>
+        </p:spPr>
+      </p:pic>
     </p:spTree>
     <p:extLst>
       <p:ext uri="{BB962C8B-B14F-4D97-AF65-F5344CB8AC3E}">
@@ -4098,8 +6278,126 @@
               <a:t>Utilisation</a:t>
             </a:r>
           </a:p>
-        </p:txBody>
-      </p:sp>
+          <a:p>
+            <a:pPr lvl="2"/>
+            <a:r>
+              <a:rPr lang="fr-BE" dirty="0"/>
+              <a:t>Accéder aux éléments</a:t>
+            </a:r>
+          </a:p>
+          <a:p>
+            <a:pPr lvl="2"/>
+            <a:endParaRPr lang="fr-BE" dirty="0"/>
+          </a:p>
+          <a:p>
+            <a:pPr lvl="2"/>
+            <a:endParaRPr lang="fr-BE" dirty="0"/>
+          </a:p>
+          <a:p>
+            <a:pPr lvl="2"/>
+            <a:endParaRPr lang="fr-BE" dirty="0"/>
+          </a:p>
+          <a:p>
+            <a:pPr lvl="2"/>
+            <a:endParaRPr lang="fr-BE" dirty="0"/>
+          </a:p>
+          <a:p>
+            <a:pPr lvl="2"/>
+            <a:r>
+              <a:rPr lang="fr-BE" dirty="0"/>
+              <a:t>Accès hors borne ?</a:t>
+            </a:r>
+          </a:p>
+          <a:p>
+            <a:pPr lvl="3"/>
+            <a:r>
+              <a:rPr lang="fr-BE" dirty="0"/>
+              <a:t>En lecture, renvoie </a:t>
+            </a:r>
+            <a:r>
+              <a:rPr lang="fr-BE" dirty="0" err="1"/>
+              <a:t>undefined</a:t>
+            </a:r>
+            <a:endParaRPr lang="fr-BE" dirty="0"/>
+          </a:p>
+          <a:p>
+            <a:pPr lvl="3"/>
+            <a:r>
+              <a:rPr lang="fr-BE" dirty="0"/>
+              <a:t>En écriture, modifie la longueur du tableau</a:t>
+            </a:r>
+          </a:p>
+          <a:p>
+            <a:pPr lvl="2"/>
+            <a:endParaRPr lang="fr-BE" dirty="0"/>
+          </a:p>
+          <a:p>
+            <a:pPr lvl="2"/>
+            <a:r>
+              <a:rPr lang="fr-FR" dirty="0"/>
+              <a:t>⚠️ Pas de déclaration, pas de tableaux. Et pas de tableaux, pas d’accès.</a:t>
+            </a:r>
+          </a:p>
+          <a:p>
+            <a:pPr lvl="2"/>
+            <a:r>
+              <a:rPr lang="fr-FR" dirty="0"/>
+              <a:t>Et pas d’accès, pas d’accès</a:t>
+            </a:r>
+            <a:endParaRPr lang="fr-BE" dirty="0"/>
+          </a:p>
+          <a:p>
+            <a:pPr lvl="2"/>
+            <a:endParaRPr lang="fr-BE" dirty="0"/>
+          </a:p>
+        </p:txBody>
+      </p:sp>
+      <p:pic>
+        <p:nvPicPr>
+          <p:cNvPr id="5" name="Image 4" descr="Une image contenant texte, Police, ligne, blanc&#10;&#10;Le contenu généré par l’IA peut être incorrect.">
+            <a:extLst>
+              <a:ext uri="{FF2B5EF4-FFF2-40B4-BE49-F238E27FC236}">
+                <a16:creationId xmlns:a16="http://schemas.microsoft.com/office/drawing/2014/main" id="{995337E7-C430-DEB9-4CAD-48A06AC56F39}"/>
+              </a:ext>
+            </a:extLst>
+          </p:cNvPr>
+          <p:cNvPicPr>
+            <a:picLocks noChangeAspect="1"/>
+          </p:cNvPicPr>
+          <p:nvPr/>
+        </p:nvPicPr>
+        <p:blipFill>
+          <a:blip r:embed="rId3">
+            <a:extLst>
+              <a:ext uri="{28A0092B-C50C-407E-A947-70E740481C1C}">
+                <a14:useLocalDpi xmlns:a14="http://schemas.microsoft.com/office/drawing/2010/main" val="0"/>
+              </a:ext>
+            </a:extLst>
+          </a:blip>
+          <a:stretch>
+            <a:fillRect/>
+          </a:stretch>
+        </p:blipFill>
+        <p:spPr>
+          <a:xfrm>
+            <a:off x="2804653" y="2626995"/>
+            <a:ext cx="6582694" cy="876422"/>
+          </a:xfrm>
+          <a:prstGeom prst="rect">
+            <a:avLst/>
+          </a:prstGeom>
+          <a:ln>
+            <a:noFill/>
+          </a:ln>
+          <a:effectLst>
+            <a:outerShdw blurRad="292100" dist="139700" dir="2700000" algn="tl" rotWithShape="0">
+              <a:srgbClr val="333333">
+                <a:alpha val="65000"/>
+              </a:srgbClr>
+            </a:outerShdw>
+          </a:effectLst>
+        </p:spPr>
+      </p:pic>
     </p:spTree>
     <p:extLst>
       <p:ext uri="{BB962C8B-B14F-4D97-AF65-F5344CB8AC3E}">
@@ -4192,8 +6490,108 @@
             <a:pPr lvl="1"/>
             <a:r>
               <a:rPr lang="fr-BE" dirty="0"/>
-              <a:t>Parcours</a:t>
-            </a:r>
+              <a:t>Taille</a:t>
+            </a:r>
+          </a:p>
+          <a:p>
+            <a:pPr lvl="2"/>
+            <a:r>
+              <a:rPr lang="fr-BE" dirty="0"/>
+              <a:t>Pour obtenir la taille</a:t>
+            </a:r>
+          </a:p>
+          <a:p>
+            <a:pPr marL="1371600" lvl="3" indent="0">
+              <a:buNone/>
+            </a:pPr>
+            <a:r>
+              <a:rPr lang="fr-BE" dirty="0" err="1">
+                <a:solidFill>
+                  <a:schemeClr val="accent1">
+                    <a:lumMod val="60000"/>
+                    <a:lumOff val="40000"/>
+                  </a:schemeClr>
+                </a:solidFill>
+              </a:rPr>
+              <a:t>tab.length</a:t>
+            </a:r>
+            <a:r>
+              <a:rPr lang="fr-BE" dirty="0">
+                <a:solidFill>
+                  <a:schemeClr val="accent1">
+                    <a:lumMod val="60000"/>
+                    <a:lumOff val="40000"/>
+                  </a:schemeClr>
+                </a:solidFill>
+              </a:rPr>
+              <a:t> </a:t>
+            </a:r>
+            <a:r>
+              <a:rPr lang="fr-BE" dirty="0"/>
+              <a:t>(on peut aussi écrire </a:t>
+            </a:r>
+            <a:r>
+              <a:rPr lang="fr-BE" dirty="0">
+                <a:solidFill>
+                  <a:schemeClr val="accent1">
+                    <a:lumMod val="60000"/>
+                    <a:lumOff val="40000"/>
+                  </a:schemeClr>
+                </a:solidFill>
+              </a:rPr>
+              <a:t>tab["</a:t>
+            </a:r>
+            <a:r>
+              <a:rPr lang="fr-BE" dirty="0" err="1">
+                <a:solidFill>
+                  <a:schemeClr val="accent1">
+                    <a:lumMod val="60000"/>
+                    <a:lumOff val="40000"/>
+                  </a:schemeClr>
+                </a:solidFill>
+              </a:rPr>
+              <a:t>length</a:t>
+            </a:r>
+            <a:r>
+              <a:rPr lang="fr-BE" dirty="0">
+                <a:solidFill>
+                  <a:schemeClr val="accent1">
+                    <a:lumMod val="60000"/>
+                    <a:lumOff val="40000"/>
+                  </a:schemeClr>
+                </a:solidFill>
+              </a:rPr>
+              <a:t>"] </a:t>
+            </a:r>
+            <a:r>
+              <a:rPr lang="fr-BE" dirty="0"/>
+              <a:t>)</a:t>
+            </a:r>
+          </a:p>
+          <a:p>
+            <a:pPr lvl="2"/>
+            <a:r>
+              <a:rPr lang="fr-BE" dirty="0"/>
+              <a:t>La taille d’un tableau est dynamique</a:t>
+            </a:r>
+          </a:p>
+          <a:p>
+            <a:pPr lvl="3"/>
+            <a:r>
+              <a:rPr lang="fr-BE" dirty="0"/>
+              <a:t>Si on diminue la longueur, les cases hors limite sont détruites et leurs valeurs sont perdues</a:t>
+            </a:r>
+          </a:p>
+          <a:p>
+            <a:pPr lvl="3"/>
+            <a:r>
+              <a:rPr lang="fr-BE" dirty="0"/>
+              <a:t>Si on augmente la longueur, on ajoute des cases vides</a:t>
+            </a:r>
+          </a:p>
+          <a:p>
+            <a:pPr lvl="2"/>
+            <a:endParaRPr lang="fr-BE" dirty="0"/>
           </a:p>
         </p:txBody>
       </p:sp>
@@ -4215,7 +6613,13 @@
   <p:cSld>
     <p:spTree>
       <p:nvGrpSpPr>
-        <p:cNvPr id="1" name=""/>
+        <p:cNvPr id="1" name="">
+          <a:extLst>
+            <a:ext uri="{FF2B5EF4-FFF2-40B4-BE49-F238E27FC236}">
+              <a16:creationId xmlns:a16="http://schemas.microsoft.com/office/drawing/2014/main" id="{E300364C-3D92-BF3C-57F1-C826F73773BA}"/>
+            </a:ext>
+          </a:extLst>
+        </p:cNvPr>
         <p:cNvGrpSpPr/>
         <p:nvPr/>
       </p:nvGrpSpPr>
@@ -4232,7 +6636,7 @@
           <p:cNvPr id="2" name="Titre 1">
             <a:extLst>
               <a:ext uri="{FF2B5EF4-FFF2-40B4-BE49-F238E27FC236}">
-                <a16:creationId xmlns:a16="http://schemas.microsoft.com/office/drawing/2014/main" id="{9CB31ADB-4040-0A0A-B0F7-803ABE486442}"/>
+                <a16:creationId xmlns:a16="http://schemas.microsoft.com/office/drawing/2014/main" id="{8AF0B289-31C2-52A9-C28C-8164767DEBB3}"/>
               </a:ext>
             </a:extLst>
           </p:cNvPr>
@@ -4248,7 +6652,14 @@
           <a:bodyPr/>
           <a:lstStyle/>
           <a:p>
-            <a:endParaRPr lang="fr-BE"/>
+            <a:r>
+              <a:rPr lang="fr-FR" dirty="0"/>
+              <a:t>2. Tableaux</a:t>
+            </a:r>
+            <a:br>
+              <a:rPr lang="fr-BE" dirty="0"/>
+            </a:br>
+            <a:endParaRPr lang="fr-BE" dirty="0"/>
           </a:p>
         </p:txBody>
       </p:sp>
@@ -4257,7 +6668,7 @@
           <p:cNvPr id="3" name="Espace réservé du contenu 2">
             <a:extLst>
               <a:ext uri="{FF2B5EF4-FFF2-40B4-BE49-F238E27FC236}">
-                <a16:creationId xmlns:a16="http://schemas.microsoft.com/office/drawing/2014/main" id="{7C8C5731-BDFB-BA1F-93A2-60BC0F65BFDA}"/>
+                <a16:creationId xmlns:a16="http://schemas.microsoft.com/office/drawing/2014/main" id="{78A5DBCF-F3ED-8781-64E3-26BF419D3F37}"/>
               </a:ext>
             </a:extLst>
           </p:cNvPr>
@@ -4273,14 +6684,133 @@
           <a:bodyPr/>
           <a:lstStyle/>
           <a:p>
-            <a:endParaRPr lang="fr-BE"/>
-          </a:p>
-        </p:txBody>
-      </p:sp>
+            <a:pPr lvl="1"/>
+            <a:r>
+              <a:rPr lang="fr-BE" dirty="0"/>
+              <a:t>Parcours</a:t>
+            </a:r>
+          </a:p>
+          <a:p>
+            <a:pPr lvl="2"/>
+            <a:r>
+              <a:rPr lang="fr-BE" dirty="0"/>
+              <a:t>On parcours via des boucles de 3 types</a:t>
+            </a:r>
+          </a:p>
+          <a:p>
+            <a:pPr lvl="3"/>
+            <a:r>
+              <a:rPr lang="fr-BE" dirty="0"/>
+              <a:t>Boucles usuelles: for, </a:t>
+            </a:r>
+            <a:r>
+              <a:rPr lang="fr-BE" dirty="0" err="1"/>
+              <a:t>while</a:t>
+            </a:r>
+            <a:r>
+              <a:rPr lang="fr-BE" dirty="0"/>
+              <a:t>, do…</a:t>
+            </a:r>
+            <a:r>
+              <a:rPr lang="fr-BE" dirty="0" err="1"/>
+              <a:t>while</a:t>
+            </a:r>
+            <a:endParaRPr lang="fr-BE" dirty="0"/>
+          </a:p>
+          <a:p>
+            <a:pPr lvl="3"/>
+            <a:endParaRPr lang="fr-BE" dirty="0"/>
+          </a:p>
+          <a:p>
+            <a:pPr lvl="3"/>
+            <a:endParaRPr lang="fr-BE" dirty="0"/>
+          </a:p>
+          <a:p>
+            <a:pPr lvl="3"/>
+            <a:endParaRPr lang="fr-BE" dirty="0"/>
+          </a:p>
+          <a:p>
+            <a:pPr lvl="3"/>
+            <a:endParaRPr lang="fr-BE" dirty="0"/>
+          </a:p>
+          <a:p>
+            <a:pPr lvl="4"/>
+            <a:r>
+              <a:rPr lang="fr-BE" dirty="0"/>
+              <a:t>« let » permet d’avoir une variable locale à la boucle</a:t>
+            </a:r>
+          </a:p>
+          <a:p>
+            <a:pPr lvl="4"/>
+            <a:r>
+              <a:rPr lang="fr-BE" dirty="0"/>
+              <a:t>Avec « let » à chaque itération une variable i est créé</a:t>
+            </a:r>
+          </a:p>
+          <a:p>
+            <a:pPr lvl="3"/>
+            <a:endParaRPr lang="fr-BE" dirty="0"/>
+          </a:p>
+          <a:p>
+            <a:pPr lvl="3"/>
+            <a:endParaRPr lang="fr-BE" dirty="0"/>
+          </a:p>
+          <a:p>
+            <a:pPr lvl="3"/>
+            <a:endParaRPr lang="fr-BE" dirty="0"/>
+          </a:p>
+        </p:txBody>
+      </p:sp>
+      <p:pic>
+        <p:nvPicPr>
+          <p:cNvPr id="5" name="Image 4">
+            <a:extLst>
+              <a:ext uri="{FF2B5EF4-FFF2-40B4-BE49-F238E27FC236}">
+                <a16:creationId xmlns:a16="http://schemas.microsoft.com/office/drawing/2014/main" id="{C9DC6C79-D08B-072C-B5EC-DC76DE76CF1B}"/>
+              </a:ext>
+            </a:extLst>
+          </p:cNvPr>
+          <p:cNvPicPr>
+            <a:picLocks noChangeAspect="1"/>
+          </p:cNvPicPr>
+          <p:nvPr/>
+        </p:nvPicPr>
+        <p:blipFill>
+          <a:blip r:embed="rId2">
+            <a:extLst>
+              <a:ext uri="{28A0092B-C50C-407E-A947-70E740481C1C}">
+                <a14:useLocalDpi xmlns:a14="http://schemas.microsoft.com/office/drawing/2010/main" val="0"/>
+              </a:ext>
+            </a:extLst>
+          </a:blip>
+          <a:stretch>
+            <a:fillRect/>
+          </a:stretch>
+        </p:blipFill>
+        <p:spPr>
+          <a:xfrm>
+            <a:off x="3319075" y="2991880"/>
+            <a:ext cx="5553850" cy="638264"/>
+          </a:xfrm>
+          <a:prstGeom prst="rect">
+            <a:avLst/>
+          </a:prstGeom>
+          <a:ln>
+            <a:noFill/>
+          </a:ln>
+          <a:effectLst>
+            <a:outerShdw blurRad="292100" dist="139700" dir="2700000" algn="tl" rotWithShape="0">
+              <a:srgbClr val="333333">
+                <a:alpha val="65000"/>
+              </a:srgbClr>
+            </a:outerShdw>
+          </a:effectLst>
+        </p:spPr>
+      </p:pic>
     </p:spTree>
     <p:extLst>
       <p:ext uri="{BB962C8B-B14F-4D97-AF65-F5344CB8AC3E}">
-        <p14:creationId xmlns:p14="http://schemas.microsoft.com/office/powerpoint/2010/main" val="452180761"/>
+        <p14:creationId xmlns:p14="http://schemas.microsoft.com/office/powerpoint/2010/main" val="3267032485"/>
       </p:ext>
     </p:extLst>
   </p:cSld>
@@ -4295,7 +6825,13 @@
   <p:cSld>
     <p:spTree>
       <p:nvGrpSpPr>
-        <p:cNvPr id="1" name=""/>
+        <p:cNvPr id="1" name="">
+          <a:extLst>
+            <a:ext uri="{FF2B5EF4-FFF2-40B4-BE49-F238E27FC236}">
+              <a16:creationId xmlns:a16="http://schemas.microsoft.com/office/drawing/2014/main" id="{1BA4E5B5-17F6-6580-3F7F-91408597F619}"/>
+            </a:ext>
+          </a:extLst>
+        </p:cNvPr>
         <p:cNvGrpSpPr/>
         <p:nvPr/>
       </p:nvGrpSpPr>
@@ -4312,7 +6848,7 @@
           <p:cNvPr id="2" name="Titre 1">
             <a:extLst>
               <a:ext uri="{FF2B5EF4-FFF2-40B4-BE49-F238E27FC236}">
-                <a16:creationId xmlns:a16="http://schemas.microsoft.com/office/drawing/2014/main" id="{B964D760-C980-2E13-DD3C-1574E4AD0DD0}"/>
+                <a16:creationId xmlns:a16="http://schemas.microsoft.com/office/drawing/2014/main" id="{185E605C-8D07-DAAE-6A9B-69286DBF026C}"/>
               </a:ext>
             </a:extLst>
           </p:cNvPr>
@@ -4330,10 +6866,10 @@
           <a:p>
             <a:r>
               <a:rPr lang="fr-FR" dirty="0"/>
-              <a:t>3. Objets</a:t>
+              <a:t>2. Tableaux</a:t>
             </a:r>
             <a:br>
-              <a:rPr lang="fr-FR" dirty="0"/>
+              <a:rPr lang="fr-BE" dirty="0"/>
             </a:br>
             <a:endParaRPr lang="fr-BE" dirty="0"/>
           </a:p>
@@ -4344,7 +6880,7 @@
           <p:cNvPr id="3" name="Espace réservé du contenu 2">
             <a:extLst>
               <a:ext uri="{FF2B5EF4-FFF2-40B4-BE49-F238E27FC236}">
-                <a16:creationId xmlns:a16="http://schemas.microsoft.com/office/drawing/2014/main" id="{1B038C06-E48D-8116-7C99-9E01D1C12DDD}"/>
+                <a16:creationId xmlns:a16="http://schemas.microsoft.com/office/drawing/2014/main" id="{E63AE64D-3ABA-9B6E-8CC4-DEF4358297D1}"/>
               </a:ext>
             </a:extLst>
           </p:cNvPr>
@@ -4362,19 +6898,194 @@
           <a:p>
             <a:pPr lvl="1"/>
             <a:r>
-              <a:rPr lang="fr-FR" dirty="0"/>
-              <a:t>Caractéristique </a:t>
-            </a:r>
-          </a:p>
-          <a:p>
+              <a:rPr lang="fr-BE" dirty="0"/>
+              <a:t>Parcours</a:t>
+            </a:r>
+          </a:p>
+          <a:p>
+            <a:pPr lvl="2"/>
+            <a:r>
+              <a:rPr lang="fr-BE" dirty="0"/>
+              <a:t>On parcours via des boucles de 3 types</a:t>
+            </a:r>
+          </a:p>
+          <a:p>
+            <a:pPr lvl="3"/>
+            <a:r>
+              <a:rPr lang="fr-BE" dirty="0"/>
+              <a:t>Boucle « for in »</a:t>
+            </a:r>
+          </a:p>
+          <a:p>
+            <a:pPr lvl="4"/>
             <a:endParaRPr lang="fr-BE" dirty="0"/>
           </a:p>
-        </p:txBody>
-      </p:sp>
+          <a:p>
+            <a:pPr lvl="4"/>
+            <a:endParaRPr lang="fr-BE" dirty="0"/>
+          </a:p>
+          <a:p>
+            <a:pPr lvl="4"/>
+            <a:r>
+              <a:rPr lang="fr-BE" dirty="0"/>
+              <a:t>« i » prend comme valeurs les indices des cases</a:t>
+            </a:r>
+          </a:p>
+          <a:p>
+            <a:pPr lvl="4"/>
+            <a:r>
+              <a:rPr lang="fr-BE" dirty="0"/>
+              <a:t>Les trous sont sautés</a:t>
+            </a:r>
+          </a:p>
+          <a:p>
+            <a:pPr lvl="3"/>
+            <a:r>
+              <a:rPr lang="fr-BE" dirty="0"/>
+              <a:t>Boucle « for of »</a:t>
+            </a:r>
+          </a:p>
+          <a:p>
+            <a:pPr lvl="4"/>
+            <a:endParaRPr lang="fr-BE" dirty="0"/>
+          </a:p>
+          <a:p>
+            <a:pPr lvl="4"/>
+            <a:endParaRPr lang="fr-BE" dirty="0"/>
+          </a:p>
+          <a:p>
+            <a:pPr lvl="4"/>
+            <a:r>
+              <a:rPr lang="fr-BE" dirty="0"/>
+              <a:t>« val » prend comme valeurs le contenu des cases</a:t>
+            </a:r>
+          </a:p>
+          <a:p>
+            <a:pPr lvl="4"/>
+            <a:r>
+              <a:rPr lang="fr-BE" dirty="0"/>
+              <a:t>Les trous ne sont pas sautés, et sont considéré comme contenant </a:t>
+            </a:r>
+            <a:r>
+              <a:rPr lang="fr-BE" dirty="0" err="1"/>
+              <a:t>undefined</a:t>
+            </a:r>
+            <a:endParaRPr lang="fr-BE" dirty="0"/>
+          </a:p>
+          <a:p>
+            <a:pPr lvl="4"/>
+            <a:endParaRPr lang="fr-BE" dirty="0"/>
+          </a:p>
+          <a:p>
+            <a:pPr lvl="3"/>
+            <a:endParaRPr lang="fr-BE" dirty="0"/>
+          </a:p>
+          <a:p>
+            <a:pPr lvl="3"/>
+            <a:endParaRPr lang="fr-BE" dirty="0"/>
+          </a:p>
+          <a:p>
+            <a:pPr lvl="3"/>
+            <a:endParaRPr lang="fr-BE" dirty="0"/>
+          </a:p>
+        </p:txBody>
+      </p:sp>
+      <p:pic>
+        <p:nvPicPr>
+          <p:cNvPr id="6" name="Image 5">
+            <a:extLst>
+              <a:ext uri="{FF2B5EF4-FFF2-40B4-BE49-F238E27FC236}">
+                <a16:creationId xmlns:a16="http://schemas.microsoft.com/office/drawing/2014/main" id="{B8B73CDF-E7A3-EAB6-0D22-ABAE17EEF4D1}"/>
+              </a:ext>
+            </a:extLst>
+          </p:cNvPr>
+          <p:cNvPicPr>
+            <a:picLocks noChangeAspect="1"/>
+          </p:cNvPicPr>
+          <p:nvPr/>
+        </p:nvPicPr>
+        <p:blipFill>
+          <a:blip r:embed="rId2">
+            <a:extLst>
+              <a:ext uri="{28A0092B-C50C-407E-A947-70E740481C1C}">
+                <a14:useLocalDpi xmlns:a14="http://schemas.microsoft.com/office/drawing/2010/main" val="0"/>
+              </a:ext>
+            </a:extLst>
+          </a:blip>
+          <a:stretch>
+            <a:fillRect/>
+          </a:stretch>
+        </p:blipFill>
+        <p:spPr>
+          <a:xfrm>
+            <a:off x="3223811" y="2874068"/>
+            <a:ext cx="5744377" cy="342948"/>
+          </a:xfrm>
+          <a:prstGeom prst="rect">
+            <a:avLst/>
+          </a:prstGeom>
+          <a:ln>
+            <a:noFill/>
+          </a:ln>
+          <a:effectLst>
+            <a:outerShdw blurRad="292100" dist="139700" dir="2700000" algn="tl" rotWithShape="0">
+              <a:srgbClr val="333333">
+                <a:alpha val="65000"/>
+              </a:srgbClr>
+            </a:outerShdw>
+          </a:effectLst>
+        </p:spPr>
+      </p:pic>
+      <p:pic>
+        <p:nvPicPr>
+          <p:cNvPr id="8" name="Image 7">
+            <a:extLst>
+              <a:ext uri="{FF2B5EF4-FFF2-40B4-BE49-F238E27FC236}">
+                <a16:creationId xmlns:a16="http://schemas.microsoft.com/office/drawing/2014/main" id="{3B418B82-8673-5470-C821-FC44346A7E17}"/>
+              </a:ext>
+            </a:extLst>
+          </p:cNvPr>
+          <p:cNvPicPr>
+            <a:picLocks noChangeAspect="1"/>
+          </p:cNvPicPr>
+          <p:nvPr/>
+        </p:nvPicPr>
+        <p:blipFill>
+          <a:blip r:embed="rId3">
+            <a:extLst>
+              <a:ext uri="{28A0092B-C50C-407E-A947-70E740481C1C}">
+                <a14:useLocalDpi xmlns:a14="http://schemas.microsoft.com/office/drawing/2010/main" val="0"/>
+              </a:ext>
+            </a:extLst>
+          </a:blip>
+          <a:stretch>
+            <a:fillRect/>
+          </a:stretch>
+        </p:blipFill>
+        <p:spPr>
+          <a:xfrm>
+            <a:off x="3223811" y="4525515"/>
+            <a:ext cx="6192114" cy="342948"/>
+          </a:xfrm>
+          <a:prstGeom prst="rect">
+            <a:avLst/>
+          </a:prstGeom>
+          <a:ln>
+            <a:noFill/>
+          </a:ln>
+          <a:effectLst>
+            <a:outerShdw blurRad="292100" dist="139700" dir="2700000" algn="tl" rotWithShape="0">
+              <a:srgbClr val="333333">
+                <a:alpha val="65000"/>
+              </a:srgbClr>
+            </a:outerShdw>
+          </a:effectLst>
+        </p:spPr>
+      </p:pic>
     </p:spTree>
     <p:extLst>
       <p:ext uri="{BB962C8B-B14F-4D97-AF65-F5344CB8AC3E}">
-        <p14:creationId xmlns:p14="http://schemas.microsoft.com/office/powerpoint/2010/main" val="3800685736"/>
+        <p14:creationId xmlns:p14="http://schemas.microsoft.com/office/powerpoint/2010/main" val="143277357"/>
       </p:ext>
     </p:extLst>
   </p:cSld>
@@ -5328,6 +8039,305 @@
   <p:cSld>
     <p:spTree>
       <p:nvGrpSpPr>
+        <p:cNvPr id="1" name=""/>
+        <p:cNvGrpSpPr/>
+        <p:nvPr/>
+      </p:nvGrpSpPr>
+      <p:grpSpPr>
+        <a:xfrm>
+          <a:off x="0" y="0"/>
+          <a:ext cx="0" cy="0"/>
+          <a:chOff x="0" y="0"/>
+          <a:chExt cx="0" cy="0"/>
+        </a:xfrm>
+      </p:grpSpPr>
+      <p:sp>
+        <p:nvSpPr>
+          <p:cNvPr id="2" name="Titre 1">
+            <a:extLst>
+              <a:ext uri="{FF2B5EF4-FFF2-40B4-BE49-F238E27FC236}">
+                <a16:creationId xmlns:a16="http://schemas.microsoft.com/office/drawing/2014/main" id="{9CB31ADB-4040-0A0A-B0F7-803ABE486442}"/>
+              </a:ext>
+            </a:extLst>
+          </p:cNvPr>
+          <p:cNvSpPr>
+            <a:spLocks noGrp="1"/>
+          </p:cNvSpPr>
+          <p:nvPr>
+            <p:ph type="title"/>
+          </p:nvPr>
+        </p:nvSpPr>
+        <p:spPr/>
+        <p:txBody>
+          <a:bodyPr/>
+          <a:lstStyle/>
+          <a:p>
+            <a:endParaRPr lang="fr-BE"/>
+          </a:p>
+        </p:txBody>
+      </p:sp>
+      <p:sp>
+        <p:nvSpPr>
+          <p:cNvPr id="3" name="Espace réservé du contenu 2">
+            <a:extLst>
+              <a:ext uri="{FF2B5EF4-FFF2-40B4-BE49-F238E27FC236}">
+                <a16:creationId xmlns:a16="http://schemas.microsoft.com/office/drawing/2014/main" id="{7C8C5731-BDFB-BA1F-93A2-60BC0F65BFDA}"/>
+              </a:ext>
+            </a:extLst>
+          </p:cNvPr>
+          <p:cNvSpPr>
+            <a:spLocks noGrp="1"/>
+          </p:cNvSpPr>
+          <p:nvPr>
+            <p:ph idx="1"/>
+          </p:nvPr>
+        </p:nvSpPr>
+        <p:spPr/>
+        <p:txBody>
+          <a:bodyPr/>
+          <a:lstStyle/>
+          <a:p>
+            <a:endParaRPr lang="fr-BE"/>
+          </a:p>
+        </p:txBody>
+      </p:sp>
+    </p:spTree>
+    <p:extLst>
+      <p:ext uri="{BB962C8B-B14F-4D97-AF65-F5344CB8AC3E}">
+        <p14:creationId xmlns:p14="http://schemas.microsoft.com/office/powerpoint/2010/main" val="452180761"/>
+      </p:ext>
+    </p:extLst>
+  </p:cSld>
+  <p:clrMapOvr>
+    <a:masterClrMapping/>
+  </p:clrMapOvr>
+</p:sld>
+</file>
+
+<file path=ppt/slides/slide21.xml><?xml version="1.0" encoding="utf-8"?>
+<p:sld xmlns:a="http://schemas.openxmlformats.org/drawingml/2006/main" xmlns:r="http://schemas.openxmlformats.org/officeDocument/2006/relationships" xmlns:p="http://schemas.openxmlformats.org/presentationml/2006/main">
+  <p:cSld>
+    <p:spTree>
+      <p:nvGrpSpPr>
+        <p:cNvPr id="1" name=""/>
+        <p:cNvGrpSpPr/>
+        <p:nvPr/>
+      </p:nvGrpSpPr>
+      <p:grpSpPr>
+        <a:xfrm>
+          <a:off x="0" y="0"/>
+          <a:ext cx="0" cy="0"/>
+          <a:chOff x="0" y="0"/>
+          <a:chExt cx="0" cy="0"/>
+        </a:xfrm>
+      </p:grpSpPr>
+      <p:sp>
+        <p:nvSpPr>
+          <p:cNvPr id="2" name="Titre 1">
+            <a:extLst>
+              <a:ext uri="{FF2B5EF4-FFF2-40B4-BE49-F238E27FC236}">
+                <a16:creationId xmlns:a16="http://schemas.microsoft.com/office/drawing/2014/main" id="{B964D760-C980-2E13-DD3C-1574E4AD0DD0}"/>
+              </a:ext>
+            </a:extLst>
+          </p:cNvPr>
+          <p:cNvSpPr>
+            <a:spLocks noGrp="1"/>
+          </p:cNvSpPr>
+          <p:nvPr>
+            <p:ph type="title"/>
+          </p:nvPr>
+        </p:nvSpPr>
+        <p:spPr/>
+        <p:txBody>
+          <a:bodyPr/>
+          <a:lstStyle/>
+          <a:p>
+            <a:r>
+              <a:rPr lang="fr-FR" dirty="0"/>
+              <a:t>3. Objets</a:t>
+            </a:r>
+            <a:br>
+              <a:rPr lang="fr-FR" dirty="0"/>
+            </a:br>
+            <a:endParaRPr lang="fr-BE" dirty="0"/>
+          </a:p>
+        </p:txBody>
+      </p:sp>
+      <p:sp>
+        <p:nvSpPr>
+          <p:cNvPr id="3" name="Espace réservé du contenu 2">
+            <a:extLst>
+              <a:ext uri="{FF2B5EF4-FFF2-40B4-BE49-F238E27FC236}">
+                <a16:creationId xmlns:a16="http://schemas.microsoft.com/office/drawing/2014/main" id="{1B038C06-E48D-8116-7C99-9E01D1C12DDD}"/>
+              </a:ext>
+            </a:extLst>
+          </p:cNvPr>
+          <p:cNvSpPr>
+            <a:spLocks noGrp="1"/>
+          </p:cNvSpPr>
+          <p:nvPr>
+            <p:ph idx="1"/>
+          </p:nvPr>
+        </p:nvSpPr>
+        <p:spPr/>
+        <p:txBody>
+          <a:bodyPr>
+            <a:normAutofit lnSpcReduction="10000"/>
+          </a:bodyPr>
+          <a:lstStyle/>
+          <a:p>
+            <a:pPr lvl="1"/>
+            <a:r>
+              <a:rPr lang="fr-FR" dirty="0"/>
+              <a:t>Caractéristique </a:t>
+            </a:r>
+            <a:endParaRPr lang="fr-BE" dirty="0"/>
+          </a:p>
+          <a:p>
+            <a:pPr lvl="2"/>
+            <a:r>
+              <a:rPr lang="fr-BE" dirty="0"/>
+              <a:t>Un objet est un tableau associatif dynamique</a:t>
+            </a:r>
+          </a:p>
+          <a:p>
+            <a:pPr lvl="3"/>
+            <a:r>
+              <a:rPr lang="fr-BE" dirty="0">
+                <a:solidFill>
+                  <a:schemeClr val="accent1">
+                    <a:lumMod val="60000"/>
+                    <a:lumOff val="40000"/>
+                  </a:schemeClr>
+                </a:solidFill>
+              </a:rPr>
+              <a:t>Tableau</a:t>
+            </a:r>
+            <a:r>
+              <a:rPr lang="fr-BE" dirty="0"/>
+              <a:t> = suite de cases contenant des valeurs</a:t>
+            </a:r>
+          </a:p>
+          <a:p>
+            <a:pPr lvl="3"/>
+            <a:r>
+              <a:rPr lang="fr-BE" dirty="0"/>
+              <a:t>Cases numérotées de 0 à n</a:t>
+            </a:r>
+          </a:p>
+          <a:p>
+            <a:pPr lvl="3"/>
+            <a:r>
+              <a:rPr lang="fr-BE" dirty="0"/>
+              <a:t>Valeurs accessibles via l’indice</a:t>
+            </a:r>
+          </a:p>
+          <a:p>
+            <a:pPr lvl="3"/>
+            <a:r>
+              <a:rPr lang="fr-BE" dirty="0">
+                <a:solidFill>
+                  <a:schemeClr val="accent1">
+                    <a:lumMod val="60000"/>
+                    <a:lumOff val="40000"/>
+                  </a:schemeClr>
+                </a:solidFill>
+              </a:rPr>
+              <a:t>Associatif</a:t>
+            </a:r>
+            <a:r>
+              <a:rPr lang="fr-BE" dirty="0"/>
+              <a:t> = les « cases » ne sont plus numérotées mais repérées par des « clefs »</a:t>
+            </a:r>
+          </a:p>
+          <a:p>
+            <a:pPr lvl="3"/>
+            <a:r>
+              <a:rPr lang="fr-BE" dirty="0"/>
+              <a:t>Exemples</a:t>
+            </a:r>
+          </a:p>
+          <a:p>
+            <a:pPr lvl="4"/>
+            <a:r>
+              <a:rPr lang="fr-FR" dirty="0"/>
+              <a:t>année["HTML"] = 1 clef = "HTML", valeur = 1</a:t>
+            </a:r>
+          </a:p>
+          <a:p>
+            <a:pPr lvl="4"/>
+            <a:r>
+              <a:rPr lang="fr-FR" dirty="0"/>
+              <a:t>année["CSS"] = 1 clef = "CSS", valeur = 1</a:t>
+            </a:r>
+          </a:p>
+          <a:p>
+            <a:pPr lvl="4"/>
+            <a:r>
+              <a:rPr lang="fr-FR" dirty="0"/>
+              <a:t>année["Javascript"] = 2 clef = "Javascript", valeur = 2</a:t>
+            </a:r>
+          </a:p>
+          <a:p>
+            <a:pPr lvl="4"/>
+            <a:r>
+              <a:rPr lang="fr-FR" dirty="0"/>
+              <a:t>année["PHP"] = 3 clef = "PHP", valeur = 3</a:t>
+            </a:r>
+          </a:p>
+          <a:p>
+            <a:pPr lvl="4"/>
+            <a:r>
+              <a:rPr lang="fr-FR" dirty="0"/>
+              <a:t>traduction["dog"] = "chien"</a:t>
+            </a:r>
+          </a:p>
+          <a:p>
+            <a:pPr lvl="4"/>
+            <a:r>
+              <a:rPr lang="fr-FR" dirty="0"/>
+              <a:t>traduction["</a:t>
+            </a:r>
+            <a:r>
+              <a:rPr lang="fr-FR" dirty="0" err="1"/>
+              <a:t>brother</a:t>
+            </a:r>
+            <a:r>
+              <a:rPr lang="fr-FR" dirty="0"/>
+              <a:t>"] = "frère"</a:t>
+            </a:r>
+          </a:p>
+          <a:p>
+            <a:pPr lvl="4"/>
+            <a:r>
+              <a:rPr lang="fr-FR" dirty="0"/>
+              <a:t>traduction["end"] = "fin"</a:t>
+            </a:r>
+          </a:p>
+          <a:p>
+            <a:pPr lvl="4"/>
+            <a:endParaRPr lang="fr-FR" dirty="0"/>
+          </a:p>
+        </p:txBody>
+      </p:sp>
+    </p:spTree>
+    <p:extLst>
+      <p:ext uri="{BB962C8B-B14F-4D97-AF65-F5344CB8AC3E}">
+        <p14:creationId xmlns:p14="http://schemas.microsoft.com/office/powerpoint/2010/main" val="3800685736"/>
+      </p:ext>
+    </p:extLst>
+  </p:cSld>
+  <p:clrMapOvr>
+    <a:masterClrMapping/>
+  </p:clrMapOvr>
+</p:sld>
+</file>
+
+<file path=ppt/slides/slide22.xml><?xml version="1.0" encoding="utf-8"?>
+<p:sld xmlns:a="http://schemas.openxmlformats.org/drawingml/2006/main" xmlns:r="http://schemas.openxmlformats.org/officeDocument/2006/relationships" xmlns:p="http://schemas.openxmlformats.org/presentationml/2006/main">
+  <p:cSld>
+    <p:spTree>
+      <p:nvGrpSpPr>
         <p:cNvPr id="1" name="">
           <a:extLst>
             <a:ext uri="{FF2B5EF4-FFF2-40B4-BE49-F238E27FC236}">
@@ -5406,10 +8416,232 @@
             </a:r>
           </a:p>
           <a:p>
+            <a:pPr lvl="2"/>
+            <a:r>
+              <a:rPr lang="fr-FR" dirty="0"/>
+              <a:t>Méthode 1 : créer un objet vide, puis lui ajouter des propriétés (comme les tableaux)</a:t>
+            </a:r>
+          </a:p>
+          <a:p>
+            <a:pPr lvl="2"/>
+            <a:endParaRPr lang="fr-FR" dirty="0"/>
+          </a:p>
+          <a:p>
+            <a:pPr lvl="2"/>
+            <a:endParaRPr lang="fr-FR" dirty="0"/>
+          </a:p>
+          <a:p>
+            <a:pPr lvl="2"/>
+            <a:endParaRPr lang="fr-FR" dirty="0"/>
+          </a:p>
+          <a:p>
+            <a:pPr lvl="2"/>
+            <a:endParaRPr lang="fr-FR" dirty="0"/>
+          </a:p>
+          <a:p>
+            <a:pPr lvl="2"/>
+            <a:endParaRPr lang="fr-FR" dirty="0"/>
+          </a:p>
+          <a:p>
+            <a:pPr lvl="2"/>
+            <a:r>
+              <a:rPr lang="fr-FR" dirty="0"/>
+              <a:t>Méthode 2 : créer un objet qui possède déjà des propriétés avec un littéral (comme les tableaux)</a:t>
+            </a:r>
+          </a:p>
+          <a:p>
+            <a:pPr lvl="2"/>
+            <a:endParaRPr lang="fr-FR" dirty="0"/>
+          </a:p>
+          <a:p>
             <a:endParaRPr lang="fr-BE" dirty="0"/>
           </a:p>
         </p:txBody>
       </p:sp>
+      <p:pic>
+        <p:nvPicPr>
+          <p:cNvPr id="9" name="Image 8">
+            <a:extLst>
+              <a:ext uri="{FF2B5EF4-FFF2-40B4-BE49-F238E27FC236}">
+                <a16:creationId xmlns:a16="http://schemas.microsoft.com/office/drawing/2014/main" id="{1FE45979-B287-880C-0514-06BC87BEA683}"/>
+              </a:ext>
+            </a:extLst>
+          </p:cNvPr>
+          <p:cNvPicPr>
+            <a:picLocks noChangeAspect="1"/>
+          </p:cNvPicPr>
+          <p:nvPr/>
+        </p:nvPicPr>
+        <p:blipFill>
+          <a:blip r:embed="rId3">
+            <a:extLst>
+              <a:ext uri="{28A0092B-C50C-407E-A947-70E740481C1C}">
+                <a14:useLocalDpi xmlns:a14="http://schemas.microsoft.com/office/drawing/2010/main" val="0"/>
+              </a:ext>
+            </a:extLst>
+          </a:blip>
+          <a:stretch>
+            <a:fillRect/>
+          </a:stretch>
+        </p:blipFill>
+        <p:spPr>
+          <a:xfrm>
+            <a:off x="2550141" y="2581157"/>
+            <a:ext cx="1448002" cy="285790"/>
+          </a:xfrm>
+          <a:prstGeom prst="rect">
+            <a:avLst/>
+          </a:prstGeom>
+          <a:ln>
+            <a:noFill/>
+          </a:ln>
+          <a:effectLst>
+            <a:outerShdw blurRad="292100" dist="139700" dir="2700000" algn="tl" rotWithShape="0">
+              <a:srgbClr val="333333">
+                <a:alpha val="65000"/>
+              </a:srgbClr>
+            </a:outerShdw>
+          </a:effectLst>
+        </p:spPr>
+      </p:pic>
+      <p:pic>
+        <p:nvPicPr>
+          <p:cNvPr id="11" name="Image 10" descr="Une image contenant Police, texte, Bleu électrique, ligne&#10;&#10;Le contenu généré par l’IA peut être incorrect.">
+            <a:extLst>
+              <a:ext uri="{FF2B5EF4-FFF2-40B4-BE49-F238E27FC236}">
+                <a16:creationId xmlns:a16="http://schemas.microsoft.com/office/drawing/2014/main" id="{4E4A8913-B856-D9B5-E34C-A050447EC242}"/>
+              </a:ext>
+            </a:extLst>
+          </p:cNvPr>
+          <p:cNvPicPr>
+            <a:picLocks noChangeAspect="1"/>
+          </p:cNvPicPr>
+          <p:nvPr/>
+        </p:nvPicPr>
+        <p:blipFill>
+          <a:blip r:embed="rId4">
+            <a:extLst>
+              <a:ext uri="{28A0092B-C50C-407E-A947-70E740481C1C}">
+                <a14:useLocalDpi xmlns:a14="http://schemas.microsoft.com/office/drawing/2010/main" val="0"/>
+              </a:ext>
+            </a:extLst>
+          </a:blip>
+          <a:stretch>
+            <a:fillRect/>
+          </a:stretch>
+        </p:blipFill>
+        <p:spPr>
+          <a:xfrm>
+            <a:off x="4219398" y="2819436"/>
+            <a:ext cx="2534004" cy="562053"/>
+          </a:xfrm>
+          <a:prstGeom prst="rect">
+            <a:avLst/>
+          </a:prstGeom>
+          <a:ln>
+            <a:noFill/>
+          </a:ln>
+          <a:effectLst>
+            <a:outerShdw blurRad="292100" dist="139700" dir="2700000" algn="tl" rotWithShape="0">
+              <a:srgbClr val="333333">
+                <a:alpha val="65000"/>
+              </a:srgbClr>
+            </a:outerShdw>
+          </a:effectLst>
+        </p:spPr>
+      </p:pic>
+      <p:pic>
+        <p:nvPicPr>
+          <p:cNvPr id="13" name="Image 12" descr="Une image contenant texte, Police, écriture manuscrite, Bleu électrique&#10;&#10;Le contenu généré par l’IA peut être incorrect.">
+            <a:extLst>
+              <a:ext uri="{FF2B5EF4-FFF2-40B4-BE49-F238E27FC236}">
+                <a16:creationId xmlns:a16="http://schemas.microsoft.com/office/drawing/2014/main" id="{FF9661F7-2561-035E-B73B-64C35276C08F}"/>
+              </a:ext>
+            </a:extLst>
+          </p:cNvPr>
+          <p:cNvPicPr>
+            <a:picLocks noChangeAspect="1"/>
+          </p:cNvPicPr>
+          <p:nvPr/>
+        </p:nvPicPr>
+        <p:blipFill>
+          <a:blip r:embed="rId5">
+            <a:extLst>
+              <a:ext uri="{28A0092B-C50C-407E-A947-70E740481C1C}">
+                <a14:useLocalDpi xmlns:a14="http://schemas.microsoft.com/office/drawing/2010/main" val="0"/>
+              </a:ext>
+            </a:extLst>
+          </a:blip>
+          <a:stretch>
+            <a:fillRect/>
+          </a:stretch>
+        </p:blipFill>
+        <p:spPr>
+          <a:xfrm>
+            <a:off x="6972056" y="3381489"/>
+            <a:ext cx="4772691" cy="800212"/>
+          </a:xfrm>
+          <a:prstGeom prst="rect">
+            <a:avLst/>
+          </a:prstGeom>
+          <a:ln>
+            <a:noFill/>
+          </a:ln>
+          <a:effectLst>
+            <a:outerShdw blurRad="292100" dist="139700" dir="2700000" algn="tl" rotWithShape="0">
+              <a:srgbClr val="333333">
+                <a:alpha val="65000"/>
+              </a:srgbClr>
+            </a:outerShdw>
+          </a:effectLst>
+        </p:spPr>
+      </p:pic>
+      <p:pic>
+        <p:nvPicPr>
+          <p:cNvPr id="15" name="Image 14" descr="Une image contenant texte, Police, écriture manuscrite, ligne&#10;&#10;Le contenu généré par l’IA peut être incorrect.">
+            <a:extLst>
+              <a:ext uri="{FF2B5EF4-FFF2-40B4-BE49-F238E27FC236}">
+                <a16:creationId xmlns:a16="http://schemas.microsoft.com/office/drawing/2014/main" id="{CF447815-8E86-A23C-F239-ABC293B595C2}"/>
+              </a:ext>
+            </a:extLst>
+          </p:cNvPr>
+          <p:cNvPicPr>
+            <a:picLocks noChangeAspect="1"/>
+          </p:cNvPicPr>
+          <p:nvPr/>
+        </p:nvPicPr>
+        <p:blipFill>
+          <a:blip r:embed="rId6">
+            <a:extLst>
+              <a:ext uri="{28A0092B-C50C-407E-A947-70E740481C1C}">
+                <a14:useLocalDpi xmlns:a14="http://schemas.microsoft.com/office/drawing/2010/main" val="0"/>
+              </a:ext>
+            </a:extLst>
+          </a:blip>
+          <a:stretch>
+            <a:fillRect/>
+          </a:stretch>
+        </p:blipFill>
+        <p:spPr>
+          <a:xfrm>
+            <a:off x="3657918" y="4593300"/>
+            <a:ext cx="6449325" cy="1991003"/>
+          </a:xfrm>
+          <a:prstGeom prst="rect">
+            <a:avLst/>
+          </a:prstGeom>
+          <a:ln>
+            <a:noFill/>
+          </a:ln>
+          <a:effectLst>
+            <a:outerShdw blurRad="292100" dist="139700" dir="2700000" algn="tl" rotWithShape="0">
+              <a:srgbClr val="333333">
+                <a:alpha val="65000"/>
+              </a:srgbClr>
+            </a:outerShdw>
+          </a:effectLst>
+        </p:spPr>
+      </p:pic>
     </p:spTree>
     <p:extLst>
       <p:ext uri="{BB962C8B-B14F-4D97-AF65-F5344CB8AC3E}">
@@ -5423,7 +8655,7 @@
 </p:sld>
 </file>
 
-<file path=ppt/slides/slide21.xml><?xml version="1.0" encoding="utf-8"?>
+<file path=ppt/slides/slide23.xml><?xml version="1.0" encoding="utf-8"?>
 <p:sld xmlns:a="http://schemas.openxmlformats.org/drawingml/2006/main" xmlns:r="http://schemas.openxmlformats.org/officeDocument/2006/relationships" xmlns:p="http://schemas.openxmlformats.org/presentationml/2006/main">
   <p:cSld>
     <p:spTree>
@@ -5506,10 +8738,213 @@
             </a:r>
           </a:p>
           <a:p>
+            <a:pPr lvl="2"/>
+            <a:r>
+              <a:rPr lang="fr-BE" dirty="0"/>
+              <a:t>Accéder aux propriétés (en lecture ou en écriture) </a:t>
+            </a:r>
+          </a:p>
+          <a:p>
+            <a:pPr lvl="3"/>
+            <a:r>
+              <a:rPr lang="fr-BE" dirty="0"/>
+              <a:t>Deux syntaxes possibles : </a:t>
+            </a:r>
+            <a:r>
+              <a:rPr lang="fr-BE" dirty="0" err="1"/>
+              <a:t>h.nom</a:t>
+            </a:r>
+            <a:r>
+              <a:rPr lang="fr-BE" dirty="0"/>
+              <a:t> ou h["nom"] </a:t>
+            </a:r>
+          </a:p>
+          <a:p>
+            <a:pPr lvl="3"/>
+            <a:r>
+              <a:rPr lang="fr-BE" dirty="0"/>
+              <a:t>On peut modifier (ajouter/modifier) les propriétés puisqu’un objet en JS est dynamique</a:t>
+            </a:r>
+          </a:p>
+          <a:p>
+            <a:pPr lvl="4"/>
+            <a:r>
+              <a:rPr lang="fr-BE" dirty="0"/>
+              <a:t>Ajouter </a:t>
+            </a:r>
+          </a:p>
+          <a:p>
+            <a:pPr lvl="4"/>
+            <a:r>
+              <a:rPr lang="fr-BE" dirty="0"/>
+              <a:t>Modifier </a:t>
+            </a:r>
+          </a:p>
+          <a:p>
+            <a:pPr lvl="4"/>
             <a:endParaRPr lang="fr-BE" dirty="0"/>
           </a:p>
-        </p:txBody>
-      </p:sp>
+          <a:p>
+            <a:pPr lvl="4"/>
+            <a:endParaRPr lang="fr-BE" dirty="0"/>
+          </a:p>
+          <a:p>
+            <a:pPr lvl="4"/>
+            <a:r>
+              <a:rPr lang="fr-BE" dirty="0"/>
+              <a:t>Supprimer </a:t>
+            </a:r>
+          </a:p>
+          <a:p>
+            <a:pPr lvl="2"/>
+            <a:endParaRPr lang="fr-BE" dirty="0"/>
+          </a:p>
+          <a:p>
+            <a:pPr marL="914400" lvl="2" indent="0">
+              <a:buNone/>
+            </a:pPr>
+            <a:endParaRPr lang="fr-FR" dirty="0"/>
+          </a:p>
+        </p:txBody>
+      </p:sp>
+      <p:pic>
+        <p:nvPicPr>
+          <p:cNvPr id="5" name="Image 4">
+            <a:extLst>
+              <a:ext uri="{FF2B5EF4-FFF2-40B4-BE49-F238E27FC236}">
+                <a16:creationId xmlns:a16="http://schemas.microsoft.com/office/drawing/2014/main" id="{E1512652-EB77-F800-E770-BD92DB129A98}"/>
+              </a:ext>
+            </a:extLst>
+          </p:cNvPr>
+          <p:cNvPicPr>
+            <a:picLocks noChangeAspect="1"/>
+          </p:cNvPicPr>
+          <p:nvPr/>
+        </p:nvPicPr>
+        <p:blipFill>
+          <a:blip r:embed="rId2">
+            <a:extLst>
+              <a:ext uri="{28A0092B-C50C-407E-A947-70E740481C1C}">
+                <a14:useLocalDpi xmlns:a14="http://schemas.microsoft.com/office/drawing/2010/main" val="0"/>
+              </a:ext>
+            </a:extLst>
+          </a:blip>
+          <a:stretch>
+            <a:fillRect/>
+          </a:stretch>
+        </p:blipFill>
+        <p:spPr>
+          <a:xfrm>
+            <a:off x="4140433" y="3200368"/>
+            <a:ext cx="2514951" cy="228632"/>
+          </a:xfrm>
+          <a:prstGeom prst="rect">
+            <a:avLst/>
+          </a:prstGeom>
+          <a:ln>
+            <a:noFill/>
+          </a:ln>
+          <a:effectLst>
+            <a:outerShdw blurRad="292100" dist="139700" dir="2700000" algn="tl" rotWithShape="0">
+              <a:srgbClr val="333333">
+                <a:alpha val="65000"/>
+              </a:srgbClr>
+            </a:outerShdw>
+          </a:effectLst>
+        </p:spPr>
+      </p:pic>
+      <p:pic>
+        <p:nvPicPr>
+          <p:cNvPr id="7" name="Image 6" descr="Une image contenant texte, Police, ligne, blanc&#10;&#10;Le contenu généré par l’IA peut être incorrect.">
+            <a:extLst>
+              <a:ext uri="{FF2B5EF4-FFF2-40B4-BE49-F238E27FC236}">
+                <a16:creationId xmlns:a16="http://schemas.microsoft.com/office/drawing/2014/main" id="{FE96862B-58BA-61FF-CCB8-5565E85C0DFA}"/>
+              </a:ext>
+            </a:extLst>
+          </p:cNvPr>
+          <p:cNvPicPr>
+            <a:picLocks noChangeAspect="1"/>
+          </p:cNvPicPr>
+          <p:nvPr/>
+        </p:nvPicPr>
+        <p:blipFill>
+          <a:blip r:embed="rId3">
+            <a:extLst>
+              <a:ext uri="{28A0092B-C50C-407E-A947-70E740481C1C}">
+                <a14:useLocalDpi xmlns:a14="http://schemas.microsoft.com/office/drawing/2010/main" val="0"/>
+              </a:ext>
+            </a:extLst>
+          </a:blip>
+          <a:stretch>
+            <a:fillRect/>
+          </a:stretch>
+        </p:blipFill>
+        <p:spPr>
+          <a:xfrm>
+            <a:off x="4140433" y="3588486"/>
+            <a:ext cx="3924848" cy="733527"/>
+          </a:xfrm>
+          <a:prstGeom prst="rect">
+            <a:avLst/>
+          </a:prstGeom>
+          <a:ln>
+            <a:noFill/>
+          </a:ln>
+          <a:effectLst>
+            <a:outerShdw blurRad="292100" dist="139700" dir="2700000" algn="tl" rotWithShape="0">
+              <a:srgbClr val="333333">
+                <a:alpha val="65000"/>
+              </a:srgbClr>
+            </a:outerShdw>
+          </a:effectLst>
+        </p:spPr>
+      </p:pic>
+      <p:pic>
+        <p:nvPicPr>
+          <p:cNvPr id="9" name="Image 8">
+            <a:extLst>
+              <a:ext uri="{FF2B5EF4-FFF2-40B4-BE49-F238E27FC236}">
+                <a16:creationId xmlns:a16="http://schemas.microsoft.com/office/drawing/2014/main" id="{A54DA365-85E5-5662-4827-805406CF0911}"/>
+              </a:ext>
+            </a:extLst>
+          </p:cNvPr>
+          <p:cNvPicPr>
+            <a:picLocks noChangeAspect="1"/>
+          </p:cNvPicPr>
+          <p:nvPr/>
+        </p:nvPicPr>
+        <p:blipFill>
+          <a:blip r:embed="rId4">
+            <a:extLst>
+              <a:ext uri="{28A0092B-C50C-407E-A947-70E740481C1C}">
+                <a14:useLocalDpi xmlns:a14="http://schemas.microsoft.com/office/drawing/2010/main" val="0"/>
+              </a:ext>
+            </a:extLst>
+          </a:blip>
+          <a:stretch>
+            <a:fillRect/>
+          </a:stretch>
+        </p:blipFill>
+        <p:spPr>
+          <a:xfrm>
+            <a:off x="4140433" y="4765627"/>
+            <a:ext cx="1543265" cy="228632"/>
+          </a:xfrm>
+          <a:prstGeom prst="rect">
+            <a:avLst/>
+          </a:prstGeom>
+          <a:ln>
+            <a:noFill/>
+          </a:ln>
+          <a:effectLst>
+            <a:outerShdw blurRad="292100" dist="139700" dir="2700000" algn="tl" rotWithShape="0">
+              <a:srgbClr val="333333">
+                <a:alpha val="65000"/>
+              </a:srgbClr>
+            </a:outerShdw>
+          </a:effectLst>
+        </p:spPr>
+      </p:pic>
     </p:spTree>
     <p:extLst>
       <p:ext uri="{BB962C8B-B14F-4D97-AF65-F5344CB8AC3E}">
@@ -5523,7 +8958,245 @@
 </p:sld>
 </file>
 
-<file path=ppt/slides/slide22.xml><?xml version="1.0" encoding="utf-8"?>
+<file path=ppt/slides/slide24.xml><?xml version="1.0" encoding="utf-8"?>
+<p:sld xmlns:a="http://schemas.openxmlformats.org/drawingml/2006/main" xmlns:r="http://schemas.openxmlformats.org/officeDocument/2006/relationships" xmlns:p="http://schemas.openxmlformats.org/presentationml/2006/main">
+  <p:cSld>
+    <p:spTree>
+      <p:nvGrpSpPr>
+        <p:cNvPr id="1" name="">
+          <a:extLst>
+            <a:ext uri="{FF2B5EF4-FFF2-40B4-BE49-F238E27FC236}">
+              <a16:creationId xmlns:a16="http://schemas.microsoft.com/office/drawing/2014/main" id="{4F8CAEC4-CC90-F99B-8466-B896CCE0ACA9}"/>
+            </a:ext>
+          </a:extLst>
+        </p:cNvPr>
+        <p:cNvGrpSpPr/>
+        <p:nvPr/>
+      </p:nvGrpSpPr>
+      <p:grpSpPr>
+        <a:xfrm>
+          <a:off x="0" y="0"/>
+          <a:ext cx="0" cy="0"/>
+          <a:chOff x="0" y="0"/>
+          <a:chExt cx="0" cy="0"/>
+        </a:xfrm>
+      </p:grpSpPr>
+      <p:sp>
+        <p:nvSpPr>
+          <p:cNvPr id="2" name="Titre 1">
+            <a:extLst>
+              <a:ext uri="{FF2B5EF4-FFF2-40B4-BE49-F238E27FC236}">
+                <a16:creationId xmlns:a16="http://schemas.microsoft.com/office/drawing/2014/main" id="{FD3ED8D9-7DD6-9158-25A7-C1D146D8F34E}"/>
+              </a:ext>
+            </a:extLst>
+          </p:cNvPr>
+          <p:cNvSpPr>
+            <a:spLocks noGrp="1"/>
+          </p:cNvSpPr>
+          <p:nvPr>
+            <p:ph type="title"/>
+          </p:nvPr>
+        </p:nvSpPr>
+        <p:spPr/>
+        <p:txBody>
+          <a:bodyPr/>
+          <a:lstStyle/>
+          <a:p>
+            <a:r>
+              <a:rPr lang="fr-FR" dirty="0"/>
+              <a:t>3. Objets</a:t>
+            </a:r>
+            <a:br>
+              <a:rPr lang="fr-FR" dirty="0"/>
+            </a:br>
+            <a:endParaRPr lang="fr-BE" dirty="0"/>
+          </a:p>
+        </p:txBody>
+      </p:sp>
+      <p:sp>
+        <p:nvSpPr>
+          <p:cNvPr id="3" name="Espace réservé du contenu 2">
+            <a:extLst>
+              <a:ext uri="{FF2B5EF4-FFF2-40B4-BE49-F238E27FC236}">
+                <a16:creationId xmlns:a16="http://schemas.microsoft.com/office/drawing/2014/main" id="{09CE5A49-6422-50C5-EBB0-670F22E47B12}"/>
+              </a:ext>
+            </a:extLst>
+          </p:cNvPr>
+          <p:cNvSpPr>
+            <a:spLocks noGrp="1"/>
+          </p:cNvSpPr>
+          <p:nvPr>
+            <p:ph idx="1"/>
+          </p:nvPr>
+        </p:nvSpPr>
+        <p:spPr/>
+        <p:txBody>
+          <a:bodyPr/>
+          <a:lstStyle/>
+          <a:p>
+            <a:pPr lvl="1"/>
+            <a:r>
+              <a:rPr lang="fr-FR" dirty="0"/>
+              <a:t>Utilisation</a:t>
+            </a:r>
+          </a:p>
+          <a:p>
+            <a:pPr lvl="2"/>
+            <a:r>
+              <a:rPr lang="fr-BE" dirty="0"/>
+              <a:t>Egalité (revient à tester l’égalité de leurs références)</a:t>
+            </a:r>
+          </a:p>
+          <a:p>
+            <a:pPr lvl="2"/>
+            <a:r>
+              <a:rPr lang="fr-BE" dirty="0"/>
+              <a:t>Même sémantique que pour == et ===</a:t>
+            </a:r>
+          </a:p>
+          <a:p>
+            <a:pPr lvl="2"/>
+            <a:endParaRPr lang="fr-FR" dirty="0"/>
+          </a:p>
+          <a:p>
+            <a:pPr lvl="2"/>
+            <a:endParaRPr lang="fr-FR" dirty="0"/>
+          </a:p>
+          <a:p>
+            <a:pPr lvl="2"/>
+            <a:endParaRPr lang="fr-FR" dirty="0"/>
+          </a:p>
+          <a:p>
+            <a:pPr lvl="2"/>
+            <a:endParaRPr lang="fr-FR" dirty="0"/>
+          </a:p>
+          <a:p>
+            <a:pPr lvl="2"/>
+            <a:endParaRPr lang="fr-FR" dirty="0"/>
+          </a:p>
+          <a:p>
+            <a:pPr lvl="2"/>
+            <a:r>
+              <a:rPr lang="fr-FR" dirty="0"/>
+              <a:t>L’opérateur « in » permet de savoir si un objet </a:t>
+            </a:r>
+            <a:br>
+              <a:rPr lang="fr-FR" dirty="0"/>
+            </a:br>
+            <a:r>
+              <a:rPr lang="fr-FR" dirty="0"/>
+              <a:t>a une propriété du nom demandé</a:t>
+            </a:r>
+            <a:endParaRPr lang="fr-BE" dirty="0"/>
+          </a:p>
+        </p:txBody>
+      </p:sp>
+      <p:pic>
+        <p:nvPicPr>
+          <p:cNvPr id="6" name="Image 5" descr="Une image contenant texte, Police, capture d’écran&#10;&#10;Le contenu généré par l’IA peut être incorrect.">
+            <a:extLst>
+              <a:ext uri="{FF2B5EF4-FFF2-40B4-BE49-F238E27FC236}">
+                <a16:creationId xmlns:a16="http://schemas.microsoft.com/office/drawing/2014/main" id="{0E8258C5-3914-6557-4A84-2024D53BB89E}"/>
+              </a:ext>
+            </a:extLst>
+          </p:cNvPr>
+          <p:cNvPicPr>
+            <a:picLocks noChangeAspect="1"/>
+          </p:cNvPicPr>
+          <p:nvPr/>
+        </p:nvPicPr>
+        <p:blipFill>
+          <a:blip r:embed="rId2">
+            <a:extLst>
+              <a:ext uri="{28A0092B-C50C-407E-A947-70E740481C1C}">
+                <a14:useLocalDpi xmlns:a14="http://schemas.microsoft.com/office/drawing/2010/main" val="0"/>
+              </a:ext>
+            </a:extLst>
+          </a:blip>
+          <a:stretch>
+            <a:fillRect/>
+          </a:stretch>
+        </p:blipFill>
+        <p:spPr>
+          <a:xfrm>
+            <a:off x="7154396" y="2576309"/>
+            <a:ext cx="2972830" cy="2310529"/>
+          </a:xfrm>
+          <a:prstGeom prst="rect">
+            <a:avLst/>
+          </a:prstGeom>
+          <a:ln>
+            <a:noFill/>
+          </a:ln>
+          <a:effectLst>
+            <a:outerShdw blurRad="292100" dist="139700" dir="2700000" algn="tl" rotWithShape="0">
+              <a:srgbClr val="333333">
+                <a:alpha val="65000"/>
+              </a:srgbClr>
+            </a:outerShdw>
+          </a:effectLst>
+        </p:spPr>
+      </p:pic>
+      <p:pic>
+        <p:nvPicPr>
+          <p:cNvPr id="10" name="Image 9" descr="Une image contenant texte, Police, blanc, ligne&#10;&#10;Le contenu généré par l’IA peut être incorrect.">
+            <a:extLst>
+              <a:ext uri="{FF2B5EF4-FFF2-40B4-BE49-F238E27FC236}">
+                <a16:creationId xmlns:a16="http://schemas.microsoft.com/office/drawing/2014/main" id="{D418A9F3-1934-9DAF-B9AA-D85921D8411A}"/>
+              </a:ext>
+            </a:extLst>
+          </p:cNvPr>
+          <p:cNvPicPr>
+            <a:picLocks noChangeAspect="1"/>
+          </p:cNvPicPr>
+          <p:nvPr/>
+        </p:nvPicPr>
+        <p:blipFill>
+          <a:blip r:embed="rId3">
+            <a:extLst>
+              <a:ext uri="{28A0092B-C50C-407E-A947-70E740481C1C}">
+                <a14:useLocalDpi xmlns:a14="http://schemas.microsoft.com/office/drawing/2010/main" val="0"/>
+              </a:ext>
+            </a:extLst>
+          </a:blip>
+          <a:stretch>
+            <a:fillRect/>
+          </a:stretch>
+        </p:blipFill>
+        <p:spPr>
+          <a:xfrm>
+            <a:off x="4191708" y="5367442"/>
+            <a:ext cx="2962688" cy="704948"/>
+          </a:xfrm>
+          <a:prstGeom prst="rect">
+            <a:avLst/>
+          </a:prstGeom>
+          <a:ln>
+            <a:noFill/>
+          </a:ln>
+          <a:effectLst>
+            <a:outerShdw blurRad="292100" dist="139700" dir="2700000" algn="tl" rotWithShape="0">
+              <a:srgbClr val="333333">
+                <a:alpha val="65000"/>
+              </a:srgbClr>
+            </a:outerShdw>
+          </a:effectLst>
+        </p:spPr>
+      </p:pic>
+    </p:spTree>
+    <p:extLst>
+      <p:ext uri="{BB962C8B-B14F-4D97-AF65-F5344CB8AC3E}">
+        <p14:creationId xmlns:p14="http://schemas.microsoft.com/office/powerpoint/2010/main" val="4028453529"/>
+      </p:ext>
+    </p:extLst>
+  </p:cSld>
+  <p:clrMapOvr>
+    <a:masterClrMapping/>
+  </p:clrMapOvr>
+</p:sld>
+</file>
+
+<file path=ppt/slides/slide25.xml><?xml version="1.0" encoding="utf-8"?>
 <p:sld xmlns:a="http://schemas.openxmlformats.org/drawingml/2006/main" xmlns:r="http://schemas.openxmlformats.org/officeDocument/2006/relationships" xmlns:p="http://schemas.openxmlformats.org/presentationml/2006/main">
   <p:cSld>
     <p:spTree>
@@ -5602,11 +9275,71 @@
             <a:pPr lvl="1"/>
             <a:r>
               <a:rPr lang="fr-FR" dirty="0"/>
-              <a:t>Valeurs primitives</a:t>
-            </a:r>
-          </a:p>
-        </p:txBody>
-      </p:sp>
+              <a:t>Utilisation</a:t>
+            </a:r>
+          </a:p>
+          <a:p>
+            <a:pPr lvl="2"/>
+            <a:r>
+              <a:rPr lang="fr-FR" dirty="0"/>
+              <a:t>La boucle for-in: </a:t>
+            </a:r>
+          </a:p>
+          <a:p>
+            <a:pPr lvl="3"/>
+            <a:r>
+              <a:rPr lang="fr-FR" dirty="0"/>
+              <a:t>Passe en revue toutes les propriétés énumérables de l’objet</a:t>
+            </a:r>
+          </a:p>
+        </p:txBody>
+      </p:sp>
+      <p:pic>
+        <p:nvPicPr>
+          <p:cNvPr id="5" name="Image 4" descr="Une image contenant texte, Police, écriture manuscrite, ligne&#10;&#10;Le contenu généré par l’IA peut être incorrect.">
+            <a:extLst>
+              <a:ext uri="{FF2B5EF4-FFF2-40B4-BE49-F238E27FC236}">
+                <a16:creationId xmlns:a16="http://schemas.microsoft.com/office/drawing/2014/main" id="{EC3E5534-2DB2-3C2B-5D0C-ACFBED98F06F}"/>
+              </a:ext>
+            </a:extLst>
+          </p:cNvPr>
+          <p:cNvPicPr>
+            <a:picLocks noChangeAspect="1"/>
+          </p:cNvPicPr>
+          <p:nvPr/>
+        </p:nvPicPr>
+        <p:blipFill>
+          <a:blip r:embed="rId3">
+            <a:extLst>
+              <a:ext uri="{28A0092B-C50C-407E-A947-70E740481C1C}">
+                <a14:useLocalDpi xmlns:a14="http://schemas.microsoft.com/office/drawing/2010/main" val="0"/>
+              </a:ext>
+            </a:extLst>
+          </a:blip>
+          <a:stretch>
+            <a:fillRect/>
+          </a:stretch>
+        </p:blipFill>
+        <p:spPr>
+          <a:xfrm>
+            <a:off x="3261917" y="2995509"/>
+            <a:ext cx="5668166" cy="1476581"/>
+          </a:xfrm>
+          <a:prstGeom prst="rect">
+            <a:avLst/>
+          </a:prstGeom>
+          <a:ln>
+            <a:noFill/>
+          </a:ln>
+          <a:effectLst>
+            <a:outerShdw blurRad="292100" dist="139700" dir="2700000" algn="tl" rotWithShape="0">
+              <a:srgbClr val="333333">
+                <a:alpha val="65000"/>
+              </a:srgbClr>
+            </a:outerShdw>
+          </a:effectLst>
+        </p:spPr>
+      </p:pic>
     </p:spTree>
     <p:extLst>
       <p:ext uri="{BB962C8B-B14F-4D97-AF65-F5344CB8AC3E}">
@@ -5620,7 +9353,322 @@
 </p:sld>
 </file>
 
-<file path=ppt/slides/slide23.xml><?xml version="1.0" encoding="utf-8"?>
+<file path=ppt/slides/slide26.xml><?xml version="1.0" encoding="utf-8"?>
+<p:sld xmlns:a="http://schemas.openxmlformats.org/drawingml/2006/main" xmlns:r="http://schemas.openxmlformats.org/officeDocument/2006/relationships" xmlns:p="http://schemas.openxmlformats.org/presentationml/2006/main">
+  <p:cSld>
+    <p:spTree>
+      <p:nvGrpSpPr>
+        <p:cNvPr id="1" name="">
+          <a:extLst>
+            <a:ext uri="{FF2B5EF4-FFF2-40B4-BE49-F238E27FC236}">
+              <a16:creationId xmlns:a16="http://schemas.microsoft.com/office/drawing/2014/main" id="{655F5606-E6B9-2913-950E-E0F691839C78}"/>
+            </a:ext>
+          </a:extLst>
+        </p:cNvPr>
+        <p:cNvGrpSpPr/>
+        <p:nvPr/>
+      </p:nvGrpSpPr>
+      <p:grpSpPr>
+        <a:xfrm>
+          <a:off x="0" y="0"/>
+          <a:ext cx="0" cy="0"/>
+          <a:chOff x="0" y="0"/>
+          <a:chExt cx="0" cy="0"/>
+        </a:xfrm>
+      </p:grpSpPr>
+      <p:sp>
+        <p:nvSpPr>
+          <p:cNvPr id="2" name="Titre 1">
+            <a:extLst>
+              <a:ext uri="{FF2B5EF4-FFF2-40B4-BE49-F238E27FC236}">
+                <a16:creationId xmlns:a16="http://schemas.microsoft.com/office/drawing/2014/main" id="{8E362ED9-9A79-C87E-AC03-741D65DDD0EC}"/>
+              </a:ext>
+            </a:extLst>
+          </p:cNvPr>
+          <p:cNvSpPr>
+            <a:spLocks noGrp="1"/>
+          </p:cNvSpPr>
+          <p:nvPr>
+            <p:ph type="title"/>
+          </p:nvPr>
+        </p:nvSpPr>
+        <p:spPr/>
+        <p:txBody>
+          <a:bodyPr/>
+          <a:lstStyle/>
+          <a:p>
+            <a:r>
+              <a:rPr lang="fr-FR" dirty="0"/>
+              <a:t>3. Objets</a:t>
+            </a:r>
+            <a:br>
+              <a:rPr lang="fr-FR" dirty="0"/>
+            </a:br>
+            <a:endParaRPr lang="fr-BE" dirty="0"/>
+          </a:p>
+        </p:txBody>
+      </p:sp>
+      <p:sp>
+        <p:nvSpPr>
+          <p:cNvPr id="3" name="Espace réservé du contenu 2">
+            <a:extLst>
+              <a:ext uri="{FF2B5EF4-FFF2-40B4-BE49-F238E27FC236}">
+                <a16:creationId xmlns:a16="http://schemas.microsoft.com/office/drawing/2014/main" id="{C9DEAD06-C5BE-72AC-4685-A8A393049F1A}"/>
+              </a:ext>
+            </a:extLst>
+          </p:cNvPr>
+          <p:cNvSpPr>
+            <a:spLocks noGrp="1"/>
+          </p:cNvSpPr>
+          <p:nvPr>
+            <p:ph idx="1"/>
+          </p:nvPr>
+        </p:nvSpPr>
+        <p:spPr/>
+        <p:txBody>
+          <a:bodyPr/>
+          <a:lstStyle/>
+          <a:p>
+            <a:pPr lvl="1"/>
+            <a:r>
+              <a:rPr lang="fr-FR" dirty="0"/>
+              <a:t>Utilisation</a:t>
+            </a:r>
+          </a:p>
+          <a:p>
+            <a:pPr lvl="2"/>
+            <a:r>
+              <a:rPr lang="fr-FR" dirty="0"/>
+              <a:t>La boucle for-of :</a:t>
+            </a:r>
+          </a:p>
+          <a:p>
+            <a:pPr lvl="3"/>
+            <a:r>
+              <a:rPr lang="fr-FR" dirty="0"/>
+              <a:t>Passe en revue les valeurs des propriétés énumérables de l’objet</a:t>
+            </a:r>
+          </a:p>
+          <a:p>
+            <a:pPr lvl="3"/>
+            <a:r>
+              <a:rPr lang="fr-FR" dirty="0"/>
+              <a:t>Uniquement pour les objets itérables</a:t>
+            </a:r>
+          </a:p>
+        </p:txBody>
+      </p:sp>
+      <p:pic>
+        <p:nvPicPr>
+          <p:cNvPr id="5" name="Image 4">
+            <a:extLst>
+              <a:ext uri="{FF2B5EF4-FFF2-40B4-BE49-F238E27FC236}">
+                <a16:creationId xmlns:a16="http://schemas.microsoft.com/office/drawing/2014/main" id="{F6C8E105-AD5E-BE91-536E-ED19C2CA0175}"/>
+              </a:ext>
+            </a:extLst>
+          </p:cNvPr>
+          <p:cNvPicPr>
+            <a:picLocks noChangeAspect="1"/>
+          </p:cNvPicPr>
+          <p:nvPr/>
+        </p:nvPicPr>
+        <p:blipFill>
+          <a:blip r:embed="rId3">
+            <a:extLst>
+              <a:ext uri="{28A0092B-C50C-407E-A947-70E740481C1C}">
+                <a14:useLocalDpi xmlns:a14="http://schemas.microsoft.com/office/drawing/2010/main" val="0"/>
+              </a:ext>
+            </a:extLst>
+          </a:blip>
+          <a:stretch>
+            <a:fillRect/>
+          </a:stretch>
+        </p:blipFill>
+        <p:spPr>
+          <a:xfrm>
+            <a:off x="2847521" y="3343977"/>
+            <a:ext cx="6496957" cy="657317"/>
+          </a:xfrm>
+          <a:prstGeom prst="rect">
+            <a:avLst/>
+          </a:prstGeom>
+          <a:ln>
+            <a:noFill/>
+          </a:ln>
+          <a:effectLst>
+            <a:outerShdw blurRad="292100" dist="139700" dir="2700000" algn="tl" rotWithShape="0">
+              <a:srgbClr val="333333">
+                <a:alpha val="65000"/>
+              </a:srgbClr>
+            </a:outerShdw>
+          </a:effectLst>
+        </p:spPr>
+      </p:pic>
+    </p:spTree>
+    <p:extLst>
+      <p:ext uri="{BB962C8B-B14F-4D97-AF65-F5344CB8AC3E}">
+        <p14:creationId xmlns:p14="http://schemas.microsoft.com/office/powerpoint/2010/main" val="1308290873"/>
+      </p:ext>
+    </p:extLst>
+  </p:cSld>
+  <p:clrMapOvr>
+    <a:masterClrMapping/>
+  </p:clrMapOvr>
+</p:sld>
+</file>
+
+<file path=ppt/slides/slide27.xml><?xml version="1.0" encoding="utf-8"?>
+<p:sld xmlns:a="http://schemas.openxmlformats.org/drawingml/2006/main" xmlns:r="http://schemas.openxmlformats.org/officeDocument/2006/relationships" xmlns:p="http://schemas.openxmlformats.org/presentationml/2006/main">
+  <p:cSld>
+    <p:spTree>
+      <p:nvGrpSpPr>
+        <p:cNvPr id="1" name="">
+          <a:extLst>
+            <a:ext uri="{FF2B5EF4-FFF2-40B4-BE49-F238E27FC236}">
+              <a16:creationId xmlns:a16="http://schemas.microsoft.com/office/drawing/2014/main" id="{EAA42BD2-8A72-DF81-5028-97EB7524D03D}"/>
+            </a:ext>
+          </a:extLst>
+        </p:cNvPr>
+        <p:cNvGrpSpPr/>
+        <p:nvPr/>
+      </p:nvGrpSpPr>
+      <p:grpSpPr>
+        <a:xfrm>
+          <a:off x="0" y="0"/>
+          <a:ext cx="0" cy="0"/>
+          <a:chOff x="0" y="0"/>
+          <a:chExt cx="0" cy="0"/>
+        </a:xfrm>
+      </p:grpSpPr>
+      <p:sp>
+        <p:nvSpPr>
+          <p:cNvPr id="2" name="Titre 1">
+            <a:extLst>
+              <a:ext uri="{FF2B5EF4-FFF2-40B4-BE49-F238E27FC236}">
+                <a16:creationId xmlns:a16="http://schemas.microsoft.com/office/drawing/2014/main" id="{255D5784-92ED-A3E1-425A-F3BD8CA6697E}"/>
+              </a:ext>
+            </a:extLst>
+          </p:cNvPr>
+          <p:cNvSpPr>
+            <a:spLocks noGrp="1"/>
+          </p:cNvSpPr>
+          <p:nvPr>
+            <p:ph type="title"/>
+          </p:nvPr>
+        </p:nvSpPr>
+        <p:spPr/>
+        <p:txBody>
+          <a:bodyPr/>
+          <a:lstStyle/>
+          <a:p>
+            <a:r>
+              <a:rPr lang="fr-FR" dirty="0"/>
+              <a:t>3. Objets</a:t>
+            </a:r>
+            <a:br>
+              <a:rPr lang="fr-FR" dirty="0"/>
+            </a:br>
+            <a:endParaRPr lang="fr-BE" dirty="0"/>
+          </a:p>
+        </p:txBody>
+      </p:sp>
+      <p:sp>
+        <p:nvSpPr>
+          <p:cNvPr id="3" name="Espace réservé du contenu 2">
+            <a:extLst>
+              <a:ext uri="{FF2B5EF4-FFF2-40B4-BE49-F238E27FC236}">
+                <a16:creationId xmlns:a16="http://schemas.microsoft.com/office/drawing/2014/main" id="{CFB83CA1-6A86-9427-A13C-BF9EB251CCF9}"/>
+              </a:ext>
+            </a:extLst>
+          </p:cNvPr>
+          <p:cNvSpPr>
+            <a:spLocks noGrp="1"/>
+          </p:cNvSpPr>
+          <p:nvPr>
+            <p:ph idx="1"/>
+          </p:nvPr>
+        </p:nvSpPr>
+        <p:spPr/>
+        <p:txBody>
+          <a:bodyPr/>
+          <a:lstStyle/>
+          <a:p>
+            <a:pPr lvl="1"/>
+            <a:r>
+              <a:rPr lang="fr-FR" dirty="0"/>
+              <a:t>Valeurs primitives</a:t>
+            </a:r>
+          </a:p>
+          <a:p>
+            <a:pPr lvl="2"/>
+            <a:r>
+              <a:rPr lang="fr-BE" dirty="0"/>
+              <a:t>Comparaison entre les valeurs primitives et les objets</a:t>
+            </a:r>
+            <a:endParaRPr lang="fr-FR" dirty="0"/>
+          </a:p>
+        </p:txBody>
+      </p:sp>
+      <p:pic>
+        <p:nvPicPr>
+          <p:cNvPr id="5" name="Image 4" descr="Une image contenant texte, capture d’écran, Police, nombre&#10;&#10;Le contenu généré par l’IA peut être incorrect.">
+            <a:extLst>
+              <a:ext uri="{FF2B5EF4-FFF2-40B4-BE49-F238E27FC236}">
+                <a16:creationId xmlns:a16="http://schemas.microsoft.com/office/drawing/2014/main" id="{E83EDBB0-AA55-117C-8D46-4EC18AD57B18}"/>
+              </a:ext>
+            </a:extLst>
+          </p:cNvPr>
+          <p:cNvPicPr>
+            <a:picLocks noChangeAspect="1"/>
+          </p:cNvPicPr>
+          <p:nvPr/>
+        </p:nvPicPr>
+        <p:blipFill>
+          <a:blip r:embed="rId2">
+            <a:extLst>
+              <a:ext uri="{28A0092B-C50C-407E-A947-70E740481C1C}">
+                <a14:useLocalDpi xmlns:a14="http://schemas.microsoft.com/office/drawing/2010/main" val="0"/>
+              </a:ext>
+            </a:extLst>
+          </a:blip>
+          <a:stretch>
+            <a:fillRect/>
+          </a:stretch>
+        </p:blipFill>
+        <p:spPr>
+          <a:xfrm>
+            <a:off x="2614126" y="2667289"/>
+            <a:ext cx="6963747" cy="2467319"/>
+          </a:xfrm>
+          <a:prstGeom prst="rect">
+            <a:avLst/>
+          </a:prstGeom>
+          <a:ln>
+            <a:noFill/>
+          </a:ln>
+          <a:effectLst>
+            <a:outerShdw blurRad="292100" dist="139700" dir="2700000" algn="tl" rotWithShape="0">
+              <a:srgbClr val="333333">
+                <a:alpha val="65000"/>
+              </a:srgbClr>
+            </a:outerShdw>
+          </a:effectLst>
+        </p:spPr>
+      </p:pic>
+    </p:spTree>
+    <p:extLst>
+      <p:ext uri="{BB962C8B-B14F-4D97-AF65-F5344CB8AC3E}">
+        <p14:creationId xmlns:p14="http://schemas.microsoft.com/office/powerpoint/2010/main" val="2157587868"/>
+      </p:ext>
+    </p:extLst>
+  </p:cSld>
+  <p:clrMapOvr>
+    <a:masterClrMapping/>
+  </p:clrMapOvr>
+</p:sld>
+</file>
+
+<file path=ppt/slides/slide28.xml><?xml version="1.0" encoding="utf-8"?>
 <p:sld xmlns:a="http://schemas.openxmlformats.org/drawingml/2006/main" xmlns:r="http://schemas.openxmlformats.org/officeDocument/2006/relationships" xmlns:p="http://schemas.openxmlformats.org/presentationml/2006/main">
   <p:cSld>
     <p:spTree>
@@ -5699,9 +9747,67 @@
             <a:pPr lvl="1"/>
             <a:r>
               <a:rPr lang="fr-FR" dirty="0"/>
-              <a:t>Orienté objet</a:t>
-            </a:r>
-            <a:endParaRPr lang="fr-BE" dirty="0"/>
+              <a:t>Orienté objet : le point</a:t>
+            </a:r>
+          </a:p>
+          <a:p>
+            <a:pPr lvl="2"/>
+            <a:r>
+              <a:rPr lang="fr-BE" dirty="0"/>
+              <a:t>Objets = tableaux associatifs</a:t>
+            </a:r>
+          </a:p>
+          <a:p>
+            <a:pPr lvl="2"/>
+            <a:r>
+              <a:rPr lang="fr-BE" dirty="0"/>
+              <a:t>Méthodes = propriétés dont la valeur est une fonction (</a:t>
+            </a:r>
+            <a:r>
+              <a:rPr lang="fr-BE" dirty="0" err="1"/>
+              <a:t>this</a:t>
+            </a:r>
+            <a:r>
+              <a:rPr lang="fr-BE" dirty="0"/>
+              <a:t> pour faire référence à l'objet)</a:t>
+            </a:r>
+          </a:p>
+          <a:p>
+            <a:pPr lvl="2"/>
+            <a:r>
+              <a:rPr lang="fr-BE" dirty="0"/>
+              <a:t>3 syntaxes disponibles : OO (</a:t>
+            </a:r>
+            <a:r>
+              <a:rPr lang="fr-BE" dirty="0" err="1"/>
+              <a:t>o.prop</a:t>
+            </a:r>
+            <a:r>
+              <a:rPr lang="fr-BE" dirty="0"/>
+              <a:t>), tableau (o["</a:t>
+            </a:r>
+            <a:r>
+              <a:rPr lang="fr-BE" dirty="0" err="1"/>
+              <a:t>prop</a:t>
+            </a:r>
+            <a:r>
+              <a:rPr lang="fr-BE" dirty="0"/>
+              <a:t>"]), littéral</a:t>
+            </a:r>
+          </a:p>
+          <a:p>
+            <a:pPr lvl="2"/>
+            <a:r>
+              <a:rPr lang="fr-BE" dirty="0"/>
+              <a:t>Structure dynamique : on peut ajouter, modifier ou supprimer des propriétés !</a:t>
+            </a:r>
+          </a:p>
+          <a:p>
+            <a:pPr lvl="2"/>
+            <a:r>
+              <a:rPr lang="fr-BE" dirty="0"/>
+              <a:t>Pour les objets : in, for in</a:t>
+            </a:r>
           </a:p>
           <a:p>
             <a:endParaRPr lang="fr-BE" dirty="0"/>
@@ -5721,7 +9827,7 @@
 </p:sld>
 </file>
 
-<file path=ppt/slides/slide24.xml><?xml version="1.0" encoding="utf-8"?>
+<file path=ppt/slides/slide29.xml><?xml version="1.0" encoding="utf-8"?>
 <p:sld xmlns:a="http://schemas.openxmlformats.org/drawingml/2006/main" xmlns:r="http://schemas.openxmlformats.org/officeDocument/2006/relationships" xmlns:p="http://schemas.openxmlformats.org/presentationml/2006/main">
   <p:cSld>
     <p:spTree>
@@ -5792,503 +9898,6 @@
     <p:extLst>
       <p:ext uri="{BB962C8B-B14F-4D97-AF65-F5344CB8AC3E}">
         <p14:creationId xmlns:p14="http://schemas.microsoft.com/office/powerpoint/2010/main" val="1029280346"/>
-      </p:ext>
-    </p:extLst>
-  </p:cSld>
-  <p:clrMapOvr>
-    <a:masterClrMapping/>
-  </p:clrMapOvr>
-</p:sld>
-</file>
-
-<file path=ppt/slides/slide25.xml><?xml version="1.0" encoding="utf-8"?>
-<p:sld xmlns:a="http://schemas.openxmlformats.org/drawingml/2006/main" xmlns:r="http://schemas.openxmlformats.org/officeDocument/2006/relationships" xmlns:p="http://schemas.openxmlformats.org/presentationml/2006/main">
-  <p:cSld>
-    <p:spTree>
-      <p:nvGrpSpPr>
-        <p:cNvPr id="1" name=""/>
-        <p:cNvGrpSpPr/>
-        <p:nvPr/>
-      </p:nvGrpSpPr>
-      <p:grpSpPr>
-        <a:xfrm>
-          <a:off x="0" y="0"/>
-          <a:ext cx="0" cy="0"/>
-          <a:chOff x="0" y="0"/>
-          <a:chExt cx="0" cy="0"/>
-        </a:xfrm>
-      </p:grpSpPr>
-      <p:sp>
-        <p:nvSpPr>
-          <p:cNvPr id="2" name="Titre 1">
-            <a:extLst>
-              <a:ext uri="{FF2B5EF4-FFF2-40B4-BE49-F238E27FC236}">
-                <a16:creationId xmlns:a16="http://schemas.microsoft.com/office/drawing/2014/main" id="{58FE86A2-0F7A-E98D-9F3A-66CFAFB38BF3}"/>
-              </a:ext>
-            </a:extLst>
-          </p:cNvPr>
-          <p:cNvSpPr>
-            <a:spLocks noGrp="1"/>
-          </p:cNvSpPr>
-          <p:nvPr>
-            <p:ph type="title"/>
-          </p:nvPr>
-        </p:nvSpPr>
-        <p:spPr/>
-        <p:txBody>
-          <a:bodyPr/>
-          <a:lstStyle/>
-          <a:p>
-            <a:r>
-              <a:rPr lang="fr-FR" dirty="0"/>
-              <a:t>4. Prototypes</a:t>
-            </a:r>
-            <a:br>
-              <a:rPr lang="fr-FR" dirty="0"/>
-            </a:br>
-            <a:endParaRPr lang="fr-BE" dirty="0"/>
-          </a:p>
-        </p:txBody>
-      </p:sp>
-      <p:sp>
-        <p:nvSpPr>
-          <p:cNvPr id="3" name="Espace réservé du contenu 2">
-            <a:extLst>
-              <a:ext uri="{FF2B5EF4-FFF2-40B4-BE49-F238E27FC236}">
-                <a16:creationId xmlns:a16="http://schemas.microsoft.com/office/drawing/2014/main" id="{1579F74D-4889-F9C1-76A5-2825DFD6AD3F}"/>
-              </a:ext>
-            </a:extLst>
-          </p:cNvPr>
-          <p:cNvSpPr>
-            <a:spLocks noGrp="1"/>
-          </p:cNvSpPr>
-          <p:nvPr>
-            <p:ph idx="1"/>
-          </p:nvPr>
-        </p:nvSpPr>
-        <p:spPr/>
-        <p:txBody>
-          <a:bodyPr/>
-          <a:lstStyle/>
-          <a:p>
-            <a:pPr lvl="1"/>
-            <a:r>
-              <a:rPr lang="fr-FR" dirty="0"/>
-              <a:t>Pourquoi faire ?</a:t>
-            </a:r>
-          </a:p>
-          <a:p>
-            <a:pPr marL="0" indent="0">
-              <a:buNone/>
-            </a:pPr>
-            <a:endParaRPr lang="fr-BE" dirty="0"/>
-          </a:p>
-        </p:txBody>
-      </p:sp>
-    </p:spTree>
-    <p:extLst>
-      <p:ext uri="{BB962C8B-B14F-4D97-AF65-F5344CB8AC3E}">
-        <p14:creationId xmlns:p14="http://schemas.microsoft.com/office/powerpoint/2010/main" val="4052516302"/>
-      </p:ext>
-    </p:extLst>
-  </p:cSld>
-  <p:clrMapOvr>
-    <a:masterClrMapping/>
-  </p:clrMapOvr>
-</p:sld>
-</file>
-
-<file path=ppt/slides/slide26.xml><?xml version="1.0" encoding="utf-8"?>
-<p:sld xmlns:a="http://schemas.openxmlformats.org/drawingml/2006/main" xmlns:r="http://schemas.openxmlformats.org/officeDocument/2006/relationships" xmlns:p="http://schemas.openxmlformats.org/presentationml/2006/main">
-  <p:cSld>
-    <p:spTree>
-      <p:nvGrpSpPr>
-        <p:cNvPr id="1" name="">
-          <a:extLst>
-            <a:ext uri="{FF2B5EF4-FFF2-40B4-BE49-F238E27FC236}">
-              <a16:creationId xmlns:a16="http://schemas.microsoft.com/office/drawing/2014/main" id="{8DF74A36-EBFE-EF84-C4D4-4DE18E9383FB}"/>
-            </a:ext>
-          </a:extLst>
-        </p:cNvPr>
-        <p:cNvGrpSpPr/>
-        <p:nvPr/>
-      </p:nvGrpSpPr>
-      <p:grpSpPr>
-        <a:xfrm>
-          <a:off x="0" y="0"/>
-          <a:ext cx="0" cy="0"/>
-          <a:chOff x="0" y="0"/>
-          <a:chExt cx="0" cy="0"/>
-        </a:xfrm>
-      </p:grpSpPr>
-      <p:sp>
-        <p:nvSpPr>
-          <p:cNvPr id="2" name="Titre 1">
-            <a:extLst>
-              <a:ext uri="{FF2B5EF4-FFF2-40B4-BE49-F238E27FC236}">
-                <a16:creationId xmlns:a16="http://schemas.microsoft.com/office/drawing/2014/main" id="{EF956F7B-83EB-2276-407C-6E090ECFE2EA}"/>
-              </a:ext>
-            </a:extLst>
-          </p:cNvPr>
-          <p:cNvSpPr>
-            <a:spLocks noGrp="1"/>
-          </p:cNvSpPr>
-          <p:nvPr>
-            <p:ph type="title"/>
-          </p:nvPr>
-        </p:nvSpPr>
-        <p:spPr/>
-        <p:txBody>
-          <a:bodyPr/>
-          <a:lstStyle/>
-          <a:p>
-            <a:r>
-              <a:rPr lang="fr-FR" dirty="0"/>
-              <a:t>4. Prototypes</a:t>
-            </a:r>
-            <a:br>
-              <a:rPr lang="fr-FR" dirty="0"/>
-            </a:br>
-            <a:endParaRPr lang="fr-BE" dirty="0"/>
-          </a:p>
-        </p:txBody>
-      </p:sp>
-      <p:sp>
-        <p:nvSpPr>
-          <p:cNvPr id="3" name="Espace réservé du contenu 2">
-            <a:extLst>
-              <a:ext uri="{FF2B5EF4-FFF2-40B4-BE49-F238E27FC236}">
-                <a16:creationId xmlns:a16="http://schemas.microsoft.com/office/drawing/2014/main" id="{C6F5507F-FF2E-0BA7-B467-43D6D36649BB}"/>
-              </a:ext>
-            </a:extLst>
-          </p:cNvPr>
-          <p:cNvSpPr>
-            <a:spLocks noGrp="1"/>
-          </p:cNvSpPr>
-          <p:nvPr>
-            <p:ph idx="1"/>
-          </p:nvPr>
-        </p:nvSpPr>
-        <p:spPr/>
-        <p:txBody>
-          <a:bodyPr/>
-          <a:lstStyle/>
-          <a:p>
-            <a:pPr lvl="1"/>
-            <a:r>
-              <a:rPr lang="fr-FR" dirty="0"/>
-              <a:t>Création</a:t>
-            </a:r>
-          </a:p>
-          <a:p>
-            <a:endParaRPr lang="fr-BE" dirty="0"/>
-          </a:p>
-        </p:txBody>
-      </p:sp>
-    </p:spTree>
-    <p:extLst>
-      <p:ext uri="{BB962C8B-B14F-4D97-AF65-F5344CB8AC3E}">
-        <p14:creationId xmlns:p14="http://schemas.microsoft.com/office/powerpoint/2010/main" val="1879535053"/>
-      </p:ext>
-    </p:extLst>
-  </p:cSld>
-  <p:clrMapOvr>
-    <a:masterClrMapping/>
-  </p:clrMapOvr>
-</p:sld>
-</file>
-
-<file path=ppt/slides/slide27.xml><?xml version="1.0" encoding="utf-8"?>
-<p:sld xmlns:a="http://schemas.openxmlformats.org/drawingml/2006/main" xmlns:r="http://schemas.openxmlformats.org/officeDocument/2006/relationships" xmlns:p="http://schemas.openxmlformats.org/presentationml/2006/main">
-  <p:cSld>
-    <p:spTree>
-      <p:nvGrpSpPr>
-        <p:cNvPr id="1" name="">
-          <a:extLst>
-            <a:ext uri="{FF2B5EF4-FFF2-40B4-BE49-F238E27FC236}">
-              <a16:creationId xmlns:a16="http://schemas.microsoft.com/office/drawing/2014/main" id="{98F584EC-C215-5E88-2DA1-1C669A583E66}"/>
-            </a:ext>
-          </a:extLst>
-        </p:cNvPr>
-        <p:cNvGrpSpPr/>
-        <p:nvPr/>
-      </p:nvGrpSpPr>
-      <p:grpSpPr>
-        <a:xfrm>
-          <a:off x="0" y="0"/>
-          <a:ext cx="0" cy="0"/>
-          <a:chOff x="0" y="0"/>
-          <a:chExt cx="0" cy="0"/>
-        </a:xfrm>
-      </p:grpSpPr>
-      <p:sp>
-        <p:nvSpPr>
-          <p:cNvPr id="2" name="Titre 1">
-            <a:extLst>
-              <a:ext uri="{FF2B5EF4-FFF2-40B4-BE49-F238E27FC236}">
-                <a16:creationId xmlns:a16="http://schemas.microsoft.com/office/drawing/2014/main" id="{782263F6-48B3-880A-2890-11C791770A72}"/>
-              </a:ext>
-            </a:extLst>
-          </p:cNvPr>
-          <p:cNvSpPr>
-            <a:spLocks noGrp="1"/>
-          </p:cNvSpPr>
-          <p:nvPr>
-            <p:ph type="title"/>
-          </p:nvPr>
-        </p:nvSpPr>
-        <p:spPr/>
-        <p:txBody>
-          <a:bodyPr/>
-          <a:lstStyle/>
-          <a:p>
-            <a:r>
-              <a:rPr lang="fr-FR" dirty="0"/>
-              <a:t>4. Prototypes</a:t>
-            </a:r>
-            <a:br>
-              <a:rPr lang="fr-FR" dirty="0"/>
-            </a:br>
-            <a:endParaRPr lang="fr-BE" dirty="0"/>
-          </a:p>
-        </p:txBody>
-      </p:sp>
-      <p:sp>
-        <p:nvSpPr>
-          <p:cNvPr id="3" name="Espace réservé du contenu 2">
-            <a:extLst>
-              <a:ext uri="{FF2B5EF4-FFF2-40B4-BE49-F238E27FC236}">
-                <a16:creationId xmlns:a16="http://schemas.microsoft.com/office/drawing/2014/main" id="{8BD73B41-1C3D-1533-60CA-92F6556A135E}"/>
-              </a:ext>
-            </a:extLst>
-          </p:cNvPr>
-          <p:cNvSpPr>
-            <a:spLocks noGrp="1"/>
-          </p:cNvSpPr>
-          <p:nvPr>
-            <p:ph idx="1"/>
-          </p:nvPr>
-        </p:nvSpPr>
-        <p:spPr/>
-        <p:txBody>
-          <a:bodyPr/>
-          <a:lstStyle/>
-          <a:p>
-            <a:pPr lvl="1"/>
-            <a:r>
-              <a:rPr lang="fr-FR" dirty="0"/>
-              <a:t>Héritage</a:t>
-            </a:r>
-          </a:p>
-          <a:p>
-            <a:endParaRPr lang="fr-BE" dirty="0"/>
-          </a:p>
-        </p:txBody>
-      </p:sp>
-    </p:spTree>
-    <p:extLst>
-      <p:ext uri="{BB962C8B-B14F-4D97-AF65-F5344CB8AC3E}">
-        <p14:creationId xmlns:p14="http://schemas.microsoft.com/office/powerpoint/2010/main" val="2105359347"/>
-      </p:ext>
-    </p:extLst>
-  </p:cSld>
-  <p:clrMapOvr>
-    <a:masterClrMapping/>
-  </p:clrMapOvr>
-</p:sld>
-</file>
-
-<file path=ppt/slides/slide28.xml><?xml version="1.0" encoding="utf-8"?>
-<p:sld xmlns:a="http://schemas.openxmlformats.org/drawingml/2006/main" xmlns:r="http://schemas.openxmlformats.org/officeDocument/2006/relationships" xmlns:p="http://schemas.openxmlformats.org/presentationml/2006/main">
-  <p:cSld>
-    <p:spTree>
-      <p:nvGrpSpPr>
-        <p:cNvPr id="1" name="">
-          <a:extLst>
-            <a:ext uri="{FF2B5EF4-FFF2-40B4-BE49-F238E27FC236}">
-              <a16:creationId xmlns:a16="http://schemas.microsoft.com/office/drawing/2014/main" id="{1F4FC102-0A6F-F1BD-6460-91EF1E5EB57A}"/>
-            </a:ext>
-          </a:extLst>
-        </p:cNvPr>
-        <p:cNvGrpSpPr/>
-        <p:nvPr/>
-      </p:nvGrpSpPr>
-      <p:grpSpPr>
-        <a:xfrm>
-          <a:off x="0" y="0"/>
-          <a:ext cx="0" cy="0"/>
-          <a:chOff x="0" y="0"/>
-          <a:chExt cx="0" cy="0"/>
-        </a:xfrm>
-      </p:grpSpPr>
-      <p:sp>
-        <p:nvSpPr>
-          <p:cNvPr id="2" name="Titre 1">
-            <a:extLst>
-              <a:ext uri="{FF2B5EF4-FFF2-40B4-BE49-F238E27FC236}">
-                <a16:creationId xmlns:a16="http://schemas.microsoft.com/office/drawing/2014/main" id="{905BBCA1-D782-1523-A7AE-BB695B952269}"/>
-              </a:ext>
-            </a:extLst>
-          </p:cNvPr>
-          <p:cNvSpPr>
-            <a:spLocks noGrp="1"/>
-          </p:cNvSpPr>
-          <p:nvPr>
-            <p:ph type="title"/>
-          </p:nvPr>
-        </p:nvSpPr>
-        <p:spPr/>
-        <p:txBody>
-          <a:bodyPr/>
-          <a:lstStyle/>
-          <a:p>
-            <a:r>
-              <a:rPr lang="fr-FR" dirty="0"/>
-              <a:t>4. Prototypes</a:t>
-            </a:r>
-            <a:br>
-              <a:rPr lang="fr-FR" dirty="0"/>
-            </a:br>
-            <a:endParaRPr lang="fr-BE" dirty="0"/>
-          </a:p>
-        </p:txBody>
-      </p:sp>
-      <p:sp>
-        <p:nvSpPr>
-          <p:cNvPr id="3" name="Espace réservé du contenu 2">
-            <a:extLst>
-              <a:ext uri="{FF2B5EF4-FFF2-40B4-BE49-F238E27FC236}">
-                <a16:creationId xmlns:a16="http://schemas.microsoft.com/office/drawing/2014/main" id="{DA6CDF5B-31E8-8429-B6A3-258B92001626}"/>
-              </a:ext>
-            </a:extLst>
-          </p:cNvPr>
-          <p:cNvSpPr>
-            <a:spLocks noGrp="1"/>
-          </p:cNvSpPr>
-          <p:nvPr>
-            <p:ph idx="1"/>
-          </p:nvPr>
-        </p:nvSpPr>
-        <p:spPr/>
-        <p:txBody>
-          <a:bodyPr/>
-          <a:lstStyle/>
-          <a:p>
-            <a:pPr lvl="1"/>
-            <a:r>
-              <a:rPr lang="fr-FR" dirty="0"/>
-              <a:t>__proto__</a:t>
-            </a:r>
-          </a:p>
-          <a:p>
-            <a:endParaRPr lang="fr-BE" dirty="0"/>
-          </a:p>
-        </p:txBody>
-      </p:sp>
-    </p:spTree>
-    <p:extLst>
-      <p:ext uri="{BB962C8B-B14F-4D97-AF65-F5344CB8AC3E}">
-        <p14:creationId xmlns:p14="http://schemas.microsoft.com/office/powerpoint/2010/main" val="2570190354"/>
-      </p:ext>
-    </p:extLst>
-  </p:cSld>
-  <p:clrMapOvr>
-    <a:masterClrMapping/>
-  </p:clrMapOvr>
-</p:sld>
-</file>
-
-<file path=ppt/slides/slide29.xml><?xml version="1.0" encoding="utf-8"?>
-<p:sld xmlns:a="http://schemas.openxmlformats.org/drawingml/2006/main" xmlns:r="http://schemas.openxmlformats.org/officeDocument/2006/relationships" xmlns:p="http://schemas.openxmlformats.org/presentationml/2006/main">
-  <p:cSld>
-    <p:spTree>
-      <p:nvGrpSpPr>
-        <p:cNvPr id="1" name="">
-          <a:extLst>
-            <a:ext uri="{FF2B5EF4-FFF2-40B4-BE49-F238E27FC236}">
-              <a16:creationId xmlns:a16="http://schemas.microsoft.com/office/drawing/2014/main" id="{A97E7EDC-FD7B-30FA-4527-F6F46FFD8FC0}"/>
-            </a:ext>
-          </a:extLst>
-        </p:cNvPr>
-        <p:cNvGrpSpPr/>
-        <p:nvPr/>
-      </p:nvGrpSpPr>
-      <p:grpSpPr>
-        <a:xfrm>
-          <a:off x="0" y="0"/>
-          <a:ext cx="0" cy="0"/>
-          <a:chOff x="0" y="0"/>
-          <a:chExt cx="0" cy="0"/>
-        </a:xfrm>
-      </p:grpSpPr>
-      <p:sp>
-        <p:nvSpPr>
-          <p:cNvPr id="2" name="Titre 1">
-            <a:extLst>
-              <a:ext uri="{FF2B5EF4-FFF2-40B4-BE49-F238E27FC236}">
-                <a16:creationId xmlns:a16="http://schemas.microsoft.com/office/drawing/2014/main" id="{F1D8FF4D-F7B3-3533-82C6-B7404EA97E51}"/>
-              </a:ext>
-            </a:extLst>
-          </p:cNvPr>
-          <p:cNvSpPr>
-            <a:spLocks noGrp="1"/>
-          </p:cNvSpPr>
-          <p:nvPr>
-            <p:ph type="title"/>
-          </p:nvPr>
-        </p:nvSpPr>
-        <p:spPr/>
-        <p:txBody>
-          <a:bodyPr/>
-          <a:lstStyle/>
-          <a:p>
-            <a:r>
-              <a:rPr lang="fr-FR" dirty="0"/>
-              <a:t>4. Prototypes</a:t>
-            </a:r>
-            <a:br>
-              <a:rPr lang="fr-FR" dirty="0"/>
-            </a:br>
-            <a:endParaRPr lang="fr-BE" dirty="0"/>
-          </a:p>
-        </p:txBody>
-      </p:sp>
-      <p:sp>
-        <p:nvSpPr>
-          <p:cNvPr id="3" name="Espace réservé du contenu 2">
-            <a:extLst>
-              <a:ext uri="{FF2B5EF4-FFF2-40B4-BE49-F238E27FC236}">
-                <a16:creationId xmlns:a16="http://schemas.microsoft.com/office/drawing/2014/main" id="{E37C15DC-F8DF-8816-2A06-63EE74B22FFC}"/>
-              </a:ext>
-            </a:extLst>
-          </p:cNvPr>
-          <p:cNvSpPr>
-            <a:spLocks noGrp="1"/>
-          </p:cNvSpPr>
-          <p:nvPr>
-            <p:ph idx="1"/>
-          </p:nvPr>
-        </p:nvSpPr>
-        <p:spPr/>
-        <p:txBody>
-          <a:bodyPr/>
-          <a:lstStyle/>
-          <a:p>
-            <a:pPr lvl="1"/>
-            <a:r>
-              <a:rPr lang="fr-FR" dirty="0"/>
-              <a:t>La chaine des prototypes</a:t>
-            </a:r>
-          </a:p>
-          <a:p>
-            <a:endParaRPr lang="fr-BE" dirty="0"/>
-          </a:p>
-        </p:txBody>
-      </p:sp>
-    </p:spTree>
-    <p:extLst>
-      <p:ext uri="{BB962C8B-B14F-4D97-AF65-F5344CB8AC3E}">
-        <p14:creationId xmlns:p14="http://schemas.microsoft.com/office/powerpoint/2010/main" val="1205027869"/>
       </p:ext>
     </p:extLst>
   </p:cSld>
@@ -6465,6 +10074,1315 @@
   <p:cSld>
     <p:spTree>
       <p:nvGrpSpPr>
+        <p:cNvPr id="1" name=""/>
+        <p:cNvGrpSpPr/>
+        <p:nvPr/>
+      </p:nvGrpSpPr>
+      <p:grpSpPr>
+        <a:xfrm>
+          <a:off x="0" y="0"/>
+          <a:ext cx="0" cy="0"/>
+          <a:chOff x="0" y="0"/>
+          <a:chExt cx="0" cy="0"/>
+        </a:xfrm>
+      </p:grpSpPr>
+      <p:sp>
+        <p:nvSpPr>
+          <p:cNvPr id="2" name="Titre 1">
+            <a:extLst>
+              <a:ext uri="{FF2B5EF4-FFF2-40B4-BE49-F238E27FC236}">
+                <a16:creationId xmlns:a16="http://schemas.microsoft.com/office/drawing/2014/main" id="{58FE86A2-0F7A-E98D-9F3A-66CFAFB38BF3}"/>
+              </a:ext>
+            </a:extLst>
+          </p:cNvPr>
+          <p:cNvSpPr>
+            <a:spLocks noGrp="1"/>
+          </p:cNvSpPr>
+          <p:nvPr>
+            <p:ph type="title"/>
+          </p:nvPr>
+        </p:nvSpPr>
+        <p:spPr/>
+        <p:txBody>
+          <a:bodyPr/>
+          <a:lstStyle/>
+          <a:p>
+            <a:r>
+              <a:rPr lang="fr-FR" dirty="0"/>
+              <a:t>4. Prototypes</a:t>
+            </a:r>
+            <a:br>
+              <a:rPr lang="fr-FR" dirty="0"/>
+            </a:br>
+            <a:endParaRPr lang="fr-BE" dirty="0"/>
+          </a:p>
+        </p:txBody>
+      </p:sp>
+      <p:sp>
+        <p:nvSpPr>
+          <p:cNvPr id="3" name="Espace réservé du contenu 2">
+            <a:extLst>
+              <a:ext uri="{FF2B5EF4-FFF2-40B4-BE49-F238E27FC236}">
+                <a16:creationId xmlns:a16="http://schemas.microsoft.com/office/drawing/2014/main" id="{1579F74D-4889-F9C1-76A5-2825DFD6AD3F}"/>
+              </a:ext>
+            </a:extLst>
+          </p:cNvPr>
+          <p:cNvSpPr>
+            <a:spLocks noGrp="1"/>
+          </p:cNvSpPr>
+          <p:nvPr>
+            <p:ph idx="1"/>
+          </p:nvPr>
+        </p:nvSpPr>
+        <p:spPr/>
+        <p:txBody>
+          <a:bodyPr/>
+          <a:lstStyle/>
+          <a:p>
+            <a:pPr lvl="1"/>
+            <a:r>
+              <a:rPr lang="fr-FR" dirty="0"/>
+              <a:t>Pour faciliter l’approche des objets en JS, on peut découper les concepts en plusieurs niveaux</a:t>
+            </a:r>
+          </a:p>
+          <a:p>
+            <a:pPr marL="0" indent="0">
+              <a:buNone/>
+            </a:pPr>
+            <a:endParaRPr lang="fr-BE" dirty="0"/>
+          </a:p>
+        </p:txBody>
+      </p:sp>
+      <p:pic>
+        <p:nvPicPr>
+          <p:cNvPr id="7" name="Image 6" descr="Une image contenant texte, Police, blanc, typographie&#10;&#10;Le contenu généré par l’IA peut être incorrect.">
+            <a:extLst>
+              <a:ext uri="{FF2B5EF4-FFF2-40B4-BE49-F238E27FC236}">
+                <a16:creationId xmlns:a16="http://schemas.microsoft.com/office/drawing/2014/main" id="{317C1968-4518-78AD-1A3E-4B5A2924D712}"/>
+              </a:ext>
+            </a:extLst>
+          </p:cNvPr>
+          <p:cNvPicPr>
+            <a:picLocks noChangeAspect="1"/>
+          </p:cNvPicPr>
+          <p:nvPr/>
+        </p:nvPicPr>
+        <p:blipFill>
+          <a:blip r:embed="rId2">
+            <a:extLst>
+              <a:ext uri="{28A0092B-C50C-407E-A947-70E740481C1C}">
+                <a14:useLocalDpi xmlns:a14="http://schemas.microsoft.com/office/drawing/2010/main" val="0"/>
+              </a:ext>
+            </a:extLst>
+          </a:blip>
+          <a:stretch>
+            <a:fillRect/>
+          </a:stretch>
+        </p:blipFill>
+        <p:spPr>
+          <a:xfrm>
+            <a:off x="2599263" y="2609340"/>
+            <a:ext cx="4201111" cy="695422"/>
+          </a:xfrm>
+          <a:prstGeom prst="rect">
+            <a:avLst/>
+          </a:prstGeom>
+          <a:ln>
+            <a:noFill/>
+          </a:ln>
+          <a:effectLst>
+            <a:outerShdw blurRad="292100" dist="139700" dir="2700000" algn="tl" rotWithShape="0">
+              <a:srgbClr val="333333">
+                <a:alpha val="65000"/>
+              </a:srgbClr>
+            </a:outerShdw>
+          </a:effectLst>
+        </p:spPr>
+      </p:pic>
+      <p:pic>
+        <p:nvPicPr>
+          <p:cNvPr id="9" name="Image 8" descr="Une image contenant texte, capture d’écran, Police&#10;&#10;Le contenu généré par l’IA peut être incorrect.">
+            <a:extLst>
+              <a:ext uri="{FF2B5EF4-FFF2-40B4-BE49-F238E27FC236}">
+                <a16:creationId xmlns:a16="http://schemas.microsoft.com/office/drawing/2014/main" id="{12EE5208-56F7-6D27-35E9-FE8868B7F44A}"/>
+              </a:ext>
+            </a:extLst>
+          </p:cNvPr>
+          <p:cNvPicPr>
+            <a:picLocks noChangeAspect="1"/>
+          </p:cNvPicPr>
+          <p:nvPr/>
+        </p:nvPicPr>
+        <p:blipFill>
+          <a:blip r:embed="rId3">
+            <a:extLst>
+              <a:ext uri="{28A0092B-C50C-407E-A947-70E740481C1C}">
+                <a14:useLocalDpi xmlns:a14="http://schemas.microsoft.com/office/drawing/2010/main" val="0"/>
+              </a:ext>
+            </a:extLst>
+          </a:blip>
+          <a:stretch>
+            <a:fillRect/>
+          </a:stretch>
+        </p:blipFill>
+        <p:spPr>
+          <a:xfrm>
+            <a:off x="2599263" y="3439699"/>
+            <a:ext cx="6849431" cy="1676634"/>
+          </a:xfrm>
+          <a:prstGeom prst="rect">
+            <a:avLst/>
+          </a:prstGeom>
+          <a:ln>
+            <a:noFill/>
+          </a:ln>
+          <a:effectLst>
+            <a:outerShdw blurRad="292100" dist="139700" dir="2700000" algn="tl" rotWithShape="0">
+              <a:srgbClr val="333333">
+                <a:alpha val="65000"/>
+              </a:srgbClr>
+            </a:outerShdw>
+          </a:effectLst>
+        </p:spPr>
+      </p:pic>
+      <p:pic>
+        <p:nvPicPr>
+          <p:cNvPr id="11" name="Image 10" descr="Une image contenant texte, Police, capture d’écran&#10;&#10;Le contenu généré par l’IA peut être incorrect.">
+            <a:extLst>
+              <a:ext uri="{FF2B5EF4-FFF2-40B4-BE49-F238E27FC236}">
+                <a16:creationId xmlns:a16="http://schemas.microsoft.com/office/drawing/2014/main" id="{CEC44C29-4064-6855-E8A7-85D63E56844C}"/>
+              </a:ext>
+            </a:extLst>
+          </p:cNvPr>
+          <p:cNvPicPr>
+            <a:picLocks noChangeAspect="1"/>
+          </p:cNvPicPr>
+          <p:nvPr/>
+        </p:nvPicPr>
+        <p:blipFill>
+          <a:blip r:embed="rId4">
+            <a:extLst>
+              <a:ext uri="{28A0092B-C50C-407E-A947-70E740481C1C}">
+                <a14:useLocalDpi xmlns:a14="http://schemas.microsoft.com/office/drawing/2010/main" val="0"/>
+              </a:ext>
+            </a:extLst>
+          </a:blip>
+          <a:stretch>
+            <a:fillRect/>
+          </a:stretch>
+        </p:blipFill>
+        <p:spPr>
+          <a:xfrm>
+            <a:off x="2599263" y="5251270"/>
+            <a:ext cx="7030431" cy="1400370"/>
+          </a:xfrm>
+          <a:prstGeom prst="rect">
+            <a:avLst/>
+          </a:prstGeom>
+          <a:ln>
+            <a:noFill/>
+          </a:ln>
+          <a:effectLst>
+            <a:outerShdw blurRad="292100" dist="139700" dir="2700000" algn="tl" rotWithShape="0">
+              <a:srgbClr val="333333">
+                <a:alpha val="65000"/>
+              </a:srgbClr>
+            </a:outerShdw>
+          </a:effectLst>
+        </p:spPr>
+      </p:pic>
+    </p:spTree>
+    <p:extLst>
+      <p:ext uri="{BB962C8B-B14F-4D97-AF65-F5344CB8AC3E}">
+        <p14:creationId xmlns:p14="http://schemas.microsoft.com/office/powerpoint/2010/main" val="4052516302"/>
+      </p:ext>
+    </p:extLst>
+  </p:cSld>
+  <p:clrMapOvr>
+    <a:masterClrMapping/>
+  </p:clrMapOvr>
+</p:sld>
+</file>
+
+<file path=ppt/slides/slide31.xml><?xml version="1.0" encoding="utf-8"?>
+<p:sld xmlns:a="http://schemas.openxmlformats.org/drawingml/2006/main" xmlns:r="http://schemas.openxmlformats.org/officeDocument/2006/relationships" xmlns:p="http://schemas.openxmlformats.org/presentationml/2006/main">
+  <p:cSld>
+    <p:spTree>
+      <p:nvGrpSpPr>
+        <p:cNvPr id="1" name="">
+          <a:extLst>
+            <a:ext uri="{FF2B5EF4-FFF2-40B4-BE49-F238E27FC236}">
+              <a16:creationId xmlns:a16="http://schemas.microsoft.com/office/drawing/2014/main" id="{404DB299-2F04-255E-7E08-96CFA04B81A3}"/>
+            </a:ext>
+          </a:extLst>
+        </p:cNvPr>
+        <p:cNvGrpSpPr/>
+        <p:nvPr/>
+      </p:nvGrpSpPr>
+      <p:grpSpPr>
+        <a:xfrm>
+          <a:off x="0" y="0"/>
+          <a:ext cx="0" cy="0"/>
+          <a:chOff x="0" y="0"/>
+          <a:chExt cx="0" cy="0"/>
+        </a:xfrm>
+      </p:grpSpPr>
+      <p:sp>
+        <p:nvSpPr>
+          <p:cNvPr id="2" name="Titre 1">
+            <a:extLst>
+              <a:ext uri="{FF2B5EF4-FFF2-40B4-BE49-F238E27FC236}">
+                <a16:creationId xmlns:a16="http://schemas.microsoft.com/office/drawing/2014/main" id="{E69E1B30-D8DD-AF27-4C27-944750B8A49C}"/>
+              </a:ext>
+            </a:extLst>
+          </p:cNvPr>
+          <p:cNvSpPr>
+            <a:spLocks noGrp="1"/>
+          </p:cNvSpPr>
+          <p:nvPr>
+            <p:ph type="title"/>
+          </p:nvPr>
+        </p:nvSpPr>
+        <p:spPr/>
+        <p:txBody>
+          <a:bodyPr/>
+          <a:lstStyle/>
+          <a:p>
+            <a:r>
+              <a:rPr lang="fr-FR" dirty="0"/>
+              <a:t>4. Prototypes</a:t>
+            </a:r>
+            <a:br>
+              <a:rPr lang="fr-FR" dirty="0"/>
+            </a:br>
+            <a:endParaRPr lang="fr-BE" dirty="0"/>
+          </a:p>
+        </p:txBody>
+      </p:sp>
+      <p:sp>
+        <p:nvSpPr>
+          <p:cNvPr id="3" name="Espace réservé du contenu 2">
+            <a:extLst>
+              <a:ext uri="{FF2B5EF4-FFF2-40B4-BE49-F238E27FC236}">
+                <a16:creationId xmlns:a16="http://schemas.microsoft.com/office/drawing/2014/main" id="{F0BAB235-56D0-6B12-12EE-A3BE18E08CC8}"/>
+              </a:ext>
+            </a:extLst>
+          </p:cNvPr>
+          <p:cNvSpPr>
+            <a:spLocks noGrp="1"/>
+          </p:cNvSpPr>
+          <p:nvPr>
+            <p:ph idx="1"/>
+          </p:nvPr>
+        </p:nvSpPr>
+        <p:spPr/>
+        <p:txBody>
+          <a:bodyPr/>
+          <a:lstStyle/>
+          <a:p>
+            <a:pPr lvl="1"/>
+            <a:r>
+              <a:rPr lang="fr-FR" dirty="0"/>
+              <a:t>Pourquoi faire ?</a:t>
+            </a:r>
+          </a:p>
+          <a:p>
+            <a:pPr lvl="2"/>
+            <a:r>
+              <a:rPr lang="fr-FR" dirty="0"/>
+              <a:t>Des objets pour des personnages</a:t>
+            </a:r>
+          </a:p>
+          <a:p>
+            <a:pPr lvl="3"/>
+            <a:r>
+              <a:rPr lang="fr-FR" dirty="0"/>
+              <a:t>let perso1 = { nom: "Hercule", classe: "guerrier", </a:t>
+            </a:r>
+            <a:r>
+              <a:rPr lang="fr-FR" dirty="0" err="1"/>
+              <a:t>pv</a:t>
+            </a:r>
+            <a:r>
+              <a:rPr lang="fr-FR" dirty="0"/>
+              <a:t>: 21 };</a:t>
+            </a:r>
+          </a:p>
+          <a:p>
+            <a:pPr lvl="3"/>
+            <a:r>
+              <a:rPr lang="fr-FR" dirty="0"/>
+              <a:t>let perso2 = { nom: "Robin", classe: "archer", </a:t>
+            </a:r>
+            <a:r>
+              <a:rPr lang="fr-FR" dirty="0" err="1"/>
+              <a:t>pv</a:t>
+            </a:r>
+            <a:r>
+              <a:rPr lang="fr-FR" dirty="0"/>
+              <a:t>: 16 };</a:t>
+            </a:r>
+          </a:p>
+          <a:p>
+            <a:pPr lvl="3"/>
+            <a:r>
+              <a:rPr lang="fr-FR" dirty="0"/>
+              <a:t>let perso3 = { nom: "</a:t>
+            </a:r>
+            <a:r>
+              <a:rPr lang="fr-FR" dirty="0" err="1"/>
+              <a:t>Gandalf</a:t>
+            </a:r>
+            <a:r>
+              <a:rPr lang="fr-FR" dirty="0"/>
+              <a:t>", classe: "magicien", </a:t>
+            </a:r>
+            <a:r>
+              <a:rPr lang="fr-FR" dirty="0" err="1"/>
+              <a:t>pv</a:t>
+            </a:r>
+            <a:r>
+              <a:rPr lang="fr-FR" dirty="0"/>
+              <a:t>: 12 };</a:t>
+            </a:r>
+          </a:p>
+          <a:p>
+            <a:pPr lvl="3"/>
+            <a:endParaRPr lang="fr-FR" dirty="0"/>
+          </a:p>
+          <a:p>
+            <a:pPr lvl="3"/>
+            <a:endParaRPr lang="fr-FR" dirty="0"/>
+          </a:p>
+          <a:p>
+            <a:pPr lvl="3"/>
+            <a:endParaRPr lang="fr-FR" dirty="0"/>
+          </a:p>
+          <a:p>
+            <a:pPr lvl="3"/>
+            <a:endParaRPr lang="fr-FR" dirty="0"/>
+          </a:p>
+          <a:p>
+            <a:pPr lvl="3"/>
+            <a:endParaRPr lang="fr-FR" dirty="0"/>
+          </a:p>
+          <a:p>
+            <a:pPr lvl="3"/>
+            <a:r>
+              <a:rPr lang="fr-FR" dirty="0"/>
+              <a:t>On veut une méthode qui présente le personnage. Comment faire ?</a:t>
+            </a:r>
+          </a:p>
+          <a:p>
+            <a:pPr marL="0" indent="0">
+              <a:buNone/>
+            </a:pPr>
+            <a:endParaRPr lang="fr-BE" dirty="0"/>
+          </a:p>
+        </p:txBody>
+      </p:sp>
+      <p:pic>
+        <p:nvPicPr>
+          <p:cNvPr id="5" name="Image 4" descr="Une image contenant texte, Police, capture d’écran, ligne&#10;&#10;Le contenu généré par l’IA peut être incorrect.">
+            <a:extLst>
+              <a:ext uri="{FF2B5EF4-FFF2-40B4-BE49-F238E27FC236}">
+                <a16:creationId xmlns:a16="http://schemas.microsoft.com/office/drawing/2014/main" id="{31D30BAD-C6F4-610E-01AD-CBED62FD1F73}"/>
+              </a:ext>
+            </a:extLst>
+          </p:cNvPr>
+          <p:cNvPicPr>
+            <a:picLocks noChangeAspect="1"/>
+          </p:cNvPicPr>
+          <p:nvPr/>
+        </p:nvPicPr>
+        <p:blipFill>
+          <a:blip r:embed="rId3">
+            <a:extLst>
+              <a:ext uri="{28A0092B-C50C-407E-A947-70E740481C1C}">
+                <a14:useLocalDpi xmlns:a14="http://schemas.microsoft.com/office/drawing/2010/main" val="0"/>
+              </a:ext>
+            </a:extLst>
+          </a:blip>
+          <a:stretch>
+            <a:fillRect/>
+          </a:stretch>
+        </p:blipFill>
+        <p:spPr>
+          <a:xfrm>
+            <a:off x="2552205" y="3683941"/>
+            <a:ext cx="7087589" cy="1181265"/>
+          </a:xfrm>
+          <a:prstGeom prst="rect">
+            <a:avLst/>
+          </a:prstGeom>
+          <a:ln>
+            <a:noFill/>
+          </a:ln>
+          <a:effectLst>
+            <a:outerShdw blurRad="292100" dist="139700" dir="2700000" algn="tl" rotWithShape="0">
+              <a:srgbClr val="333333">
+                <a:alpha val="65000"/>
+              </a:srgbClr>
+            </a:outerShdw>
+          </a:effectLst>
+        </p:spPr>
+      </p:pic>
+    </p:spTree>
+    <p:extLst>
+      <p:ext uri="{BB962C8B-B14F-4D97-AF65-F5344CB8AC3E}">
+        <p14:creationId xmlns:p14="http://schemas.microsoft.com/office/powerpoint/2010/main" val="1438975516"/>
+      </p:ext>
+    </p:extLst>
+  </p:cSld>
+  <p:clrMapOvr>
+    <a:masterClrMapping/>
+  </p:clrMapOvr>
+</p:sld>
+</file>
+
+<file path=ppt/slides/slide32.xml><?xml version="1.0" encoding="utf-8"?>
+<p:sld xmlns:a="http://schemas.openxmlformats.org/drawingml/2006/main" xmlns:r="http://schemas.openxmlformats.org/officeDocument/2006/relationships" xmlns:p="http://schemas.openxmlformats.org/presentationml/2006/main">
+  <p:cSld>
+    <p:spTree>
+      <p:nvGrpSpPr>
+        <p:cNvPr id="1" name="">
+          <a:extLst>
+            <a:ext uri="{FF2B5EF4-FFF2-40B4-BE49-F238E27FC236}">
+              <a16:creationId xmlns:a16="http://schemas.microsoft.com/office/drawing/2014/main" id="{4BF6B916-A84E-5115-4EA8-111D0AB2584A}"/>
+            </a:ext>
+          </a:extLst>
+        </p:cNvPr>
+        <p:cNvGrpSpPr/>
+        <p:nvPr/>
+      </p:nvGrpSpPr>
+      <p:grpSpPr>
+        <a:xfrm>
+          <a:off x="0" y="0"/>
+          <a:ext cx="0" cy="0"/>
+          <a:chOff x="0" y="0"/>
+          <a:chExt cx="0" cy="0"/>
+        </a:xfrm>
+      </p:grpSpPr>
+      <p:sp>
+        <p:nvSpPr>
+          <p:cNvPr id="2" name="Titre 1">
+            <a:extLst>
+              <a:ext uri="{FF2B5EF4-FFF2-40B4-BE49-F238E27FC236}">
+                <a16:creationId xmlns:a16="http://schemas.microsoft.com/office/drawing/2014/main" id="{B3B9E513-1E8D-713F-4B8A-D56C88137FF0}"/>
+              </a:ext>
+            </a:extLst>
+          </p:cNvPr>
+          <p:cNvSpPr>
+            <a:spLocks noGrp="1"/>
+          </p:cNvSpPr>
+          <p:nvPr>
+            <p:ph type="title"/>
+          </p:nvPr>
+        </p:nvSpPr>
+        <p:spPr/>
+        <p:txBody>
+          <a:bodyPr/>
+          <a:lstStyle/>
+          <a:p>
+            <a:r>
+              <a:rPr lang="fr-FR" dirty="0"/>
+              <a:t>4. Prototypes</a:t>
+            </a:r>
+            <a:br>
+              <a:rPr lang="fr-FR" dirty="0"/>
+            </a:br>
+            <a:endParaRPr lang="fr-BE" dirty="0"/>
+          </a:p>
+        </p:txBody>
+      </p:sp>
+      <p:sp>
+        <p:nvSpPr>
+          <p:cNvPr id="3" name="Espace réservé du contenu 2">
+            <a:extLst>
+              <a:ext uri="{FF2B5EF4-FFF2-40B4-BE49-F238E27FC236}">
+                <a16:creationId xmlns:a16="http://schemas.microsoft.com/office/drawing/2014/main" id="{118ACBD6-3F92-8BDA-DCEA-93F74CFBE917}"/>
+              </a:ext>
+            </a:extLst>
+          </p:cNvPr>
+          <p:cNvSpPr>
+            <a:spLocks noGrp="1"/>
+          </p:cNvSpPr>
+          <p:nvPr>
+            <p:ph idx="1"/>
+          </p:nvPr>
+        </p:nvSpPr>
+        <p:spPr/>
+        <p:txBody>
+          <a:bodyPr/>
+          <a:lstStyle/>
+          <a:p>
+            <a:pPr lvl="1"/>
+            <a:r>
+              <a:rPr lang="fr-FR" dirty="0"/>
+              <a:t>Pourquoi faire ?</a:t>
+            </a:r>
+          </a:p>
+          <a:p>
+            <a:pPr lvl="2"/>
+            <a:r>
+              <a:rPr lang="fr-FR" dirty="0"/>
+              <a:t>Des objets pour des personnages, un prototype pour les gouverner tous.</a:t>
+            </a:r>
+          </a:p>
+          <a:p>
+            <a:pPr marL="0" indent="0">
+              <a:buNone/>
+            </a:pPr>
+            <a:endParaRPr lang="fr-BE" dirty="0"/>
+          </a:p>
+        </p:txBody>
+      </p:sp>
+      <p:pic>
+        <p:nvPicPr>
+          <p:cNvPr id="6" name="Image 5" descr="Une image contenant texte, Police, capture d’écran, nombre&#10;&#10;Le contenu généré par l’IA peut être incorrect.">
+            <a:extLst>
+              <a:ext uri="{FF2B5EF4-FFF2-40B4-BE49-F238E27FC236}">
+                <a16:creationId xmlns:a16="http://schemas.microsoft.com/office/drawing/2014/main" id="{7F7BF03D-A9BE-41C8-A338-B2B2F5715B26}"/>
+              </a:ext>
+            </a:extLst>
+          </p:cNvPr>
+          <p:cNvPicPr>
+            <a:picLocks noChangeAspect="1"/>
+          </p:cNvPicPr>
+          <p:nvPr/>
+        </p:nvPicPr>
+        <p:blipFill>
+          <a:blip r:embed="rId3">
+            <a:extLst>
+              <a:ext uri="{28A0092B-C50C-407E-A947-70E740481C1C}">
+                <a14:useLocalDpi xmlns:a14="http://schemas.microsoft.com/office/drawing/2010/main" val="0"/>
+              </a:ext>
+            </a:extLst>
+          </a:blip>
+          <a:stretch>
+            <a:fillRect/>
+          </a:stretch>
+        </p:blipFill>
+        <p:spPr>
+          <a:xfrm>
+            <a:off x="2380731" y="2720002"/>
+            <a:ext cx="7430537" cy="2562583"/>
+          </a:xfrm>
+          <a:prstGeom prst="rect">
+            <a:avLst/>
+          </a:prstGeom>
+          <a:ln>
+            <a:noFill/>
+          </a:ln>
+          <a:effectLst>
+            <a:outerShdw blurRad="292100" dist="139700" dir="2700000" algn="tl" rotWithShape="0">
+              <a:srgbClr val="333333">
+                <a:alpha val="65000"/>
+              </a:srgbClr>
+            </a:outerShdw>
+          </a:effectLst>
+        </p:spPr>
+      </p:pic>
+    </p:spTree>
+    <p:extLst>
+      <p:ext uri="{BB962C8B-B14F-4D97-AF65-F5344CB8AC3E}">
+        <p14:creationId xmlns:p14="http://schemas.microsoft.com/office/powerpoint/2010/main" val="2791844064"/>
+      </p:ext>
+    </p:extLst>
+  </p:cSld>
+  <p:clrMapOvr>
+    <a:masterClrMapping/>
+  </p:clrMapOvr>
+</p:sld>
+</file>
+
+<file path=ppt/slides/slide33.xml><?xml version="1.0" encoding="utf-8"?>
+<p:sld xmlns:a="http://schemas.openxmlformats.org/drawingml/2006/main" xmlns:r="http://schemas.openxmlformats.org/officeDocument/2006/relationships" xmlns:p="http://schemas.openxmlformats.org/presentationml/2006/main">
+  <p:cSld>
+    <p:spTree>
+      <p:nvGrpSpPr>
+        <p:cNvPr id="1" name="">
+          <a:extLst>
+            <a:ext uri="{FF2B5EF4-FFF2-40B4-BE49-F238E27FC236}">
+              <a16:creationId xmlns:a16="http://schemas.microsoft.com/office/drawing/2014/main" id="{8DF74A36-EBFE-EF84-C4D4-4DE18E9383FB}"/>
+            </a:ext>
+          </a:extLst>
+        </p:cNvPr>
+        <p:cNvGrpSpPr/>
+        <p:nvPr/>
+      </p:nvGrpSpPr>
+      <p:grpSpPr>
+        <a:xfrm>
+          <a:off x="0" y="0"/>
+          <a:ext cx="0" cy="0"/>
+          <a:chOff x="0" y="0"/>
+          <a:chExt cx="0" cy="0"/>
+        </a:xfrm>
+      </p:grpSpPr>
+      <p:sp>
+        <p:nvSpPr>
+          <p:cNvPr id="2" name="Titre 1">
+            <a:extLst>
+              <a:ext uri="{FF2B5EF4-FFF2-40B4-BE49-F238E27FC236}">
+                <a16:creationId xmlns:a16="http://schemas.microsoft.com/office/drawing/2014/main" id="{EF956F7B-83EB-2276-407C-6E090ECFE2EA}"/>
+              </a:ext>
+            </a:extLst>
+          </p:cNvPr>
+          <p:cNvSpPr>
+            <a:spLocks noGrp="1"/>
+          </p:cNvSpPr>
+          <p:nvPr>
+            <p:ph type="title"/>
+          </p:nvPr>
+        </p:nvSpPr>
+        <p:spPr/>
+        <p:txBody>
+          <a:bodyPr/>
+          <a:lstStyle/>
+          <a:p>
+            <a:r>
+              <a:rPr lang="fr-FR" dirty="0"/>
+              <a:t>4. Prototypes</a:t>
+            </a:r>
+            <a:br>
+              <a:rPr lang="fr-FR" dirty="0"/>
+            </a:br>
+            <a:endParaRPr lang="fr-BE" dirty="0"/>
+          </a:p>
+        </p:txBody>
+      </p:sp>
+      <p:sp>
+        <p:nvSpPr>
+          <p:cNvPr id="3" name="Espace réservé du contenu 2">
+            <a:extLst>
+              <a:ext uri="{FF2B5EF4-FFF2-40B4-BE49-F238E27FC236}">
+                <a16:creationId xmlns:a16="http://schemas.microsoft.com/office/drawing/2014/main" id="{C6F5507F-FF2E-0BA7-B467-43D6D36649BB}"/>
+              </a:ext>
+            </a:extLst>
+          </p:cNvPr>
+          <p:cNvSpPr>
+            <a:spLocks noGrp="1"/>
+          </p:cNvSpPr>
+          <p:nvPr>
+            <p:ph idx="1"/>
+          </p:nvPr>
+        </p:nvSpPr>
+        <p:spPr/>
+        <p:txBody>
+          <a:bodyPr/>
+          <a:lstStyle/>
+          <a:p>
+            <a:pPr lvl="1"/>
+            <a:r>
+              <a:rPr lang="fr-FR" dirty="0"/>
+              <a:t>Création</a:t>
+            </a:r>
+          </a:p>
+          <a:p>
+            <a:pPr lvl="2"/>
+            <a:r>
+              <a:rPr lang="fr-FR" dirty="0"/>
+              <a:t>Pour la création, c’est un objet comme un autre</a:t>
+            </a:r>
+          </a:p>
+          <a:p>
+            <a:pPr lvl="2"/>
+            <a:endParaRPr lang="fr-FR" dirty="0"/>
+          </a:p>
+          <a:p>
+            <a:pPr lvl="2"/>
+            <a:endParaRPr lang="fr-FR" dirty="0"/>
+          </a:p>
+          <a:p>
+            <a:pPr lvl="2"/>
+            <a:endParaRPr lang="fr-FR" dirty="0"/>
+          </a:p>
+          <a:p>
+            <a:pPr lvl="2"/>
+            <a:endParaRPr lang="fr-FR" dirty="0"/>
+          </a:p>
+          <a:p>
+            <a:pPr marL="914400" lvl="2" indent="0">
+              <a:buNone/>
+            </a:pPr>
+            <a:endParaRPr lang="fr-FR" dirty="0"/>
+          </a:p>
+          <a:p>
+            <a:pPr lvl="2"/>
+            <a:r>
+              <a:rPr lang="fr-FR" dirty="0"/>
+              <a:t>Pour créer un objet héritant</a:t>
+            </a:r>
+          </a:p>
+          <a:p>
+            <a:endParaRPr lang="fr-BE" dirty="0"/>
+          </a:p>
+        </p:txBody>
+      </p:sp>
+      <p:pic>
+        <p:nvPicPr>
+          <p:cNvPr id="5" name="Image 4" descr="Une image contenant texte, Police, ligne, écriture manuscrite&#10;&#10;Le contenu généré par l’IA peut être incorrect.">
+            <a:extLst>
+              <a:ext uri="{FF2B5EF4-FFF2-40B4-BE49-F238E27FC236}">
+                <a16:creationId xmlns:a16="http://schemas.microsoft.com/office/drawing/2014/main" id="{EB3CDA3F-E3DE-7A3E-5F29-A5F63AD24C0C}"/>
+              </a:ext>
+            </a:extLst>
+          </p:cNvPr>
+          <p:cNvPicPr>
+            <a:picLocks noChangeAspect="1"/>
+          </p:cNvPicPr>
+          <p:nvPr/>
+        </p:nvPicPr>
+        <p:blipFill>
+          <a:blip r:embed="rId2">
+            <a:extLst>
+              <a:ext uri="{28A0092B-C50C-407E-A947-70E740481C1C}">
+                <a14:useLocalDpi xmlns:a14="http://schemas.microsoft.com/office/drawing/2010/main" val="0"/>
+              </a:ext>
+            </a:extLst>
+          </a:blip>
+          <a:stretch>
+            <a:fillRect/>
+          </a:stretch>
+        </p:blipFill>
+        <p:spPr>
+          <a:xfrm>
+            <a:off x="2733205" y="2573334"/>
+            <a:ext cx="6725589" cy="1514686"/>
+          </a:xfrm>
+          <a:prstGeom prst="rect">
+            <a:avLst/>
+          </a:prstGeom>
+          <a:ln>
+            <a:noFill/>
+          </a:ln>
+          <a:effectLst>
+            <a:outerShdw blurRad="292100" dist="139700" dir="2700000" algn="tl" rotWithShape="0">
+              <a:srgbClr val="333333">
+                <a:alpha val="65000"/>
+              </a:srgbClr>
+            </a:outerShdw>
+          </a:effectLst>
+        </p:spPr>
+      </p:pic>
+      <p:pic>
+        <p:nvPicPr>
+          <p:cNvPr id="7" name="Image 6">
+            <a:extLst>
+              <a:ext uri="{FF2B5EF4-FFF2-40B4-BE49-F238E27FC236}">
+                <a16:creationId xmlns:a16="http://schemas.microsoft.com/office/drawing/2014/main" id="{97327AAA-6FBB-610B-092C-7F5FEC9B45AA}"/>
+              </a:ext>
+            </a:extLst>
+          </p:cNvPr>
+          <p:cNvPicPr>
+            <a:picLocks noChangeAspect="1"/>
+          </p:cNvPicPr>
+          <p:nvPr/>
+        </p:nvPicPr>
+        <p:blipFill>
+          <a:blip r:embed="rId3">
+            <a:extLst>
+              <a:ext uri="{28A0092B-C50C-407E-A947-70E740481C1C}">
+                <a14:useLocalDpi xmlns:a14="http://schemas.microsoft.com/office/drawing/2010/main" val="0"/>
+              </a:ext>
+            </a:extLst>
+          </a:blip>
+          <a:stretch>
+            <a:fillRect/>
+          </a:stretch>
+        </p:blipFill>
+        <p:spPr>
+          <a:xfrm>
+            <a:off x="3247626" y="4784780"/>
+            <a:ext cx="5696745" cy="695422"/>
+          </a:xfrm>
+          <a:prstGeom prst="rect">
+            <a:avLst/>
+          </a:prstGeom>
+          <a:ln>
+            <a:noFill/>
+          </a:ln>
+          <a:effectLst>
+            <a:outerShdw blurRad="292100" dist="139700" dir="2700000" algn="tl" rotWithShape="0">
+              <a:srgbClr val="333333">
+                <a:alpha val="65000"/>
+              </a:srgbClr>
+            </a:outerShdw>
+          </a:effectLst>
+        </p:spPr>
+      </p:pic>
+    </p:spTree>
+    <p:extLst>
+      <p:ext uri="{BB962C8B-B14F-4D97-AF65-F5344CB8AC3E}">
+        <p14:creationId xmlns:p14="http://schemas.microsoft.com/office/powerpoint/2010/main" val="1879535053"/>
+      </p:ext>
+    </p:extLst>
+  </p:cSld>
+  <p:clrMapOvr>
+    <a:masterClrMapping/>
+  </p:clrMapOvr>
+</p:sld>
+</file>
+
+<file path=ppt/slides/slide34.xml><?xml version="1.0" encoding="utf-8"?>
+<p:sld xmlns:a="http://schemas.openxmlformats.org/drawingml/2006/main" xmlns:r="http://schemas.openxmlformats.org/officeDocument/2006/relationships" xmlns:p="http://schemas.openxmlformats.org/presentationml/2006/main">
+  <p:cSld>
+    <p:spTree>
+      <p:nvGrpSpPr>
+        <p:cNvPr id="1" name="">
+          <a:extLst>
+            <a:ext uri="{FF2B5EF4-FFF2-40B4-BE49-F238E27FC236}">
+              <a16:creationId xmlns:a16="http://schemas.microsoft.com/office/drawing/2014/main" id="{98F584EC-C215-5E88-2DA1-1C669A583E66}"/>
+            </a:ext>
+          </a:extLst>
+        </p:cNvPr>
+        <p:cNvGrpSpPr/>
+        <p:nvPr/>
+      </p:nvGrpSpPr>
+      <p:grpSpPr>
+        <a:xfrm>
+          <a:off x="0" y="0"/>
+          <a:ext cx="0" cy="0"/>
+          <a:chOff x="0" y="0"/>
+          <a:chExt cx="0" cy="0"/>
+        </a:xfrm>
+      </p:grpSpPr>
+      <p:sp>
+        <p:nvSpPr>
+          <p:cNvPr id="2" name="Titre 1">
+            <a:extLst>
+              <a:ext uri="{FF2B5EF4-FFF2-40B4-BE49-F238E27FC236}">
+                <a16:creationId xmlns:a16="http://schemas.microsoft.com/office/drawing/2014/main" id="{782263F6-48B3-880A-2890-11C791770A72}"/>
+              </a:ext>
+            </a:extLst>
+          </p:cNvPr>
+          <p:cNvSpPr>
+            <a:spLocks noGrp="1"/>
+          </p:cNvSpPr>
+          <p:nvPr>
+            <p:ph type="title"/>
+          </p:nvPr>
+        </p:nvSpPr>
+        <p:spPr/>
+        <p:txBody>
+          <a:bodyPr/>
+          <a:lstStyle/>
+          <a:p>
+            <a:r>
+              <a:rPr lang="fr-FR" dirty="0"/>
+              <a:t>4. Prototypes</a:t>
+            </a:r>
+            <a:br>
+              <a:rPr lang="fr-FR" dirty="0"/>
+            </a:br>
+            <a:endParaRPr lang="fr-BE" dirty="0"/>
+          </a:p>
+        </p:txBody>
+      </p:sp>
+      <p:sp>
+        <p:nvSpPr>
+          <p:cNvPr id="3" name="Espace réservé du contenu 2">
+            <a:extLst>
+              <a:ext uri="{FF2B5EF4-FFF2-40B4-BE49-F238E27FC236}">
+                <a16:creationId xmlns:a16="http://schemas.microsoft.com/office/drawing/2014/main" id="{8BD73B41-1C3D-1533-60CA-92F6556A135E}"/>
+              </a:ext>
+            </a:extLst>
+          </p:cNvPr>
+          <p:cNvSpPr>
+            <a:spLocks noGrp="1"/>
+          </p:cNvSpPr>
+          <p:nvPr>
+            <p:ph idx="1"/>
+          </p:nvPr>
+        </p:nvSpPr>
+        <p:spPr/>
+        <p:txBody>
+          <a:bodyPr/>
+          <a:lstStyle/>
+          <a:p>
+            <a:pPr lvl="1"/>
+            <a:r>
+              <a:rPr lang="fr-FR" dirty="0"/>
+              <a:t>Héritage</a:t>
+            </a:r>
+          </a:p>
+          <a:p>
+            <a:pPr lvl="2"/>
+            <a:r>
+              <a:rPr lang="fr-FR" dirty="0" err="1"/>
+              <a:t>Object.create</a:t>
+            </a:r>
+            <a:r>
+              <a:rPr lang="fr-FR" dirty="0"/>
+              <a:t> : créer un objet avec un prototype donné</a:t>
+            </a:r>
+          </a:p>
+          <a:p>
+            <a:pPr lvl="2"/>
+            <a:endParaRPr lang="fr-FR" dirty="0"/>
+          </a:p>
+          <a:p>
+            <a:pPr lvl="2"/>
+            <a:endParaRPr lang="fr-FR" dirty="0"/>
+          </a:p>
+          <a:p>
+            <a:pPr lvl="2"/>
+            <a:endParaRPr lang="fr-FR" dirty="0"/>
+          </a:p>
+          <a:p>
+            <a:pPr lvl="2"/>
+            <a:r>
+              <a:rPr lang="fr-FR" dirty="0" err="1"/>
+              <a:t>Object.setPrototypeOf</a:t>
+            </a:r>
+            <a:r>
+              <a:rPr lang="fr-FR" dirty="0"/>
+              <a:t> : permet de modifier le prototype d’un objet déjà créer</a:t>
+            </a:r>
+          </a:p>
+          <a:p>
+            <a:pPr lvl="2"/>
+            <a:endParaRPr lang="fr-FR" dirty="0"/>
+          </a:p>
+          <a:p>
+            <a:pPr lvl="2"/>
+            <a:endParaRPr lang="fr-FR" dirty="0"/>
+          </a:p>
+          <a:p>
+            <a:pPr lvl="2"/>
+            <a:endParaRPr lang="fr-FR" dirty="0"/>
+          </a:p>
+          <a:p>
+            <a:pPr lvl="2"/>
+            <a:r>
+              <a:rPr lang="fr-FR" dirty="0" err="1"/>
+              <a:t>Object.assign</a:t>
+            </a:r>
+            <a:r>
+              <a:rPr lang="fr-FR" dirty="0"/>
+              <a:t>: permet d’ajouter plusieurs propriétés à un objet existant (écrase les propriétés existantes en cas de conflit)</a:t>
+            </a:r>
+          </a:p>
+          <a:p>
+            <a:endParaRPr lang="fr-BE" dirty="0"/>
+          </a:p>
+        </p:txBody>
+      </p:sp>
+      <p:pic>
+        <p:nvPicPr>
+          <p:cNvPr id="5" name="Image 4" descr="Une image contenant texte, Police, capture d’écran, Bleu électrique&#10;&#10;Le contenu généré par l’IA peut être incorrect.">
+            <a:extLst>
+              <a:ext uri="{FF2B5EF4-FFF2-40B4-BE49-F238E27FC236}">
+                <a16:creationId xmlns:a16="http://schemas.microsoft.com/office/drawing/2014/main" id="{8F12D031-69F1-38A1-3F2B-BD82E761D9C7}"/>
+              </a:ext>
+            </a:extLst>
+          </p:cNvPr>
+          <p:cNvPicPr>
+            <a:picLocks noChangeAspect="1"/>
+          </p:cNvPicPr>
+          <p:nvPr/>
+        </p:nvPicPr>
+        <p:blipFill>
+          <a:blip r:embed="rId3">
+            <a:extLst>
+              <a:ext uri="{28A0092B-C50C-407E-A947-70E740481C1C}">
+                <a14:useLocalDpi xmlns:a14="http://schemas.microsoft.com/office/drawing/2010/main" val="0"/>
+              </a:ext>
+            </a:extLst>
+          </a:blip>
+          <a:stretch>
+            <a:fillRect/>
+          </a:stretch>
+        </p:blipFill>
+        <p:spPr>
+          <a:xfrm>
+            <a:off x="4298921" y="2513290"/>
+            <a:ext cx="3594158" cy="915710"/>
+          </a:xfrm>
+          <a:prstGeom prst="rect">
+            <a:avLst/>
+          </a:prstGeom>
+          <a:ln>
+            <a:noFill/>
+          </a:ln>
+          <a:effectLst>
+            <a:outerShdw blurRad="292100" dist="139700" dir="2700000" algn="tl" rotWithShape="0">
+              <a:srgbClr val="333333">
+                <a:alpha val="65000"/>
+              </a:srgbClr>
+            </a:outerShdw>
+          </a:effectLst>
+        </p:spPr>
+      </p:pic>
+      <p:pic>
+        <p:nvPicPr>
+          <p:cNvPr id="7" name="Image 6" descr="Une image contenant texte, Police, capture d’écran, ligne&#10;&#10;Le contenu généré par l’IA peut être incorrect.">
+            <a:extLst>
+              <a:ext uri="{FF2B5EF4-FFF2-40B4-BE49-F238E27FC236}">
+                <a16:creationId xmlns:a16="http://schemas.microsoft.com/office/drawing/2014/main" id="{A792B68A-DEBA-15AF-1469-1AFDD64EFD67}"/>
+              </a:ext>
+            </a:extLst>
+          </p:cNvPr>
+          <p:cNvPicPr>
+            <a:picLocks noChangeAspect="1"/>
+          </p:cNvPicPr>
+          <p:nvPr/>
+        </p:nvPicPr>
+        <p:blipFill>
+          <a:blip r:embed="rId4">
+            <a:extLst>
+              <a:ext uri="{28A0092B-C50C-407E-A947-70E740481C1C}">
+                <a14:useLocalDpi xmlns:a14="http://schemas.microsoft.com/office/drawing/2010/main" val="0"/>
+              </a:ext>
+            </a:extLst>
+          </a:blip>
+          <a:stretch>
+            <a:fillRect/>
+          </a:stretch>
+        </p:blipFill>
+        <p:spPr>
+          <a:xfrm>
+            <a:off x="3563282" y="3958939"/>
+            <a:ext cx="5065436" cy="932101"/>
+          </a:xfrm>
+          <a:prstGeom prst="rect">
+            <a:avLst/>
+          </a:prstGeom>
+          <a:ln>
+            <a:noFill/>
+          </a:ln>
+          <a:effectLst>
+            <a:outerShdw blurRad="292100" dist="139700" dir="2700000" algn="tl" rotWithShape="0">
+              <a:srgbClr val="333333">
+                <a:alpha val="65000"/>
+              </a:srgbClr>
+            </a:outerShdw>
+          </a:effectLst>
+        </p:spPr>
+      </p:pic>
+      <p:pic>
+        <p:nvPicPr>
+          <p:cNvPr id="9" name="Image 8" descr="Une image contenant texte, Police, capture d’écran, ligne&#10;&#10;Le contenu généré par l’IA peut être incorrect.">
+            <a:extLst>
+              <a:ext uri="{FF2B5EF4-FFF2-40B4-BE49-F238E27FC236}">
+                <a16:creationId xmlns:a16="http://schemas.microsoft.com/office/drawing/2014/main" id="{27BEDA68-8878-82CD-F773-FF7669EE9621}"/>
+              </a:ext>
+            </a:extLst>
+          </p:cNvPr>
+          <p:cNvPicPr>
+            <a:picLocks noChangeAspect="1"/>
+          </p:cNvPicPr>
+          <p:nvPr/>
+        </p:nvPicPr>
+        <p:blipFill>
+          <a:blip r:embed="rId5">
+            <a:extLst>
+              <a:ext uri="{28A0092B-C50C-407E-A947-70E740481C1C}">
+                <a14:useLocalDpi xmlns:a14="http://schemas.microsoft.com/office/drawing/2010/main" val="0"/>
+              </a:ext>
+            </a:extLst>
+          </a:blip>
+          <a:stretch>
+            <a:fillRect/>
+          </a:stretch>
+        </p:blipFill>
+        <p:spPr>
+          <a:xfrm>
+            <a:off x="6714130" y="5302590"/>
+            <a:ext cx="3609742" cy="1275256"/>
+          </a:xfrm>
+          <a:prstGeom prst="rect">
+            <a:avLst/>
+          </a:prstGeom>
+          <a:ln>
+            <a:noFill/>
+          </a:ln>
+          <a:effectLst>
+            <a:outerShdw blurRad="292100" dist="139700" dir="2700000" algn="tl" rotWithShape="0">
+              <a:srgbClr val="333333">
+                <a:alpha val="65000"/>
+              </a:srgbClr>
+            </a:outerShdw>
+          </a:effectLst>
+        </p:spPr>
+      </p:pic>
+    </p:spTree>
+    <p:extLst>
+      <p:ext uri="{BB962C8B-B14F-4D97-AF65-F5344CB8AC3E}">
+        <p14:creationId xmlns:p14="http://schemas.microsoft.com/office/powerpoint/2010/main" val="2105359347"/>
+      </p:ext>
+    </p:extLst>
+  </p:cSld>
+  <p:clrMapOvr>
+    <a:masterClrMapping/>
+  </p:clrMapOvr>
+</p:sld>
+</file>
+
+<file path=ppt/slides/slide35.xml><?xml version="1.0" encoding="utf-8"?>
+<p:sld xmlns:a="http://schemas.openxmlformats.org/drawingml/2006/main" xmlns:r="http://schemas.openxmlformats.org/officeDocument/2006/relationships" xmlns:p="http://schemas.openxmlformats.org/presentationml/2006/main">
+  <p:cSld>
+    <p:spTree>
+      <p:nvGrpSpPr>
+        <p:cNvPr id="1" name="">
+          <a:extLst>
+            <a:ext uri="{FF2B5EF4-FFF2-40B4-BE49-F238E27FC236}">
+              <a16:creationId xmlns:a16="http://schemas.microsoft.com/office/drawing/2014/main" id="{1F4FC102-0A6F-F1BD-6460-91EF1E5EB57A}"/>
+            </a:ext>
+          </a:extLst>
+        </p:cNvPr>
+        <p:cNvGrpSpPr/>
+        <p:nvPr/>
+      </p:nvGrpSpPr>
+      <p:grpSpPr>
+        <a:xfrm>
+          <a:off x="0" y="0"/>
+          <a:ext cx="0" cy="0"/>
+          <a:chOff x="0" y="0"/>
+          <a:chExt cx="0" cy="0"/>
+        </a:xfrm>
+      </p:grpSpPr>
+      <p:sp>
+        <p:nvSpPr>
+          <p:cNvPr id="2" name="Titre 1">
+            <a:extLst>
+              <a:ext uri="{FF2B5EF4-FFF2-40B4-BE49-F238E27FC236}">
+                <a16:creationId xmlns:a16="http://schemas.microsoft.com/office/drawing/2014/main" id="{905BBCA1-D782-1523-A7AE-BB695B952269}"/>
+              </a:ext>
+            </a:extLst>
+          </p:cNvPr>
+          <p:cNvSpPr>
+            <a:spLocks noGrp="1"/>
+          </p:cNvSpPr>
+          <p:nvPr>
+            <p:ph type="title"/>
+          </p:nvPr>
+        </p:nvSpPr>
+        <p:spPr/>
+        <p:txBody>
+          <a:bodyPr/>
+          <a:lstStyle/>
+          <a:p>
+            <a:r>
+              <a:rPr lang="fr-FR" dirty="0"/>
+              <a:t>4. Prototypes</a:t>
+            </a:r>
+            <a:br>
+              <a:rPr lang="fr-FR" dirty="0"/>
+            </a:br>
+            <a:endParaRPr lang="fr-BE" dirty="0"/>
+          </a:p>
+        </p:txBody>
+      </p:sp>
+      <p:sp>
+        <p:nvSpPr>
+          <p:cNvPr id="3" name="Espace réservé du contenu 2">
+            <a:extLst>
+              <a:ext uri="{FF2B5EF4-FFF2-40B4-BE49-F238E27FC236}">
+                <a16:creationId xmlns:a16="http://schemas.microsoft.com/office/drawing/2014/main" id="{DA6CDF5B-31E8-8429-B6A3-258B92001626}"/>
+              </a:ext>
+            </a:extLst>
+          </p:cNvPr>
+          <p:cNvSpPr>
+            <a:spLocks noGrp="1"/>
+          </p:cNvSpPr>
+          <p:nvPr>
+            <p:ph idx="1"/>
+          </p:nvPr>
+        </p:nvSpPr>
+        <p:spPr/>
+        <p:txBody>
+          <a:bodyPr/>
+          <a:lstStyle/>
+          <a:p>
+            <a:pPr lvl="1"/>
+            <a:r>
+              <a:rPr lang="fr-FR" dirty="0"/>
+              <a:t>__proto__</a:t>
+            </a:r>
+            <a:endParaRPr lang="fr-BE" dirty="0"/>
+          </a:p>
+          <a:p>
+            <a:pPr lvl="2"/>
+            <a:r>
+              <a:rPr lang="fr-BE" dirty="0"/>
+              <a:t>JS utilise une propriété dans les objets liés à un prototype</a:t>
+            </a:r>
+          </a:p>
+          <a:p>
+            <a:pPr lvl="3"/>
+            <a:r>
+              <a:rPr lang="fr-BE" dirty="0"/>
+              <a:t>Quand une propriété demandée n’existe pas, il va la chercher dans le __proto__</a:t>
+            </a:r>
+          </a:p>
+          <a:p>
+            <a:pPr lvl="3"/>
+            <a:r>
+              <a:rPr lang="fr-BE" dirty="0"/>
+              <a:t>__proto__ est une propriété référence vers le prototype de l’objet</a:t>
+            </a:r>
+          </a:p>
+          <a:p>
+            <a:pPr lvl="3"/>
+            <a:r>
+              <a:rPr lang="fr-BE" dirty="0"/>
+              <a:t>La mécanique du __proto__ remonte l’arborescence si il y a besoin</a:t>
+            </a:r>
+          </a:p>
+          <a:p>
+            <a:pPr lvl="3"/>
+            <a:endParaRPr lang="fr-BE" dirty="0"/>
+          </a:p>
+          <a:p>
+            <a:pPr lvl="3"/>
+            <a:r>
+              <a:rPr lang="fr-BE" dirty="0"/>
+              <a:t>Les propriétés de l’objet prototype sont donc partagées par tout ses descendants</a:t>
+            </a:r>
+          </a:p>
+          <a:p>
+            <a:pPr lvl="3"/>
+            <a:r>
+              <a:rPr lang="fr-BE" dirty="0"/>
+              <a:t>2 implications:</a:t>
+            </a:r>
+          </a:p>
+          <a:p>
+            <a:pPr lvl="4"/>
+            <a:r>
+              <a:rPr lang="fr-BE" dirty="0"/>
+              <a:t>On place les éléments communs dans une même famille (méthodes, attributs)</a:t>
+            </a:r>
+          </a:p>
+          <a:p>
+            <a:pPr lvl="4"/>
+            <a:r>
+              <a:rPr lang="fr-BE" dirty="0"/>
+              <a:t>Si on modifie le prototype, on affecte tous ses héritiers</a:t>
+            </a:r>
+            <a:endParaRPr lang="fr-FR" dirty="0"/>
+          </a:p>
+        </p:txBody>
+      </p:sp>
+    </p:spTree>
+    <p:extLst>
+      <p:ext uri="{BB962C8B-B14F-4D97-AF65-F5344CB8AC3E}">
+        <p14:creationId xmlns:p14="http://schemas.microsoft.com/office/powerpoint/2010/main" val="2570190354"/>
+      </p:ext>
+    </p:extLst>
+  </p:cSld>
+  <p:clrMapOvr>
+    <a:masterClrMapping/>
+  </p:clrMapOvr>
+</p:sld>
+</file>
+
+<file path=ppt/slides/slide36.xml><?xml version="1.0" encoding="utf-8"?>
+<p:sld xmlns:a="http://schemas.openxmlformats.org/drawingml/2006/main" xmlns:r="http://schemas.openxmlformats.org/officeDocument/2006/relationships" xmlns:p="http://schemas.openxmlformats.org/presentationml/2006/main">
+  <p:cSld>
+    <p:spTree>
+      <p:nvGrpSpPr>
         <p:cNvPr id="1" name="">
           <a:extLst>
             <a:ext uri="{FF2B5EF4-FFF2-40B4-BE49-F238E27FC236}">
@@ -6539,7 +11457,7 @@
             <a:pPr lvl="1"/>
             <a:r>
               <a:rPr lang="fr-FR" dirty="0"/>
-              <a:t>exercices</a:t>
+              <a:t>Exercices. Qu’est-ce qui sera afficher ? </a:t>
             </a:r>
             <a:endParaRPr lang="fr-BE" dirty="0"/>
           </a:p>
@@ -6548,6 +11466,78 @@
           </a:p>
         </p:txBody>
       </p:sp>
+      <p:pic>
+        <p:nvPicPr>
+          <p:cNvPr id="9" name="Image 8" descr="Une image contenant texte, capture d’écran, Police&#10;&#10;Le contenu généré par l’IA peut être incorrect.">
+            <a:extLst>
+              <a:ext uri="{FF2B5EF4-FFF2-40B4-BE49-F238E27FC236}">
+                <a16:creationId xmlns:a16="http://schemas.microsoft.com/office/drawing/2014/main" id="{E6566B34-5E4A-8E52-50A6-AF1F6554FB50}"/>
+              </a:ext>
+            </a:extLst>
+          </p:cNvPr>
+          <p:cNvPicPr>
+            <a:picLocks noChangeAspect="1"/>
+          </p:cNvPicPr>
+          <p:nvPr/>
+        </p:nvPicPr>
+        <p:blipFill>
+          <a:blip r:embed="rId3">
+            <a:extLst>
+              <a:ext uri="{28A0092B-C50C-407E-A947-70E740481C1C}">
+                <a14:useLocalDpi xmlns:a14="http://schemas.microsoft.com/office/drawing/2010/main" val="0"/>
+              </a:ext>
+            </a:extLst>
+          </a:blip>
+          <a:stretch>
+            <a:fillRect/>
+          </a:stretch>
+        </p:blipFill>
+        <p:spPr>
+          <a:xfrm>
+            <a:off x="1636013" y="2366249"/>
+            <a:ext cx="6363588" cy="3620005"/>
+          </a:xfrm>
+          <a:prstGeom prst="rect">
+            <a:avLst/>
+          </a:prstGeom>
+        </p:spPr>
+      </p:pic>
+      <p:pic>
+        <p:nvPicPr>
+          <p:cNvPr id="11" name="Image 10" descr="Une image contenant texte, Police, ligne, capture d’écran&#10;&#10;Le contenu généré par l’IA peut être incorrect.">
+            <a:extLst>
+              <a:ext uri="{FF2B5EF4-FFF2-40B4-BE49-F238E27FC236}">
+                <a16:creationId xmlns:a16="http://schemas.microsoft.com/office/drawing/2014/main" id="{C53248B3-CBD5-A18D-0E60-8E697B48D661}"/>
+              </a:ext>
+            </a:extLst>
+          </p:cNvPr>
+          <p:cNvPicPr>
+            <a:picLocks noChangeAspect="1"/>
+          </p:cNvPicPr>
+          <p:nvPr/>
+        </p:nvPicPr>
+        <p:blipFill>
+          <a:blip r:embed="rId4">
+            <a:extLst>
+              <a:ext uri="{28A0092B-C50C-407E-A947-70E740481C1C}">
+                <a14:useLocalDpi xmlns:a14="http://schemas.microsoft.com/office/drawing/2010/main" val="0"/>
+              </a:ext>
+            </a:extLst>
+          </a:blip>
+          <a:stretch>
+            <a:fillRect/>
+          </a:stretch>
+        </p:blipFill>
+        <p:spPr>
+          <a:xfrm>
+            <a:off x="7001447" y="3742106"/>
+            <a:ext cx="2810267" cy="2048161"/>
+          </a:xfrm>
+          <a:prstGeom prst="rect">
+            <a:avLst/>
+          </a:prstGeom>
+        </p:spPr>
+      </p:pic>
     </p:spTree>
     <p:extLst>
       <p:ext uri="{BB962C8B-B14F-4D97-AF65-F5344CB8AC3E}">
@@ -6561,7 +11551,180 @@
 </p:sld>
 </file>
 
-<file path=ppt/slides/slide31.xml><?xml version="1.0" encoding="utf-8"?>
+<file path=ppt/slides/slide37.xml><?xml version="1.0" encoding="utf-8"?>
+<p:sld xmlns:a="http://schemas.openxmlformats.org/drawingml/2006/main" xmlns:r="http://schemas.openxmlformats.org/officeDocument/2006/relationships" xmlns:p="http://schemas.openxmlformats.org/presentationml/2006/main">
+  <p:cSld>
+    <p:spTree>
+      <p:nvGrpSpPr>
+        <p:cNvPr id="1" name="">
+          <a:extLst>
+            <a:ext uri="{FF2B5EF4-FFF2-40B4-BE49-F238E27FC236}">
+              <a16:creationId xmlns:a16="http://schemas.microsoft.com/office/drawing/2014/main" id="{13AE1A35-8BC6-5B9E-94FC-2338BBB66C50}"/>
+            </a:ext>
+          </a:extLst>
+        </p:cNvPr>
+        <p:cNvGrpSpPr/>
+        <p:nvPr/>
+      </p:nvGrpSpPr>
+      <p:grpSpPr>
+        <a:xfrm>
+          <a:off x="0" y="0"/>
+          <a:ext cx="0" cy="0"/>
+          <a:chOff x="0" y="0"/>
+          <a:chExt cx="0" cy="0"/>
+        </a:xfrm>
+      </p:grpSpPr>
+      <p:sp>
+        <p:nvSpPr>
+          <p:cNvPr id="2" name="Titre 1">
+            <a:extLst>
+              <a:ext uri="{FF2B5EF4-FFF2-40B4-BE49-F238E27FC236}">
+                <a16:creationId xmlns:a16="http://schemas.microsoft.com/office/drawing/2014/main" id="{D7A4081F-E3FA-D591-1BD6-5388591B281C}"/>
+              </a:ext>
+            </a:extLst>
+          </p:cNvPr>
+          <p:cNvSpPr>
+            <a:spLocks noGrp="1"/>
+          </p:cNvSpPr>
+          <p:nvPr>
+            <p:ph type="title"/>
+          </p:nvPr>
+        </p:nvSpPr>
+        <p:spPr/>
+        <p:txBody>
+          <a:bodyPr/>
+          <a:lstStyle/>
+          <a:p>
+            <a:r>
+              <a:rPr lang="fr-FR" dirty="0"/>
+              <a:t>4. Prototypes</a:t>
+            </a:r>
+            <a:br>
+              <a:rPr lang="fr-FR" dirty="0"/>
+            </a:br>
+            <a:endParaRPr lang="fr-BE" dirty="0"/>
+          </a:p>
+        </p:txBody>
+      </p:sp>
+      <p:sp>
+        <p:nvSpPr>
+          <p:cNvPr id="3" name="Espace réservé du contenu 2">
+            <a:extLst>
+              <a:ext uri="{FF2B5EF4-FFF2-40B4-BE49-F238E27FC236}">
+                <a16:creationId xmlns:a16="http://schemas.microsoft.com/office/drawing/2014/main" id="{C1D4F9E5-7FD9-20B0-F775-157CCA9E075A}"/>
+              </a:ext>
+            </a:extLst>
+          </p:cNvPr>
+          <p:cNvSpPr>
+            <a:spLocks noGrp="1"/>
+          </p:cNvSpPr>
+          <p:nvPr>
+            <p:ph idx="1"/>
+          </p:nvPr>
+        </p:nvSpPr>
+        <p:spPr/>
+        <p:txBody>
+          <a:bodyPr/>
+          <a:lstStyle/>
+          <a:p>
+            <a:pPr lvl="1"/>
+            <a:r>
+              <a:rPr lang="fr-FR" dirty="0"/>
+              <a:t>Exercices. Qu’est-ce qui sera afficher ? </a:t>
+            </a:r>
+            <a:endParaRPr lang="fr-BE" dirty="0"/>
+          </a:p>
+          <a:p>
+            <a:endParaRPr lang="fr-BE" dirty="0"/>
+          </a:p>
+        </p:txBody>
+      </p:sp>
+      <p:pic>
+        <p:nvPicPr>
+          <p:cNvPr id="10" name="Image 9" descr="Une image contenant texte, capture d’écran, Police&#10;&#10;Le contenu généré par l’IA peut être incorrect.">
+            <a:extLst>
+              <a:ext uri="{FF2B5EF4-FFF2-40B4-BE49-F238E27FC236}">
+                <a16:creationId xmlns:a16="http://schemas.microsoft.com/office/drawing/2014/main" id="{0FCAC13B-A001-9784-E9FC-E42F9C46AB65}"/>
+              </a:ext>
+            </a:extLst>
+          </p:cNvPr>
+          <p:cNvPicPr>
+            <a:picLocks noChangeAspect="1"/>
+          </p:cNvPicPr>
+          <p:nvPr/>
+        </p:nvPicPr>
+        <p:blipFill>
+          <a:blip r:embed="rId3">
+            <a:extLst>
+              <a:ext uri="{28A0092B-C50C-407E-A947-70E740481C1C}">
+                <a14:useLocalDpi xmlns:a14="http://schemas.microsoft.com/office/drawing/2010/main" val="0"/>
+              </a:ext>
+            </a:extLst>
+          </a:blip>
+          <a:stretch>
+            <a:fillRect/>
+          </a:stretch>
+        </p:blipFill>
+        <p:spPr>
+          <a:xfrm>
+            <a:off x="1558272" y="2346891"/>
+            <a:ext cx="6420746" cy="3639058"/>
+          </a:xfrm>
+          <a:prstGeom prst="rect">
+            <a:avLst/>
+          </a:prstGeom>
+        </p:spPr>
+      </p:pic>
+      <p:pic>
+        <p:nvPicPr>
+          <p:cNvPr id="12" name="Image 11" descr="Une image contenant texte, Police, capture d’écran, ligne&#10;&#10;Le contenu généré par l’IA peut être incorrect.">
+            <a:extLst>
+              <a:ext uri="{FF2B5EF4-FFF2-40B4-BE49-F238E27FC236}">
+                <a16:creationId xmlns:a16="http://schemas.microsoft.com/office/drawing/2014/main" id="{6F207F13-1268-D531-40A5-EA56546085BF}"/>
+              </a:ext>
+            </a:extLst>
+          </p:cNvPr>
+          <p:cNvPicPr>
+            <a:picLocks noChangeAspect="1"/>
+          </p:cNvPicPr>
+          <p:nvPr/>
+        </p:nvPicPr>
+        <p:blipFill>
+          <a:blip r:embed="rId4">
+            <a:extLst>
+              <a:ext uri="{28A0092B-C50C-407E-A947-70E740481C1C}">
+                <a14:useLocalDpi xmlns:a14="http://schemas.microsoft.com/office/drawing/2010/main" val="0"/>
+              </a:ext>
+            </a:extLst>
+          </a:blip>
+          <a:stretch>
+            <a:fillRect/>
+          </a:stretch>
+        </p:blipFill>
+        <p:spPr>
+          <a:xfrm>
+            <a:off x="7289193" y="3947314"/>
+            <a:ext cx="2819794" cy="2038635"/>
+          </a:xfrm>
+          <a:prstGeom prst="rect">
+            <a:avLst/>
+          </a:prstGeom>
+        </p:spPr>
+      </p:pic>
+    </p:spTree>
+    <p:extLst>
+      <p:ext uri="{BB962C8B-B14F-4D97-AF65-F5344CB8AC3E}">
+        <p14:creationId xmlns:p14="http://schemas.microsoft.com/office/powerpoint/2010/main" val="1361009746"/>
+      </p:ext>
+    </p:extLst>
+  </p:cSld>
+  <p:clrMapOvr>
+    <a:masterClrMapping/>
+  </p:clrMapOvr>
+</p:sld>
+</file>
+
+<file path=ppt/slides/slide38.xml><?xml version="1.0" encoding="utf-8"?>
 <p:sld xmlns:a="http://schemas.openxmlformats.org/drawingml/2006/main" xmlns:r="http://schemas.openxmlformats.org/officeDocument/2006/relationships" xmlns:p="http://schemas.openxmlformats.org/presentationml/2006/main">
   <p:cSld>
     <p:spTree>
@@ -6641,7 +11804,7 @@
 </p:sld>
 </file>
 
-<file path=ppt/slides/slide32.xml><?xml version="1.0" encoding="utf-8"?>
+<file path=ppt/slides/slide39.xml><?xml version="1.0" encoding="utf-8"?>
 <p:sld xmlns:a="http://schemas.openxmlformats.org/drawingml/2006/main" xmlns:r="http://schemas.openxmlformats.org/officeDocument/2006/relationships" xmlns:p="http://schemas.openxmlformats.org/presentationml/2006/main">
   <p:cSld>
     <p:spTree>
@@ -6723,306 +11886,6 @@
     <p:extLst>
       <p:ext uri="{BB962C8B-B14F-4D97-AF65-F5344CB8AC3E}">
         <p14:creationId xmlns:p14="http://schemas.microsoft.com/office/powerpoint/2010/main" val="2805026053"/>
-      </p:ext>
-    </p:extLst>
-  </p:cSld>
-  <p:clrMapOvr>
-    <a:masterClrMapping/>
-  </p:clrMapOvr>
-</p:sld>
-</file>
-
-<file path=ppt/slides/slide33.xml><?xml version="1.0" encoding="utf-8"?>
-<p:sld xmlns:a="http://schemas.openxmlformats.org/drawingml/2006/main" xmlns:r="http://schemas.openxmlformats.org/officeDocument/2006/relationships" xmlns:p="http://schemas.openxmlformats.org/presentationml/2006/main">
-  <p:cSld>
-    <p:spTree>
-      <p:nvGrpSpPr>
-        <p:cNvPr id="1" name="">
-          <a:extLst>
-            <a:ext uri="{FF2B5EF4-FFF2-40B4-BE49-F238E27FC236}">
-              <a16:creationId xmlns:a16="http://schemas.microsoft.com/office/drawing/2014/main" id="{8C6EFAD0-5EE1-B591-FDED-EE9044B0D1F9}"/>
-            </a:ext>
-          </a:extLst>
-        </p:cNvPr>
-        <p:cNvGrpSpPr/>
-        <p:nvPr/>
-      </p:nvGrpSpPr>
-      <p:grpSpPr>
-        <a:xfrm>
-          <a:off x="0" y="0"/>
-          <a:ext cx="0" cy="0"/>
-          <a:chOff x="0" y="0"/>
-          <a:chExt cx="0" cy="0"/>
-        </a:xfrm>
-      </p:grpSpPr>
-      <p:sp>
-        <p:nvSpPr>
-          <p:cNvPr id="2" name="Titre 1">
-            <a:extLst>
-              <a:ext uri="{FF2B5EF4-FFF2-40B4-BE49-F238E27FC236}">
-                <a16:creationId xmlns:a16="http://schemas.microsoft.com/office/drawing/2014/main" id="{3EE73738-F7D7-1E2E-5134-BC04E53366B3}"/>
-              </a:ext>
-            </a:extLst>
-          </p:cNvPr>
-          <p:cNvSpPr>
-            <a:spLocks noGrp="1"/>
-          </p:cNvSpPr>
-          <p:nvPr>
-            <p:ph type="title"/>
-          </p:nvPr>
-        </p:nvSpPr>
-        <p:spPr/>
-        <p:txBody>
-          <a:bodyPr/>
-          <a:lstStyle/>
-          <a:p>
-            <a:r>
-              <a:rPr lang="fr-FR" dirty="0"/>
-              <a:t>5. Constructeurs</a:t>
-            </a:r>
-            <a:br>
-              <a:rPr lang="fr-FR" dirty="0"/>
-            </a:br>
-            <a:endParaRPr lang="fr-BE" dirty="0"/>
-          </a:p>
-        </p:txBody>
-      </p:sp>
-      <p:sp>
-        <p:nvSpPr>
-          <p:cNvPr id="3" name="Espace réservé du contenu 2">
-            <a:extLst>
-              <a:ext uri="{FF2B5EF4-FFF2-40B4-BE49-F238E27FC236}">
-                <a16:creationId xmlns:a16="http://schemas.microsoft.com/office/drawing/2014/main" id="{47941D7A-5913-CBAF-04FA-DF93DBEA171F}"/>
-              </a:ext>
-            </a:extLst>
-          </p:cNvPr>
-          <p:cNvSpPr>
-            <a:spLocks noGrp="1"/>
-          </p:cNvSpPr>
-          <p:nvPr>
-            <p:ph idx="1"/>
-          </p:nvPr>
-        </p:nvSpPr>
-        <p:spPr/>
-        <p:txBody>
-          <a:bodyPr/>
-          <a:lstStyle/>
-          <a:p>
-            <a:pPr lvl="1"/>
-            <a:r>
-              <a:rPr lang="fr-FR" dirty="0"/>
-              <a:t>Utilisation</a:t>
-            </a:r>
-          </a:p>
-          <a:p>
-            <a:endParaRPr lang="fr-BE" dirty="0"/>
-          </a:p>
-        </p:txBody>
-      </p:sp>
-    </p:spTree>
-    <p:extLst>
-      <p:ext uri="{BB962C8B-B14F-4D97-AF65-F5344CB8AC3E}">
-        <p14:creationId xmlns:p14="http://schemas.microsoft.com/office/powerpoint/2010/main" val="1788557596"/>
-      </p:ext>
-    </p:extLst>
-  </p:cSld>
-  <p:clrMapOvr>
-    <a:masterClrMapping/>
-  </p:clrMapOvr>
-</p:sld>
-</file>
-
-<file path=ppt/slides/slide34.xml><?xml version="1.0" encoding="utf-8"?>
-<p:sld xmlns:a="http://schemas.openxmlformats.org/drawingml/2006/main" xmlns:r="http://schemas.openxmlformats.org/officeDocument/2006/relationships" xmlns:p="http://schemas.openxmlformats.org/presentationml/2006/main">
-  <p:cSld>
-    <p:spTree>
-      <p:nvGrpSpPr>
-        <p:cNvPr id="1" name="">
-          <a:extLst>
-            <a:ext uri="{FF2B5EF4-FFF2-40B4-BE49-F238E27FC236}">
-              <a16:creationId xmlns:a16="http://schemas.microsoft.com/office/drawing/2014/main" id="{EDB85471-6EE2-0914-B130-B63B4FF7D13D}"/>
-            </a:ext>
-          </a:extLst>
-        </p:cNvPr>
-        <p:cNvGrpSpPr/>
-        <p:nvPr/>
-      </p:nvGrpSpPr>
-      <p:grpSpPr>
-        <a:xfrm>
-          <a:off x="0" y="0"/>
-          <a:ext cx="0" cy="0"/>
-          <a:chOff x="0" y="0"/>
-          <a:chExt cx="0" cy="0"/>
-        </a:xfrm>
-      </p:grpSpPr>
-      <p:sp>
-        <p:nvSpPr>
-          <p:cNvPr id="2" name="Titre 1">
-            <a:extLst>
-              <a:ext uri="{FF2B5EF4-FFF2-40B4-BE49-F238E27FC236}">
-                <a16:creationId xmlns:a16="http://schemas.microsoft.com/office/drawing/2014/main" id="{1D0B6B91-2EA0-8B20-1BD9-A7ADBBC9C7F1}"/>
-              </a:ext>
-            </a:extLst>
-          </p:cNvPr>
-          <p:cNvSpPr>
-            <a:spLocks noGrp="1"/>
-          </p:cNvSpPr>
-          <p:nvPr>
-            <p:ph type="title"/>
-          </p:nvPr>
-        </p:nvSpPr>
-        <p:spPr/>
-        <p:txBody>
-          <a:bodyPr/>
-          <a:lstStyle/>
-          <a:p>
-            <a:r>
-              <a:rPr lang="fr-FR" dirty="0"/>
-              <a:t>5. Constructeurs</a:t>
-            </a:r>
-            <a:br>
-              <a:rPr lang="fr-FR" dirty="0"/>
-            </a:br>
-            <a:endParaRPr lang="fr-BE" dirty="0"/>
-          </a:p>
-        </p:txBody>
-      </p:sp>
-      <p:sp>
-        <p:nvSpPr>
-          <p:cNvPr id="3" name="Espace réservé du contenu 2">
-            <a:extLst>
-              <a:ext uri="{FF2B5EF4-FFF2-40B4-BE49-F238E27FC236}">
-                <a16:creationId xmlns:a16="http://schemas.microsoft.com/office/drawing/2014/main" id="{FA84A0AA-0713-A520-FC23-292C7924BF99}"/>
-              </a:ext>
-            </a:extLst>
-          </p:cNvPr>
-          <p:cNvSpPr>
-            <a:spLocks noGrp="1"/>
-          </p:cNvSpPr>
-          <p:nvPr>
-            <p:ph idx="1"/>
-          </p:nvPr>
-        </p:nvSpPr>
-        <p:spPr/>
-        <p:txBody>
-          <a:bodyPr/>
-          <a:lstStyle/>
-          <a:p>
-            <a:pPr lvl="1"/>
-            <a:r>
-              <a:rPr lang="fr-FR" dirty="0"/>
-              <a:t>Mauvaise Utilisation</a:t>
-            </a:r>
-          </a:p>
-          <a:p>
-            <a:endParaRPr lang="fr-BE" dirty="0"/>
-          </a:p>
-        </p:txBody>
-      </p:sp>
-    </p:spTree>
-    <p:extLst>
-      <p:ext uri="{BB962C8B-B14F-4D97-AF65-F5344CB8AC3E}">
-        <p14:creationId xmlns:p14="http://schemas.microsoft.com/office/powerpoint/2010/main" val="3749583059"/>
-      </p:ext>
-    </p:extLst>
-  </p:cSld>
-  <p:clrMapOvr>
-    <a:masterClrMapping/>
-  </p:clrMapOvr>
-</p:sld>
-</file>
-
-<file path=ppt/slides/slide35.xml><?xml version="1.0" encoding="utf-8"?>
-<p:sld xmlns:a="http://schemas.openxmlformats.org/drawingml/2006/main" xmlns:r="http://schemas.openxmlformats.org/officeDocument/2006/relationships" xmlns:p="http://schemas.openxmlformats.org/presentationml/2006/main">
-  <p:cSld>
-    <p:spTree>
-      <p:nvGrpSpPr>
-        <p:cNvPr id="1" name="">
-          <a:extLst>
-            <a:ext uri="{FF2B5EF4-FFF2-40B4-BE49-F238E27FC236}">
-              <a16:creationId xmlns:a16="http://schemas.microsoft.com/office/drawing/2014/main" id="{2468BD63-17D4-C5E1-384C-80C90959E99C}"/>
-            </a:ext>
-          </a:extLst>
-        </p:cNvPr>
-        <p:cNvGrpSpPr/>
-        <p:nvPr/>
-      </p:nvGrpSpPr>
-      <p:grpSpPr>
-        <a:xfrm>
-          <a:off x="0" y="0"/>
-          <a:ext cx="0" cy="0"/>
-          <a:chOff x="0" y="0"/>
-          <a:chExt cx="0" cy="0"/>
-        </a:xfrm>
-      </p:grpSpPr>
-      <p:sp>
-        <p:nvSpPr>
-          <p:cNvPr id="2" name="Titre 1">
-            <a:extLst>
-              <a:ext uri="{FF2B5EF4-FFF2-40B4-BE49-F238E27FC236}">
-                <a16:creationId xmlns:a16="http://schemas.microsoft.com/office/drawing/2014/main" id="{E9518231-3649-C7E3-DEE7-354D9C9330B5}"/>
-              </a:ext>
-            </a:extLst>
-          </p:cNvPr>
-          <p:cNvSpPr>
-            <a:spLocks noGrp="1"/>
-          </p:cNvSpPr>
-          <p:nvPr>
-            <p:ph type="title"/>
-          </p:nvPr>
-        </p:nvSpPr>
-        <p:spPr/>
-        <p:txBody>
-          <a:bodyPr/>
-          <a:lstStyle/>
-          <a:p>
-            <a:r>
-              <a:rPr lang="fr-FR" dirty="0"/>
-              <a:t>5. Constructeurs</a:t>
-            </a:r>
-            <a:br>
-              <a:rPr lang="fr-FR" dirty="0"/>
-            </a:br>
-            <a:endParaRPr lang="fr-BE" dirty="0"/>
-          </a:p>
-        </p:txBody>
-      </p:sp>
-      <p:sp>
-        <p:nvSpPr>
-          <p:cNvPr id="3" name="Espace réservé du contenu 2">
-            <a:extLst>
-              <a:ext uri="{FF2B5EF4-FFF2-40B4-BE49-F238E27FC236}">
-                <a16:creationId xmlns:a16="http://schemas.microsoft.com/office/drawing/2014/main" id="{11711C70-17E2-70EB-7A89-E09D8E6C1F8B}"/>
-              </a:ext>
-            </a:extLst>
-          </p:cNvPr>
-          <p:cNvSpPr>
-            <a:spLocks noGrp="1"/>
-          </p:cNvSpPr>
-          <p:nvPr>
-            <p:ph idx="1"/>
-          </p:nvPr>
-        </p:nvSpPr>
-        <p:spPr/>
-        <p:txBody>
-          <a:bodyPr/>
-          <a:lstStyle/>
-          <a:p>
-            <a:pPr lvl="1"/>
-            <a:r>
-              <a:rPr lang="fr-FR" dirty="0"/>
-              <a:t>Orienté objet en JS (3)</a:t>
-            </a:r>
-          </a:p>
-          <a:p>
-            <a:endParaRPr lang="fr-BE" dirty="0"/>
-          </a:p>
-        </p:txBody>
-      </p:sp>
-    </p:spTree>
-    <p:extLst>
-      <p:ext uri="{BB962C8B-B14F-4D97-AF65-F5344CB8AC3E}">
-        <p14:creationId xmlns:p14="http://schemas.microsoft.com/office/powerpoint/2010/main" val="511593771"/>
       </p:ext>
     </p:extLst>
   </p:cSld>
@@ -7161,6 +12024,306 @@
 </p:sld>
 </file>
 
+<file path=ppt/slides/slide40.xml><?xml version="1.0" encoding="utf-8"?>
+<p:sld xmlns:a="http://schemas.openxmlformats.org/drawingml/2006/main" xmlns:r="http://schemas.openxmlformats.org/officeDocument/2006/relationships" xmlns:p="http://schemas.openxmlformats.org/presentationml/2006/main">
+  <p:cSld>
+    <p:spTree>
+      <p:nvGrpSpPr>
+        <p:cNvPr id="1" name="">
+          <a:extLst>
+            <a:ext uri="{FF2B5EF4-FFF2-40B4-BE49-F238E27FC236}">
+              <a16:creationId xmlns:a16="http://schemas.microsoft.com/office/drawing/2014/main" id="{8C6EFAD0-5EE1-B591-FDED-EE9044B0D1F9}"/>
+            </a:ext>
+          </a:extLst>
+        </p:cNvPr>
+        <p:cNvGrpSpPr/>
+        <p:nvPr/>
+      </p:nvGrpSpPr>
+      <p:grpSpPr>
+        <a:xfrm>
+          <a:off x="0" y="0"/>
+          <a:ext cx="0" cy="0"/>
+          <a:chOff x="0" y="0"/>
+          <a:chExt cx="0" cy="0"/>
+        </a:xfrm>
+      </p:grpSpPr>
+      <p:sp>
+        <p:nvSpPr>
+          <p:cNvPr id="2" name="Titre 1">
+            <a:extLst>
+              <a:ext uri="{FF2B5EF4-FFF2-40B4-BE49-F238E27FC236}">
+                <a16:creationId xmlns:a16="http://schemas.microsoft.com/office/drawing/2014/main" id="{3EE73738-F7D7-1E2E-5134-BC04E53366B3}"/>
+              </a:ext>
+            </a:extLst>
+          </p:cNvPr>
+          <p:cNvSpPr>
+            <a:spLocks noGrp="1"/>
+          </p:cNvSpPr>
+          <p:nvPr>
+            <p:ph type="title"/>
+          </p:nvPr>
+        </p:nvSpPr>
+        <p:spPr/>
+        <p:txBody>
+          <a:bodyPr/>
+          <a:lstStyle/>
+          <a:p>
+            <a:r>
+              <a:rPr lang="fr-FR" dirty="0"/>
+              <a:t>5. Constructeurs</a:t>
+            </a:r>
+            <a:br>
+              <a:rPr lang="fr-FR" dirty="0"/>
+            </a:br>
+            <a:endParaRPr lang="fr-BE" dirty="0"/>
+          </a:p>
+        </p:txBody>
+      </p:sp>
+      <p:sp>
+        <p:nvSpPr>
+          <p:cNvPr id="3" name="Espace réservé du contenu 2">
+            <a:extLst>
+              <a:ext uri="{FF2B5EF4-FFF2-40B4-BE49-F238E27FC236}">
+                <a16:creationId xmlns:a16="http://schemas.microsoft.com/office/drawing/2014/main" id="{47941D7A-5913-CBAF-04FA-DF93DBEA171F}"/>
+              </a:ext>
+            </a:extLst>
+          </p:cNvPr>
+          <p:cNvSpPr>
+            <a:spLocks noGrp="1"/>
+          </p:cNvSpPr>
+          <p:nvPr>
+            <p:ph idx="1"/>
+          </p:nvPr>
+        </p:nvSpPr>
+        <p:spPr/>
+        <p:txBody>
+          <a:bodyPr/>
+          <a:lstStyle/>
+          <a:p>
+            <a:pPr lvl="1"/>
+            <a:r>
+              <a:rPr lang="fr-FR" dirty="0"/>
+              <a:t>Utilisation</a:t>
+            </a:r>
+          </a:p>
+          <a:p>
+            <a:endParaRPr lang="fr-BE" dirty="0"/>
+          </a:p>
+        </p:txBody>
+      </p:sp>
+    </p:spTree>
+    <p:extLst>
+      <p:ext uri="{BB962C8B-B14F-4D97-AF65-F5344CB8AC3E}">
+        <p14:creationId xmlns:p14="http://schemas.microsoft.com/office/powerpoint/2010/main" val="1788557596"/>
+      </p:ext>
+    </p:extLst>
+  </p:cSld>
+  <p:clrMapOvr>
+    <a:masterClrMapping/>
+  </p:clrMapOvr>
+</p:sld>
+</file>
+
+<file path=ppt/slides/slide41.xml><?xml version="1.0" encoding="utf-8"?>
+<p:sld xmlns:a="http://schemas.openxmlformats.org/drawingml/2006/main" xmlns:r="http://schemas.openxmlformats.org/officeDocument/2006/relationships" xmlns:p="http://schemas.openxmlformats.org/presentationml/2006/main">
+  <p:cSld>
+    <p:spTree>
+      <p:nvGrpSpPr>
+        <p:cNvPr id="1" name="">
+          <a:extLst>
+            <a:ext uri="{FF2B5EF4-FFF2-40B4-BE49-F238E27FC236}">
+              <a16:creationId xmlns:a16="http://schemas.microsoft.com/office/drawing/2014/main" id="{EDB85471-6EE2-0914-B130-B63B4FF7D13D}"/>
+            </a:ext>
+          </a:extLst>
+        </p:cNvPr>
+        <p:cNvGrpSpPr/>
+        <p:nvPr/>
+      </p:nvGrpSpPr>
+      <p:grpSpPr>
+        <a:xfrm>
+          <a:off x="0" y="0"/>
+          <a:ext cx="0" cy="0"/>
+          <a:chOff x="0" y="0"/>
+          <a:chExt cx="0" cy="0"/>
+        </a:xfrm>
+      </p:grpSpPr>
+      <p:sp>
+        <p:nvSpPr>
+          <p:cNvPr id="2" name="Titre 1">
+            <a:extLst>
+              <a:ext uri="{FF2B5EF4-FFF2-40B4-BE49-F238E27FC236}">
+                <a16:creationId xmlns:a16="http://schemas.microsoft.com/office/drawing/2014/main" id="{1D0B6B91-2EA0-8B20-1BD9-A7ADBBC9C7F1}"/>
+              </a:ext>
+            </a:extLst>
+          </p:cNvPr>
+          <p:cNvSpPr>
+            <a:spLocks noGrp="1"/>
+          </p:cNvSpPr>
+          <p:nvPr>
+            <p:ph type="title"/>
+          </p:nvPr>
+        </p:nvSpPr>
+        <p:spPr/>
+        <p:txBody>
+          <a:bodyPr/>
+          <a:lstStyle/>
+          <a:p>
+            <a:r>
+              <a:rPr lang="fr-FR" dirty="0"/>
+              <a:t>5. Constructeurs</a:t>
+            </a:r>
+            <a:br>
+              <a:rPr lang="fr-FR" dirty="0"/>
+            </a:br>
+            <a:endParaRPr lang="fr-BE" dirty="0"/>
+          </a:p>
+        </p:txBody>
+      </p:sp>
+      <p:sp>
+        <p:nvSpPr>
+          <p:cNvPr id="3" name="Espace réservé du contenu 2">
+            <a:extLst>
+              <a:ext uri="{FF2B5EF4-FFF2-40B4-BE49-F238E27FC236}">
+                <a16:creationId xmlns:a16="http://schemas.microsoft.com/office/drawing/2014/main" id="{FA84A0AA-0713-A520-FC23-292C7924BF99}"/>
+              </a:ext>
+            </a:extLst>
+          </p:cNvPr>
+          <p:cNvSpPr>
+            <a:spLocks noGrp="1"/>
+          </p:cNvSpPr>
+          <p:nvPr>
+            <p:ph idx="1"/>
+          </p:nvPr>
+        </p:nvSpPr>
+        <p:spPr/>
+        <p:txBody>
+          <a:bodyPr/>
+          <a:lstStyle/>
+          <a:p>
+            <a:pPr lvl="1"/>
+            <a:r>
+              <a:rPr lang="fr-FR" dirty="0"/>
+              <a:t>Mauvaise Utilisation</a:t>
+            </a:r>
+          </a:p>
+          <a:p>
+            <a:endParaRPr lang="fr-BE" dirty="0"/>
+          </a:p>
+        </p:txBody>
+      </p:sp>
+    </p:spTree>
+    <p:extLst>
+      <p:ext uri="{BB962C8B-B14F-4D97-AF65-F5344CB8AC3E}">
+        <p14:creationId xmlns:p14="http://schemas.microsoft.com/office/powerpoint/2010/main" val="3749583059"/>
+      </p:ext>
+    </p:extLst>
+  </p:cSld>
+  <p:clrMapOvr>
+    <a:masterClrMapping/>
+  </p:clrMapOvr>
+</p:sld>
+</file>
+
+<file path=ppt/slides/slide42.xml><?xml version="1.0" encoding="utf-8"?>
+<p:sld xmlns:a="http://schemas.openxmlformats.org/drawingml/2006/main" xmlns:r="http://schemas.openxmlformats.org/officeDocument/2006/relationships" xmlns:p="http://schemas.openxmlformats.org/presentationml/2006/main">
+  <p:cSld>
+    <p:spTree>
+      <p:nvGrpSpPr>
+        <p:cNvPr id="1" name="">
+          <a:extLst>
+            <a:ext uri="{FF2B5EF4-FFF2-40B4-BE49-F238E27FC236}">
+              <a16:creationId xmlns:a16="http://schemas.microsoft.com/office/drawing/2014/main" id="{2468BD63-17D4-C5E1-384C-80C90959E99C}"/>
+            </a:ext>
+          </a:extLst>
+        </p:cNvPr>
+        <p:cNvGrpSpPr/>
+        <p:nvPr/>
+      </p:nvGrpSpPr>
+      <p:grpSpPr>
+        <a:xfrm>
+          <a:off x="0" y="0"/>
+          <a:ext cx="0" cy="0"/>
+          <a:chOff x="0" y="0"/>
+          <a:chExt cx="0" cy="0"/>
+        </a:xfrm>
+      </p:grpSpPr>
+      <p:sp>
+        <p:nvSpPr>
+          <p:cNvPr id="2" name="Titre 1">
+            <a:extLst>
+              <a:ext uri="{FF2B5EF4-FFF2-40B4-BE49-F238E27FC236}">
+                <a16:creationId xmlns:a16="http://schemas.microsoft.com/office/drawing/2014/main" id="{E9518231-3649-C7E3-DEE7-354D9C9330B5}"/>
+              </a:ext>
+            </a:extLst>
+          </p:cNvPr>
+          <p:cNvSpPr>
+            <a:spLocks noGrp="1"/>
+          </p:cNvSpPr>
+          <p:nvPr>
+            <p:ph type="title"/>
+          </p:nvPr>
+        </p:nvSpPr>
+        <p:spPr/>
+        <p:txBody>
+          <a:bodyPr/>
+          <a:lstStyle/>
+          <a:p>
+            <a:r>
+              <a:rPr lang="fr-FR" dirty="0"/>
+              <a:t>5. Constructeurs</a:t>
+            </a:r>
+            <a:br>
+              <a:rPr lang="fr-FR" dirty="0"/>
+            </a:br>
+            <a:endParaRPr lang="fr-BE" dirty="0"/>
+          </a:p>
+        </p:txBody>
+      </p:sp>
+      <p:sp>
+        <p:nvSpPr>
+          <p:cNvPr id="3" name="Espace réservé du contenu 2">
+            <a:extLst>
+              <a:ext uri="{FF2B5EF4-FFF2-40B4-BE49-F238E27FC236}">
+                <a16:creationId xmlns:a16="http://schemas.microsoft.com/office/drawing/2014/main" id="{11711C70-17E2-70EB-7A89-E09D8E6C1F8B}"/>
+              </a:ext>
+            </a:extLst>
+          </p:cNvPr>
+          <p:cNvSpPr>
+            <a:spLocks noGrp="1"/>
+          </p:cNvSpPr>
+          <p:nvPr>
+            <p:ph idx="1"/>
+          </p:nvPr>
+        </p:nvSpPr>
+        <p:spPr/>
+        <p:txBody>
+          <a:bodyPr/>
+          <a:lstStyle/>
+          <a:p>
+            <a:pPr lvl="1"/>
+            <a:r>
+              <a:rPr lang="fr-FR" dirty="0"/>
+              <a:t>Orienté objet en JS (3)</a:t>
+            </a:r>
+          </a:p>
+          <a:p>
+            <a:endParaRPr lang="fr-BE" dirty="0"/>
+          </a:p>
+        </p:txBody>
+      </p:sp>
+    </p:spTree>
+    <p:extLst>
+      <p:ext uri="{BB962C8B-B14F-4D97-AF65-F5344CB8AC3E}">
+        <p14:creationId xmlns:p14="http://schemas.microsoft.com/office/powerpoint/2010/main" val="511593771"/>
+      </p:ext>
+    </p:extLst>
+  </p:cSld>
+  <p:clrMapOvr>
+    <a:masterClrMapping/>
+  </p:clrMapOvr>
+</p:sld>
+</file>
+
 <file path=ppt/slides/slide5.xml><?xml version="1.0" encoding="utf-8"?>
 <p:sld xmlns:a="http://schemas.openxmlformats.org/drawingml/2006/main" xmlns:r="http://schemas.openxmlformats.org/officeDocument/2006/relationships" xmlns:p="http://schemas.openxmlformats.org/presentationml/2006/main">
   <p:cSld>
@@ -7232,7 +12395,7 @@
         <p:spPr/>
         <p:txBody>
           <a:bodyPr>
-            <a:normAutofit fontScale="92500" lnSpcReduction="10000"/>
+            <a:normAutofit lnSpcReduction="10000"/>
           </a:bodyPr>
           <a:lstStyle/>
           <a:p>
@@ -7267,13 +12430,6 @@
             <a:r>
               <a:rPr lang="fr-FR" dirty="0"/>
               <a:t>__proto__</a:t>
-            </a:r>
-          </a:p>
-          <a:p>
-            <a:pPr lvl="1"/>
-            <a:r>
-              <a:rPr lang="fr-FR" dirty="0"/>
-              <a:t>La chaine des prototypes</a:t>
             </a:r>
           </a:p>
           <a:p>
@@ -7538,7 +12694,7 @@
             <a:pPr lvl="2"/>
             <a:r>
               <a:rPr lang="fr-FR" dirty="0"/>
-              <a:t>La déclaration es </a:t>
+              <a:t>La déclaration est </a:t>
             </a:r>
             <a:r>
               <a:rPr lang="fr-FR" dirty="0" err="1"/>
@@ -7685,7 +12841,7 @@
           <a:p>
             <a:r>
               <a:rPr lang="fr-FR" dirty="0"/>
-              <a:t>Fonction nommée ( &lt;&gt; fonction anonymes)</a:t>
+              <a:t>Fonction nommée </a:t>
             </a:r>
           </a:p>
           <a:p>
@@ -7704,7 +12860,7 @@
             <a:pPr lvl="2"/>
             <a:r>
               <a:rPr lang="fr-FR" dirty="0"/>
-              <a:t>Déclaration fonctionnelle</a:t>
+              <a:t>expression fonctionnelle</a:t>
             </a:r>
           </a:p>
           <a:p>
@@ -7880,12 +13036,14 @@
         </p:nvSpPr>
         <p:spPr/>
         <p:txBody>
-          <a:bodyPr/>
-          <a:lstStyle/>
-          <a:p>
-            <a:r>
-              <a:rPr lang="fr-FR" dirty="0"/>
-              <a:t>Fonction nommée ( &lt;&gt; fonction anonymes)</a:t>
+          <a:bodyPr>
+            <a:normAutofit fontScale="92500" lnSpcReduction="10000"/>
+          </a:bodyPr>
+          <a:lstStyle/>
+          <a:p>
+            <a:r>
+              <a:rPr lang="fr-FR" dirty="0"/>
+              <a:t>Fonction nommée </a:t>
             </a:r>
           </a:p>
           <a:p>
@@ -7904,11 +13062,152 @@
             <a:pPr lvl="2"/>
             <a:r>
               <a:rPr lang="fr-FR" dirty="0"/>
-              <a:t>déclaration</a:t>
-            </a:r>
-          </a:p>
-        </p:txBody>
-      </p:sp>
+              <a:t>Via constructeur </a:t>
+            </a:r>
+            <a:r>
+              <a:rPr lang="fr-FR" dirty="0" err="1"/>
+              <a:t>Function</a:t>
+            </a:r>
+            <a:endParaRPr lang="fr-FR" dirty="0"/>
+          </a:p>
+          <a:p>
+            <a:pPr lvl="3"/>
+            <a:endParaRPr lang="fr-FR" dirty="0"/>
+          </a:p>
+          <a:p>
+            <a:pPr lvl="3"/>
+            <a:endParaRPr lang="fr-FR" dirty="0"/>
+          </a:p>
+          <a:p>
+            <a:pPr lvl="3"/>
+            <a:endParaRPr lang="fr-FR" dirty="0"/>
+          </a:p>
+          <a:p>
+            <a:pPr lvl="2"/>
+            <a:endParaRPr lang="fr-FR" dirty="0"/>
+          </a:p>
+          <a:p>
+            <a:pPr lvl="2"/>
+            <a:endParaRPr lang="fr-FR" dirty="0"/>
+          </a:p>
+          <a:p>
+            <a:pPr lvl="2"/>
+            <a:r>
+              <a:rPr lang="fr-FR" dirty="0"/>
+              <a:t>Une fonction est un objet</a:t>
+            </a:r>
+          </a:p>
+          <a:p>
+            <a:pPr lvl="2"/>
+            <a:r>
+              <a:rPr lang="fr-FR" dirty="0"/>
+              <a:t>Ordre des arguments du constructeur</a:t>
+            </a:r>
+          </a:p>
+          <a:p>
+            <a:pPr lvl="3"/>
+            <a:r>
+              <a:rPr lang="fr-FR" dirty="0"/>
+              <a:t>Paramètres formels</a:t>
+            </a:r>
+          </a:p>
+          <a:p>
+            <a:pPr lvl="3"/>
+            <a:r>
+              <a:rPr lang="fr-FR" dirty="0"/>
+              <a:t>Code</a:t>
+            </a:r>
+          </a:p>
+          <a:p>
+            <a:pPr lvl="2"/>
+            <a:r>
+              <a:rPr lang="fr-FR" dirty="0"/>
+              <a:t>Avec var, la déclaration est </a:t>
+            </a:r>
+            <a:r>
+              <a:rPr lang="fr-FR" dirty="0" err="1"/>
+              <a:t>hoistée</a:t>
+            </a:r>
+            <a:r>
+              <a:rPr lang="fr-FR" dirty="0"/>
+              <a:t> en tête de scope fonctionnel, </a:t>
+            </a:r>
+            <a:r>
+              <a:rPr lang="fr-FR" u="sng" dirty="0"/>
+              <a:t>mais pas l’initialisation</a:t>
+            </a:r>
+          </a:p>
+          <a:p>
+            <a:pPr lvl="2"/>
+            <a:r>
+              <a:rPr lang="fr-FR" dirty="0"/>
+              <a:t>[Clean Code] </a:t>
+            </a:r>
+            <a:r>
+              <a:rPr lang="fr-FR" dirty="0">
+                <a:solidFill>
+                  <a:srgbClr val="FF0000"/>
+                </a:solidFill>
+              </a:rPr>
+              <a:t>à éviter</a:t>
+            </a:r>
+          </a:p>
+          <a:p>
+            <a:pPr lvl="2"/>
+            <a:endParaRPr lang="fr-FR" dirty="0"/>
+          </a:p>
+          <a:p>
+            <a:pPr lvl="2"/>
+            <a:endParaRPr lang="fr-FR" dirty="0"/>
+          </a:p>
+        </p:txBody>
+      </p:sp>
+      <p:pic>
+        <p:nvPicPr>
+          <p:cNvPr id="5" name="Image 4" descr="Une image contenant texte, Police, Bleu électrique, blanc&#10;&#10;Le contenu généré par l’IA peut être incorrect.">
+            <a:extLst>
+              <a:ext uri="{FF2B5EF4-FFF2-40B4-BE49-F238E27FC236}">
+                <a16:creationId xmlns:a16="http://schemas.microsoft.com/office/drawing/2014/main" id="{20750B8D-9088-9A68-134E-4EED5953D696}"/>
+              </a:ext>
+            </a:extLst>
+          </p:cNvPr>
+          <p:cNvPicPr>
+            <a:picLocks noChangeAspect="1"/>
+          </p:cNvPicPr>
+          <p:nvPr/>
+        </p:nvPicPr>
+        <p:blipFill>
+          <a:blip r:embed="rId2">
+            <a:extLst>
+              <a:ext uri="{28A0092B-C50C-407E-A947-70E740481C1C}">
+                <a14:useLocalDpi xmlns:a14="http://schemas.microsoft.com/office/drawing/2010/main" val="0"/>
+              </a:ext>
+            </a:extLst>
+          </a:blip>
+          <a:stretch>
+            <a:fillRect/>
+          </a:stretch>
+        </p:blipFill>
+        <p:spPr>
+          <a:xfrm>
+            <a:off x="5076559" y="2685946"/>
+            <a:ext cx="6011114" cy="1486107"/>
+          </a:xfrm>
+          <a:prstGeom prst="rect">
+            <a:avLst/>
+          </a:prstGeom>
+          <a:ln>
+            <a:noFill/>
+          </a:ln>
+          <a:effectLst>
+            <a:outerShdw blurRad="292100" dist="139700" dir="2700000" algn="tl" rotWithShape="0">
+              <a:srgbClr val="333333">
+                <a:alpha val="65000"/>
+              </a:srgbClr>
+            </a:outerShdw>
+          </a:effectLst>
+        </p:spPr>
+      </p:pic>
     </p:spTree>
     <p:extLst>
       <p:ext uri="{BB962C8B-B14F-4D97-AF65-F5344CB8AC3E}">
@@ -8235,4 +13534,319 @@
     </a:ext>
   </a:extLst>
 </a:theme>
+</file>
+
+<file path=ppt/theme/theme2.xml><?xml version="1.0" encoding="utf-8"?>
+<a:theme xmlns:a="http://schemas.openxmlformats.org/drawingml/2006/main" name="Thème Office">
+  <a:themeElements>
+    <a:clrScheme name="Office">
+      <a:dk1>
+        <a:sysClr val="windowText" lastClr="000000"/>
+      </a:dk1>
+      <a:lt1>
+        <a:sysClr val="window" lastClr="FFFFFF"/>
+      </a:lt1>
+      <a:dk2>
+        <a:srgbClr val="0E2841"/>
+      </a:dk2>
+      <a:lt2>
+        <a:srgbClr val="E8E8E8"/>
+      </a:lt2>
+      <a:accent1>
+        <a:srgbClr val="156082"/>
+      </a:accent1>
+      <a:accent2>
+        <a:srgbClr val="E97132"/>
+      </a:accent2>
+      <a:accent3>
+        <a:srgbClr val="196B24"/>
+      </a:accent3>
+      <a:accent4>
+        <a:srgbClr val="0F9ED5"/>
+      </a:accent4>
+      <a:accent5>
+        <a:srgbClr val="A02B93"/>
+      </a:accent5>
+      <a:accent6>
+        <a:srgbClr val="4EA72E"/>
+      </a:accent6>
+      <a:hlink>
+        <a:srgbClr val="467886"/>
+      </a:hlink>
+      <a:folHlink>
+        <a:srgbClr val="96607D"/>
+      </a:folHlink>
+    </a:clrScheme>
+    <a:fontScheme name="Office">
+      <a:majorFont>
+        <a:latin typeface="Aptos Display" panose="02110004020202020204"/>
+        <a:ea typeface=""/>
+        <a:cs typeface=""/>
+        <a:font script="Jpan" typeface="游ゴシック Light"/>
+        <a:font script="Hang" typeface="맑은 고딕"/>
+        <a:font script="Hans" typeface="等线 Light"/>
+        <a:font script="Hant" typeface="新細明體"/>
+        <a:font script="Arab" typeface="Times New Roman"/>
+        <a:font script="Hebr" typeface="Times New Roman"/>
+        <a:font script="Thai" typeface="Angsana New"/>
+        <a:font script="Ethi" typeface="Nyala"/>
+        <a:font script="Beng" typeface="Vrinda"/>
+        <a:font script="Gujr" typeface="Shruti"/>
+        <a:font script="Khmr" typeface="MoolBoran"/>
+        <a:font script="Knda" typeface="Tunga"/>
+        <a:font script="Guru" typeface="Raavi"/>
+        <a:font script="Cans" typeface="Euphemia"/>
+        <a:font script="Cher" typeface="Plantagenet Cherokee"/>
+        <a:font script="Yiii" typeface="Microsoft Yi Baiti"/>
+        <a:font script="Tibt" typeface="Microsoft Himalaya"/>
+        <a:font script="Thaa" typeface="MV Boli"/>
+        <a:font script="Deva" typeface="Mangal"/>
+        <a:font script="Telu" typeface="Gautami"/>
+        <a:font script="Taml" typeface="Latha"/>
+        <a:font script="Syrc" typeface="Estrangelo Edessa"/>
+        <a:font script="Orya" typeface="Kalinga"/>
+        <a:font script="Mlym" typeface="Kartika"/>
+        <a:font script="Laoo" typeface="DokChampa"/>
+        <a:font script="Sinh" typeface="Iskoola Pota"/>
+        <a:font script="Mong" typeface="Mongolian Baiti"/>
+        <a:font script="Viet" typeface="Times New Roman"/>
+        <a:font script="Uigh" typeface="Microsoft Uighur"/>
+        <a:font script="Geor" typeface="Sylfaen"/>
+        <a:font script="Armn" typeface="Arial"/>
+        <a:font script="Bugi" typeface="Leelawadee UI"/>
+        <a:font script="Bopo" typeface="Microsoft JhengHei"/>
+        <a:font script="Java" typeface="Javanese Text"/>
+        <a:font script="Lisu" typeface="Segoe UI"/>
+        <a:font script="Mymr" typeface="Myanmar Text"/>
+        <a:font script="Nkoo" typeface="Ebrima"/>
+        <a:font script="Olck" typeface="Nirmala UI"/>
+        <a:font script="Osma" typeface="Ebrima"/>
+        <a:font script="Phag" typeface="Phagspa"/>
+        <a:font script="Syrn" typeface="Estrangelo Edessa"/>
+        <a:font script="Syrj" typeface="Estrangelo Edessa"/>
+        <a:font script="Syre" typeface="Estrangelo Edessa"/>
+        <a:font script="Sora" typeface="Nirmala UI"/>
+        <a:font script="Tale" typeface="Microsoft Tai Le"/>
+        <a:font script="Talu" typeface="Microsoft New Tai Lue"/>
+        <a:font script="Tfng" typeface="Ebrima"/>
+      </a:majorFont>
+      <a:minorFont>
+        <a:latin typeface="Aptos" panose="02110004020202020204"/>
+        <a:ea typeface=""/>
+        <a:cs typeface=""/>
+        <a:font script="Jpan" typeface="游ゴシック"/>
+        <a:font script="Hang" typeface="맑은 고딕"/>
+        <a:font script="Hans" typeface="等线"/>
+        <a:font script="Hant" typeface="新細明體"/>
+        <a:font script="Arab" typeface="Arial"/>
+        <a:font script="Hebr" typeface="Arial"/>
+        <a:font script="Thai" typeface="Cordia New"/>
+        <a:font script="Ethi" typeface="Nyala"/>
+        <a:font script="Beng" typeface="Vrinda"/>
+        <a:font script="Gujr" typeface="Shruti"/>
+        <a:font script="Khmr" typeface="DaunPenh"/>
+        <a:font script="Knda" typeface="Tunga"/>
+        <a:font script="Guru" typeface="Raavi"/>
+        <a:font script="Cans" typeface="Euphemia"/>
+        <a:font script="Cher" typeface="Plantagenet Cherokee"/>
+        <a:font script="Yiii" typeface="Microsoft Yi Baiti"/>
+        <a:font script="Tibt" typeface="Microsoft Himalaya"/>
+        <a:font script="Thaa" typeface="MV Boli"/>
+        <a:font script="Deva" typeface="Mangal"/>
+        <a:font script="Telu" typeface="Gautami"/>
+        <a:font script="Taml" typeface="Latha"/>
+        <a:font script="Syrc" typeface="Estrangelo Edessa"/>
+        <a:font script="Orya" typeface="Kalinga"/>
+        <a:font script="Mlym" typeface="Kartika"/>
+        <a:font script="Laoo" typeface="DokChampa"/>
+        <a:font script="Sinh" typeface="Iskoola Pota"/>
+        <a:font script="Mong" typeface="Mongolian Baiti"/>
+        <a:font script="Viet" typeface="Arial"/>
+        <a:font script="Uigh" typeface="Microsoft Uighur"/>
+        <a:font script="Geor" typeface="Sylfaen"/>
+        <a:font script="Armn" typeface="Arial"/>
+        <a:font script="Bugi" typeface="Leelawadee UI"/>
+        <a:font script="Bopo" typeface="Microsoft JhengHei"/>
+        <a:font script="Java" typeface="Javanese Text"/>
+        <a:font script="Lisu" typeface="Segoe UI"/>
+        <a:font script="Mymr" typeface="Myanmar Text"/>
+        <a:font script="Nkoo" typeface="Ebrima"/>
+        <a:font script="Olck" typeface="Nirmala UI"/>
+        <a:font script="Osma" typeface="Ebrima"/>
+        <a:font script="Phag" typeface="Phagspa"/>
+        <a:font script="Syrn" typeface="Estrangelo Edessa"/>
+        <a:font script="Syrj" typeface="Estrangelo Edessa"/>
+        <a:font script="Syre" typeface="Estrangelo Edessa"/>
+        <a:font script="Sora" typeface="Nirmala UI"/>
+        <a:font script="Tale" typeface="Microsoft Tai Le"/>
+        <a:font script="Talu" typeface="Microsoft New Tai Lue"/>
+        <a:font script="Tfng" typeface="Ebrima"/>
+      </a:minorFont>
+    </a:fontScheme>
+    <a:fmtScheme name="Office">
+      <a:fillStyleLst>
+        <a:solidFill>
+          <a:schemeClr val="phClr"/>
+        </a:solidFill>
+        <a:gradFill rotWithShape="1">
+          <a:gsLst>
+            <a:gs pos="0">
+              <a:schemeClr val="phClr">
+                <a:lumMod val="110000"/>
+                <a:satMod val="105000"/>
+                <a:tint val="67000"/>
+              </a:schemeClr>
+            </a:gs>
+            <a:gs pos="50000">
+              <a:schemeClr val="phClr">
+                <a:lumMod val="105000"/>
+                <a:satMod val="103000"/>
+                <a:tint val="73000"/>
+              </a:schemeClr>
+            </a:gs>
+            <a:gs pos="100000">
+              <a:schemeClr val="phClr">
+                <a:lumMod val="105000"/>
+                <a:satMod val="109000"/>
+                <a:tint val="81000"/>
+              </a:schemeClr>
+            </a:gs>
+          </a:gsLst>
+          <a:lin ang="5400000" scaled="0"/>
+        </a:gradFill>
+        <a:gradFill rotWithShape="1">
+          <a:gsLst>
+            <a:gs pos="0">
+              <a:schemeClr val="phClr">
+                <a:satMod val="103000"/>
+                <a:lumMod val="102000"/>
+                <a:tint val="94000"/>
+              </a:schemeClr>
+            </a:gs>
+            <a:gs pos="50000">
+              <a:schemeClr val="phClr">
+                <a:satMod val="110000"/>
+                <a:lumMod val="100000"/>
+                <a:shade val="100000"/>
+              </a:schemeClr>
+            </a:gs>
+            <a:gs pos="100000">
+              <a:schemeClr val="phClr">
+                <a:lumMod val="99000"/>
+                <a:satMod val="120000"/>
+                <a:shade val="78000"/>
+              </a:schemeClr>
+            </a:gs>
+          </a:gsLst>
+          <a:lin ang="5400000" scaled="0"/>
+        </a:gradFill>
+      </a:fillStyleLst>
+      <a:lnStyleLst>
+        <a:ln w="12700" cap="flat" cmpd="sng" algn="ctr">
+          <a:solidFill>
+            <a:schemeClr val="phClr"/>
+          </a:solidFill>
+          <a:prstDash val="solid"/>
+          <a:miter lim="800000"/>
+        </a:ln>
+        <a:ln w="19050" cap="flat" cmpd="sng" algn="ctr">
+          <a:solidFill>
+            <a:schemeClr val="phClr"/>
+          </a:solidFill>
+          <a:prstDash val="solid"/>
+          <a:miter lim="800000"/>
+        </a:ln>
+        <a:ln w="25400" cap="flat" cmpd="sng" algn="ctr">
+          <a:solidFill>
+            <a:schemeClr val="phClr"/>
+          </a:solidFill>
+          <a:prstDash val="solid"/>
+          <a:miter lim="800000"/>
+        </a:ln>
+      </a:lnStyleLst>
+      <a:effectStyleLst>
+        <a:effectStyle>
+          <a:effectLst/>
+        </a:effectStyle>
+        <a:effectStyle>
+          <a:effectLst/>
+        </a:effectStyle>
+        <a:effectStyle>
+          <a:effectLst>
+            <a:outerShdw blurRad="57150" dist="19050" dir="5400000" algn="ctr" rotWithShape="0">
+              <a:srgbClr val="000000">
+                <a:alpha val="63000"/>
+              </a:srgbClr>
+            </a:outerShdw>
+          </a:effectLst>
+        </a:effectStyle>
+      </a:effectStyleLst>
+      <a:bgFillStyleLst>
+        <a:solidFill>
+          <a:schemeClr val="phClr"/>
+        </a:solidFill>
+        <a:solidFill>
+          <a:schemeClr val="phClr">
+            <a:tint val="95000"/>
+            <a:satMod val="170000"/>
+          </a:schemeClr>
+        </a:solidFill>
+        <a:gradFill rotWithShape="1">
+          <a:gsLst>
+            <a:gs pos="0">
+              <a:schemeClr val="phClr">
+                <a:tint val="93000"/>
+                <a:satMod val="150000"/>
+                <a:shade val="98000"/>
+                <a:lumMod val="102000"/>
+              </a:schemeClr>
+            </a:gs>
+            <a:gs pos="50000">
+              <a:schemeClr val="phClr">
+                <a:tint val="98000"/>
+                <a:satMod val="130000"/>
+                <a:shade val="90000"/>
+                <a:lumMod val="103000"/>
+              </a:schemeClr>
+            </a:gs>
+            <a:gs pos="100000">
+              <a:schemeClr val="phClr">
+                <a:shade val="63000"/>
+                <a:satMod val="120000"/>
+              </a:schemeClr>
+            </a:gs>
+          </a:gsLst>
+          <a:lin ang="5400000" scaled="0"/>
+        </a:gradFill>
+      </a:bgFillStyleLst>
+    </a:fmtScheme>
+  </a:themeElements>
+  <a:objectDefaults>
+    <a:lnDef>
+      <a:spPr/>
+      <a:bodyPr/>
+      <a:lstStyle/>
+      <a:style>
+        <a:lnRef idx="2">
+          <a:schemeClr val="accent1"/>
+        </a:lnRef>
+        <a:fillRef idx="0">
+          <a:schemeClr val="accent1"/>
+        </a:fillRef>
+        <a:effectRef idx="1">
+          <a:schemeClr val="accent1"/>
+        </a:effectRef>
+        <a:fontRef idx="minor">
+          <a:schemeClr val="tx1"/>
+        </a:fontRef>
+      </a:style>
+    </a:lnDef>
+  </a:objectDefaults>
+  <a:extraClrSchemeLst/>
+  <a:extLst>
+    <a:ext uri="{05A4C25C-085E-4340-85A3-A5531E510DB2}">
+      <thm15:themeFamily xmlns:thm15="http://schemas.microsoft.com/office/thememl/2012/main" name="Office Theme" id="{2E142A2C-CD16-42D6-873A-C26D2A0506FA}" vid="{1BDDFF52-6CD6-40A5-AB3C-68EB2F1E4D0A}"/>
+    </a:ext>
+  </a:extLst>
+</a:theme>
 </file>
--- a/Chapitre 6.pptx
+++ b/Chapitre 6.pptx
@@ -238,7 +238,7 @@
           <a:p>
             <a:fld id="{61351FF7-5C78-4294-846E-A935FF07D088}" type="datetimeFigureOut">
               <a:rPr lang="fr-BE" smtClean="0"/>
-              <a:t>29-12-25</a:t>
+              <a:t>03-01-26</a:t>
             </a:fld>
             <a:endParaRPr lang="fr-BE"/>
           </a:p>
@@ -1667,7 +1667,7 @@
           <a:p>
             <a:fld id="{AEBED520-9047-4E94-9C6B-DE22BBDBA390}" type="datetimeFigureOut">
               <a:rPr lang="fr-BE" smtClean="0"/>
-              <a:t>29-12-25</a:t>
+              <a:t>03-01-26</a:t>
             </a:fld>
             <a:endParaRPr lang="fr-BE"/>
           </a:p>
@@ -1867,7 +1867,7 @@
           <a:p>
             <a:fld id="{AEBED520-9047-4E94-9C6B-DE22BBDBA390}" type="datetimeFigureOut">
               <a:rPr lang="fr-BE" smtClean="0"/>
-              <a:t>29-12-25</a:t>
+              <a:t>03-01-26</a:t>
             </a:fld>
             <a:endParaRPr lang="fr-BE"/>
           </a:p>
@@ -2077,7 +2077,7 @@
           <a:p>
             <a:fld id="{AEBED520-9047-4E94-9C6B-DE22BBDBA390}" type="datetimeFigureOut">
               <a:rPr lang="fr-BE" smtClean="0"/>
-              <a:t>29-12-25</a:t>
+              <a:t>03-01-26</a:t>
             </a:fld>
             <a:endParaRPr lang="fr-BE"/>
           </a:p>
@@ -2277,7 +2277,7 @@
           <a:p>
             <a:fld id="{AEBED520-9047-4E94-9C6B-DE22BBDBA390}" type="datetimeFigureOut">
               <a:rPr lang="fr-BE" smtClean="0"/>
-              <a:t>29-12-25</a:t>
+              <a:t>03-01-26</a:t>
             </a:fld>
             <a:endParaRPr lang="fr-BE"/>
           </a:p>
@@ -2553,7 +2553,7 @@
           <a:p>
             <a:fld id="{AEBED520-9047-4E94-9C6B-DE22BBDBA390}" type="datetimeFigureOut">
               <a:rPr lang="fr-BE" smtClean="0"/>
-              <a:t>29-12-25</a:t>
+              <a:t>03-01-26</a:t>
             </a:fld>
             <a:endParaRPr lang="fr-BE"/>
           </a:p>
@@ -2821,7 +2821,7 @@
           <a:p>
             <a:fld id="{AEBED520-9047-4E94-9C6B-DE22BBDBA390}" type="datetimeFigureOut">
               <a:rPr lang="fr-BE" smtClean="0"/>
-              <a:t>29-12-25</a:t>
+              <a:t>03-01-26</a:t>
             </a:fld>
             <a:endParaRPr lang="fr-BE"/>
           </a:p>
@@ -3236,7 +3236,7 @@
           <a:p>
             <a:fld id="{AEBED520-9047-4E94-9C6B-DE22BBDBA390}" type="datetimeFigureOut">
               <a:rPr lang="fr-BE" smtClean="0"/>
-              <a:t>29-12-25</a:t>
+              <a:t>03-01-26</a:t>
             </a:fld>
             <a:endParaRPr lang="fr-BE"/>
           </a:p>
@@ -3378,7 +3378,7 @@
           <a:p>
             <a:fld id="{AEBED520-9047-4E94-9C6B-DE22BBDBA390}" type="datetimeFigureOut">
               <a:rPr lang="fr-BE" smtClean="0"/>
-              <a:t>29-12-25</a:t>
+              <a:t>03-01-26</a:t>
             </a:fld>
             <a:endParaRPr lang="fr-BE"/>
           </a:p>
@@ -3491,7 +3491,7 @@
           <a:p>
             <a:fld id="{AEBED520-9047-4E94-9C6B-DE22BBDBA390}" type="datetimeFigureOut">
               <a:rPr lang="fr-BE" smtClean="0"/>
-              <a:t>29-12-25</a:t>
+              <a:t>03-01-26</a:t>
             </a:fld>
             <a:endParaRPr lang="fr-BE"/>
           </a:p>
@@ -3804,7 +3804,7 @@
           <a:p>
             <a:fld id="{AEBED520-9047-4E94-9C6B-DE22BBDBA390}" type="datetimeFigureOut">
               <a:rPr lang="fr-BE" smtClean="0"/>
-              <a:t>29-12-25</a:t>
+              <a:t>03-01-26</a:t>
             </a:fld>
             <a:endParaRPr lang="fr-BE"/>
           </a:p>
@@ -4093,7 +4093,7 @@
           <a:p>
             <a:fld id="{AEBED520-9047-4E94-9C6B-DE22BBDBA390}" type="datetimeFigureOut">
               <a:rPr lang="fr-BE" smtClean="0"/>
-              <a:t>29-12-25</a:t>
+              <a:t>03-01-26</a:t>
             </a:fld>
             <a:endParaRPr lang="fr-BE"/>
           </a:p>
@@ -4336,7 +4336,7 @@
           <a:p>
             <a:fld id="{AEBED520-9047-4E94-9C6B-DE22BBDBA390}" type="datetimeFigureOut">
               <a:rPr lang="fr-BE" smtClean="0"/>
-              <a:t>29-12-25</a:t>
+              <a:t>03-01-26</a:t>
             </a:fld>
             <a:endParaRPr lang="fr-BE"/>
           </a:p>
@@ -11880,8 +11880,143 @@
               <a:t>Définition</a:t>
             </a:r>
           </a:p>
-        </p:txBody>
-      </p:sp>
+          <a:p>
+            <a:pPr lvl="2"/>
+            <a:r>
+              <a:rPr lang="fr-FR" dirty="0"/>
+              <a:t>Un constructeur est</a:t>
+            </a:r>
+          </a:p>
+          <a:p>
+            <a:pPr lvl="3"/>
+            <a:r>
+              <a:rPr lang="fr-FR" dirty="0"/>
+              <a:t>Une fonction</a:t>
+            </a:r>
+          </a:p>
+          <a:p>
+            <a:pPr lvl="3"/>
+            <a:r>
+              <a:rPr lang="fr-FR" dirty="0"/>
+              <a:t>Qui va permettre de créer des objets à partir de ses arguments</a:t>
+            </a:r>
+          </a:p>
+          <a:p>
+            <a:pPr lvl="3"/>
+            <a:r>
+              <a:rPr lang="fr-FR" dirty="0"/>
+              <a:t>Qui va agir sur un objet nouvellement crée appelé « </a:t>
+            </a:r>
+            <a:r>
+              <a:rPr lang="fr-FR" dirty="0" err="1"/>
+              <a:t>this</a:t>
+            </a:r>
+            <a:r>
+              <a:rPr lang="fr-FR" dirty="0"/>
+              <a:t> »</a:t>
+            </a:r>
+          </a:p>
+          <a:p>
+            <a:pPr lvl="3"/>
+            <a:r>
+              <a:rPr lang="fr-FR" dirty="0"/>
+              <a:t>Qu’on va utiliser avec le mot-clef « new » afin de créer d’autres objets</a:t>
+            </a:r>
+          </a:p>
+        </p:txBody>
+      </p:sp>
+      <p:pic>
+        <p:nvPicPr>
+          <p:cNvPr id="5" name="Image 4" descr="Une image contenant texte, Police, capture d’écran, ligne&#10;&#10;Le contenu généré par l’IA peut être incorrect.">
+            <a:extLst>
+              <a:ext uri="{FF2B5EF4-FFF2-40B4-BE49-F238E27FC236}">
+                <a16:creationId xmlns:a16="http://schemas.microsoft.com/office/drawing/2014/main" id="{71C5809C-B71E-3C95-4338-232A25E0EFDB}"/>
+              </a:ext>
+            </a:extLst>
+          </p:cNvPr>
+          <p:cNvPicPr>
+            <a:picLocks noChangeAspect="1"/>
+          </p:cNvPicPr>
+          <p:nvPr/>
+        </p:nvPicPr>
+        <p:blipFill>
+          <a:blip r:embed="rId2">
+            <a:extLst>
+              <a:ext uri="{28A0092B-C50C-407E-A947-70E740481C1C}">
+                <a14:useLocalDpi xmlns:a14="http://schemas.microsoft.com/office/drawing/2010/main" val="0"/>
+              </a:ext>
+            </a:extLst>
+          </a:blip>
+          <a:stretch>
+            <a:fillRect/>
+          </a:stretch>
+        </p:blipFill>
+        <p:spPr>
+          <a:xfrm>
+            <a:off x="1442465" y="4001294"/>
+            <a:ext cx="3801005" cy="1381318"/>
+          </a:xfrm>
+          <a:prstGeom prst="rect">
+            <a:avLst/>
+          </a:prstGeom>
+          <a:ln>
+            <a:noFill/>
+          </a:ln>
+          <a:effectLst>
+            <a:outerShdw blurRad="292100" dist="139700" dir="2700000" algn="tl" rotWithShape="0">
+              <a:srgbClr val="333333">
+                <a:alpha val="65000"/>
+              </a:srgbClr>
+            </a:outerShdw>
+          </a:effectLst>
+        </p:spPr>
+      </p:pic>
+      <p:pic>
+        <p:nvPicPr>
+          <p:cNvPr id="7" name="Image 6">
+            <a:extLst>
+              <a:ext uri="{FF2B5EF4-FFF2-40B4-BE49-F238E27FC236}">
+                <a16:creationId xmlns:a16="http://schemas.microsoft.com/office/drawing/2014/main" id="{A284EC0A-5D9B-3EC1-A9C0-679684823732}"/>
+              </a:ext>
+            </a:extLst>
+          </p:cNvPr>
+          <p:cNvPicPr>
+            <a:picLocks noChangeAspect="1"/>
+          </p:cNvPicPr>
+          <p:nvPr/>
+        </p:nvPicPr>
+        <p:blipFill>
+          <a:blip r:embed="rId3">
+            <a:extLst>
+              <a:ext uri="{28A0092B-C50C-407E-A947-70E740481C1C}">
+                <a14:useLocalDpi xmlns:a14="http://schemas.microsoft.com/office/drawing/2010/main" val="0"/>
+              </a:ext>
+            </a:extLst>
+          </a:blip>
+          <a:stretch>
+            <a:fillRect/>
+          </a:stretch>
+        </p:blipFill>
+        <p:spPr>
+          <a:xfrm>
+            <a:off x="3737931" y="5455892"/>
+            <a:ext cx="6839905" cy="647790"/>
+          </a:xfrm>
+          <a:prstGeom prst="rect">
+            <a:avLst/>
+          </a:prstGeom>
+          <a:ln>
+            <a:noFill/>
+          </a:ln>
+          <a:effectLst>
+            <a:outerShdw blurRad="292100" dist="139700" dir="2700000" algn="tl" rotWithShape="0">
+              <a:srgbClr val="333333">
+                <a:alpha val="65000"/>
+              </a:srgbClr>
+            </a:outerShdw>
+          </a:effectLst>
+        </p:spPr>
+      </p:pic>
     </p:spTree>
     <p:extLst>
       <p:ext uri="{BB962C8B-B14F-4D97-AF65-F5344CB8AC3E}">

--- a/Chapitre 6.pptx
+++ b/Chapitre 6.pptx
@@ -5,7 +5,7 @@
     <p:sldMasterId id="2147483648" r:id="rId1"/>
   </p:sldMasterIdLst>
   <p:notesMasterIdLst>
-    <p:notesMasterId r:id="rId44"/>
+    <p:notesMasterId r:id="rId43"/>
   </p:notesMasterIdLst>
   <p:sldIdLst>
     <p:sldId id="257" r:id="rId2"/>
@@ -49,7 +49,6 @@
     <p:sldId id="288" r:id="rId40"/>
     <p:sldId id="289" r:id="rId41"/>
     <p:sldId id="290" r:id="rId42"/>
-    <p:sldId id="291" r:id="rId43"/>
   </p:sldIdLst>
   <p:sldSz cx="12192000" cy="6858000"/>
   <p:notesSz cx="6858000" cy="9144000"/>
@@ -238,7 +237,7 @@
           <a:p>
             <a:fld id="{61351FF7-5C78-4294-846E-A935FF07D088}" type="datetimeFigureOut">
               <a:rPr lang="fr-BE" smtClean="0"/>
-              <a:t>03-01-26</a:t>
+              <a:t>04-01-26</a:t>
             </a:fld>
             <a:endParaRPr lang="fr-BE"/>
           </a:p>
@@ -1667,7 +1666,7 @@
           <a:p>
             <a:fld id="{AEBED520-9047-4E94-9C6B-DE22BBDBA390}" type="datetimeFigureOut">
               <a:rPr lang="fr-BE" smtClean="0"/>
-              <a:t>03-01-26</a:t>
+              <a:t>04-01-26</a:t>
             </a:fld>
             <a:endParaRPr lang="fr-BE"/>
           </a:p>
@@ -1867,7 +1866,7 @@
           <a:p>
             <a:fld id="{AEBED520-9047-4E94-9C6B-DE22BBDBA390}" type="datetimeFigureOut">
               <a:rPr lang="fr-BE" smtClean="0"/>
-              <a:t>03-01-26</a:t>
+              <a:t>04-01-26</a:t>
             </a:fld>
             <a:endParaRPr lang="fr-BE"/>
           </a:p>
@@ -2077,7 +2076,7 @@
           <a:p>
             <a:fld id="{AEBED520-9047-4E94-9C6B-DE22BBDBA390}" type="datetimeFigureOut">
               <a:rPr lang="fr-BE" smtClean="0"/>
-              <a:t>03-01-26</a:t>
+              <a:t>04-01-26</a:t>
             </a:fld>
             <a:endParaRPr lang="fr-BE"/>
           </a:p>
@@ -2277,7 +2276,7 @@
           <a:p>
             <a:fld id="{AEBED520-9047-4E94-9C6B-DE22BBDBA390}" type="datetimeFigureOut">
               <a:rPr lang="fr-BE" smtClean="0"/>
-              <a:t>03-01-26</a:t>
+              <a:t>04-01-26</a:t>
             </a:fld>
             <a:endParaRPr lang="fr-BE"/>
           </a:p>
@@ -2553,7 +2552,7 @@
           <a:p>
             <a:fld id="{AEBED520-9047-4E94-9C6B-DE22BBDBA390}" type="datetimeFigureOut">
               <a:rPr lang="fr-BE" smtClean="0"/>
-              <a:t>03-01-26</a:t>
+              <a:t>04-01-26</a:t>
             </a:fld>
             <a:endParaRPr lang="fr-BE"/>
           </a:p>
@@ -2821,7 +2820,7 @@
           <a:p>
             <a:fld id="{AEBED520-9047-4E94-9C6B-DE22BBDBA390}" type="datetimeFigureOut">
               <a:rPr lang="fr-BE" smtClean="0"/>
-              <a:t>03-01-26</a:t>
+              <a:t>04-01-26</a:t>
             </a:fld>
             <a:endParaRPr lang="fr-BE"/>
           </a:p>
@@ -3236,7 +3235,7 @@
           <a:p>
             <a:fld id="{AEBED520-9047-4E94-9C6B-DE22BBDBA390}" type="datetimeFigureOut">
               <a:rPr lang="fr-BE" smtClean="0"/>
-              <a:t>03-01-26</a:t>
+              <a:t>04-01-26</a:t>
             </a:fld>
             <a:endParaRPr lang="fr-BE"/>
           </a:p>
@@ -3378,7 +3377,7 @@
           <a:p>
             <a:fld id="{AEBED520-9047-4E94-9C6B-DE22BBDBA390}" type="datetimeFigureOut">
               <a:rPr lang="fr-BE" smtClean="0"/>
-              <a:t>03-01-26</a:t>
+              <a:t>04-01-26</a:t>
             </a:fld>
             <a:endParaRPr lang="fr-BE"/>
           </a:p>
@@ -3491,7 +3490,7 @@
           <a:p>
             <a:fld id="{AEBED520-9047-4E94-9C6B-DE22BBDBA390}" type="datetimeFigureOut">
               <a:rPr lang="fr-BE" smtClean="0"/>
-              <a:t>03-01-26</a:t>
+              <a:t>04-01-26</a:t>
             </a:fld>
             <a:endParaRPr lang="fr-BE"/>
           </a:p>
@@ -3804,7 +3803,7 @@
           <a:p>
             <a:fld id="{AEBED520-9047-4E94-9C6B-DE22BBDBA390}" type="datetimeFigureOut">
               <a:rPr lang="fr-BE" smtClean="0"/>
-              <a:t>03-01-26</a:t>
+              <a:t>04-01-26</a:t>
             </a:fld>
             <a:endParaRPr lang="fr-BE"/>
           </a:p>
@@ -4093,7 +4092,7 @@
           <a:p>
             <a:fld id="{AEBED520-9047-4E94-9C6B-DE22BBDBA390}" type="datetimeFigureOut">
               <a:rPr lang="fr-BE" smtClean="0"/>
-              <a:t>03-01-26</a:t>
+              <a:t>04-01-26</a:t>
             </a:fld>
             <a:endParaRPr lang="fr-BE"/>
           </a:p>
@@ -4336,7 +4335,7 @@
           <a:p>
             <a:fld id="{AEBED520-9047-4E94-9C6B-DE22BBDBA390}" type="datetimeFigureOut">
               <a:rPr lang="fr-BE" smtClean="0"/>
-              <a:t>03-01-26</a:t>
+              <a:t>04-01-26</a:t>
             </a:fld>
             <a:endParaRPr lang="fr-BE"/>
           </a:p>
@@ -12238,7 +12237,7 @@
             <a:pPr lvl="1"/>
             <a:r>
               <a:rPr lang="fr-FR" dirty="0"/>
-              <a:t>Utilisation</a:t>
+              <a:t>Bonne utilisation</a:t>
             </a:r>
           </a:p>
           <a:p>
@@ -12246,6 +12245,134 @@
           </a:p>
         </p:txBody>
       </p:sp>
+      <p:pic>
+        <p:nvPicPr>
+          <p:cNvPr id="5" name="Image 4" descr="Une image contenant texte, Police, capture d’écran, Bleu électrique&#10;&#10;Le contenu généré par l’IA peut être incorrect.">
+            <a:extLst>
+              <a:ext uri="{FF2B5EF4-FFF2-40B4-BE49-F238E27FC236}">
+                <a16:creationId xmlns:a16="http://schemas.microsoft.com/office/drawing/2014/main" id="{FC340DAF-5BDF-EEEE-FA0A-43FABC921879}"/>
+              </a:ext>
+            </a:extLst>
+          </p:cNvPr>
+          <p:cNvPicPr>
+            <a:picLocks noChangeAspect="1"/>
+          </p:cNvPicPr>
+          <p:nvPr/>
+        </p:nvPicPr>
+        <p:blipFill>
+          <a:blip r:embed="rId2">
+            <a:extLst>
+              <a:ext uri="{28A0092B-C50C-407E-A947-70E740481C1C}">
+                <a14:useLocalDpi xmlns:a14="http://schemas.microsoft.com/office/drawing/2010/main" val="0"/>
+              </a:ext>
+            </a:extLst>
+          </a:blip>
+          <a:stretch>
+            <a:fillRect/>
+          </a:stretch>
+        </p:blipFill>
+        <p:spPr>
+          <a:xfrm>
+            <a:off x="1855509" y="2322764"/>
+            <a:ext cx="4725059" cy="1524213"/>
+          </a:xfrm>
+          <a:prstGeom prst="rect">
+            <a:avLst/>
+          </a:prstGeom>
+          <a:ln>
+            <a:noFill/>
+          </a:ln>
+          <a:effectLst>
+            <a:outerShdw blurRad="292100" dist="139700" dir="2700000" algn="tl" rotWithShape="0">
+              <a:srgbClr val="333333">
+                <a:alpha val="65000"/>
+              </a:srgbClr>
+            </a:outerShdw>
+          </a:effectLst>
+        </p:spPr>
+      </p:pic>
+      <p:pic>
+        <p:nvPicPr>
+          <p:cNvPr id="7" name="Image 6" descr="Une image contenant texte, Police, ligne, capture d’écran&#10;&#10;Le contenu généré par l’IA peut être incorrect.">
+            <a:extLst>
+              <a:ext uri="{FF2B5EF4-FFF2-40B4-BE49-F238E27FC236}">
+                <a16:creationId xmlns:a16="http://schemas.microsoft.com/office/drawing/2014/main" id="{2C1A2A87-4E79-ED46-3CEB-491042517448}"/>
+              </a:ext>
+            </a:extLst>
+          </p:cNvPr>
+          <p:cNvPicPr>
+            <a:picLocks noChangeAspect="1"/>
+          </p:cNvPicPr>
+          <p:nvPr/>
+        </p:nvPicPr>
+        <p:blipFill>
+          <a:blip r:embed="rId3">
+            <a:extLst>
+              <a:ext uri="{28A0092B-C50C-407E-A947-70E740481C1C}">
+                <a14:useLocalDpi xmlns:a14="http://schemas.microsoft.com/office/drawing/2010/main" val="0"/>
+              </a:ext>
+            </a:extLst>
+          </a:blip>
+          <a:stretch>
+            <a:fillRect/>
+          </a:stretch>
+        </p:blipFill>
+        <p:spPr>
+          <a:xfrm>
+            <a:off x="6866628" y="2302476"/>
+            <a:ext cx="4201111" cy="819264"/>
+          </a:xfrm>
+          <a:prstGeom prst="rect">
+            <a:avLst/>
+          </a:prstGeom>
+          <a:ln>
+            <a:noFill/>
+          </a:ln>
+          <a:effectLst>
+            <a:outerShdw blurRad="292100" dist="139700" dir="2700000" algn="tl" rotWithShape="0">
+              <a:srgbClr val="333333">
+                <a:alpha val="65000"/>
+              </a:srgbClr>
+            </a:outerShdw>
+          </a:effectLst>
+        </p:spPr>
+      </p:pic>
+      <p:pic>
+        <p:nvPicPr>
+          <p:cNvPr id="10" name="Image 9" descr="Une image contenant texte, capture d’écran, Police, diagramme&#10;&#10;Le contenu généré par l’IA peut être incorrect.">
+            <a:extLst>
+              <a:ext uri="{FF2B5EF4-FFF2-40B4-BE49-F238E27FC236}">
+                <a16:creationId xmlns:a16="http://schemas.microsoft.com/office/drawing/2014/main" id="{F34238D4-A1AC-E968-3068-74F7516DD5D8}"/>
+              </a:ext>
+            </a:extLst>
+          </p:cNvPr>
+          <p:cNvPicPr>
+            <a:picLocks noChangeAspect="1"/>
+          </p:cNvPicPr>
+          <p:nvPr/>
+        </p:nvPicPr>
+        <p:blipFill>
+          <a:blip r:embed="rId4">
+            <a:extLst>
+              <a:ext uri="{28A0092B-C50C-407E-A947-70E740481C1C}">
+                <a14:useLocalDpi xmlns:a14="http://schemas.microsoft.com/office/drawing/2010/main" val="0"/>
+              </a:ext>
+            </a:extLst>
+          </a:blip>
+          <a:stretch>
+            <a:fillRect/>
+          </a:stretch>
+        </p:blipFill>
+        <p:spPr>
+          <a:xfrm>
+            <a:off x="6866628" y="3429000"/>
+            <a:ext cx="3743847" cy="2943636"/>
+          </a:xfrm>
+          <a:prstGeom prst="rect">
+            <a:avLst/>
+          </a:prstGeom>
+        </p:spPr>
+      </p:pic>
     </p:spTree>
     <p:extLst>
       <p:ext uri="{BB962C8B-B14F-4D97-AF65-F5344CB8AC3E}">
@@ -12346,110 +12473,102 @@
           </a:p>
         </p:txBody>
       </p:sp>
+      <p:pic>
+        <p:nvPicPr>
+          <p:cNvPr id="5" name="Image 4" descr="Une image contenant texte, Police, capture d’écran, Bleu électrique&#10;&#10;Le contenu généré par l’IA peut être incorrect.">
+            <a:extLst>
+              <a:ext uri="{FF2B5EF4-FFF2-40B4-BE49-F238E27FC236}">
+                <a16:creationId xmlns:a16="http://schemas.microsoft.com/office/drawing/2014/main" id="{7E8A4B1F-83FA-78EC-A085-972969000653}"/>
+              </a:ext>
+            </a:extLst>
+          </p:cNvPr>
+          <p:cNvPicPr>
+            <a:picLocks noChangeAspect="1"/>
+          </p:cNvPicPr>
+          <p:nvPr/>
+        </p:nvPicPr>
+        <p:blipFill>
+          <a:blip r:embed="rId2">
+            <a:extLst>
+              <a:ext uri="{28A0092B-C50C-407E-A947-70E740481C1C}">
+                <a14:useLocalDpi xmlns:a14="http://schemas.microsoft.com/office/drawing/2010/main" val="0"/>
+              </a:ext>
+            </a:extLst>
+          </a:blip>
+          <a:stretch>
+            <a:fillRect/>
+          </a:stretch>
+        </p:blipFill>
+        <p:spPr>
+          <a:xfrm>
+            <a:off x="1550492" y="2239475"/>
+            <a:ext cx="5630061" cy="1848108"/>
+          </a:xfrm>
+          <a:prstGeom prst="rect">
+            <a:avLst/>
+          </a:prstGeom>
+          <a:ln>
+            <a:noFill/>
+          </a:ln>
+          <a:effectLst>
+            <a:outerShdw blurRad="292100" dist="139700" dir="2700000" algn="tl" rotWithShape="0">
+              <a:srgbClr val="333333">
+                <a:alpha val="65000"/>
+              </a:srgbClr>
+            </a:outerShdw>
+          </a:effectLst>
+        </p:spPr>
+      </p:pic>
+      <p:pic>
+        <p:nvPicPr>
+          <p:cNvPr id="7" name="Image 6" descr="Une image contenant texte, Police, capture d’écran, ligne&#10;&#10;Le contenu généré par l’IA peut être incorrect.">
+            <a:extLst>
+              <a:ext uri="{FF2B5EF4-FFF2-40B4-BE49-F238E27FC236}">
+                <a16:creationId xmlns:a16="http://schemas.microsoft.com/office/drawing/2014/main" id="{237E06A5-20C2-0C4D-6BA8-82A418DFAD1A}"/>
+              </a:ext>
+            </a:extLst>
+          </p:cNvPr>
+          <p:cNvPicPr>
+            <a:picLocks noChangeAspect="1"/>
+          </p:cNvPicPr>
+          <p:nvPr/>
+        </p:nvPicPr>
+        <p:blipFill>
+          <a:blip r:embed="rId3">
+            <a:extLst>
+              <a:ext uri="{28A0092B-C50C-407E-A947-70E740481C1C}">
+                <a14:useLocalDpi xmlns:a14="http://schemas.microsoft.com/office/drawing/2010/main" val="0"/>
+              </a:ext>
+            </a:extLst>
+          </a:blip>
+          <a:stretch>
+            <a:fillRect/>
+          </a:stretch>
+        </p:blipFill>
+        <p:spPr>
+          <a:xfrm>
+            <a:off x="7504805" y="3163529"/>
+            <a:ext cx="3524742" cy="2753109"/>
+          </a:xfrm>
+          <a:prstGeom prst="rect">
+            <a:avLst/>
+          </a:prstGeom>
+          <a:ln>
+            <a:noFill/>
+          </a:ln>
+          <a:effectLst>
+            <a:outerShdw blurRad="292100" dist="139700" dir="2700000" algn="tl" rotWithShape="0">
+              <a:srgbClr val="333333">
+                <a:alpha val="65000"/>
+              </a:srgbClr>
+            </a:outerShdw>
+          </a:effectLst>
+        </p:spPr>
+      </p:pic>
     </p:spTree>
     <p:extLst>
       <p:ext uri="{BB962C8B-B14F-4D97-AF65-F5344CB8AC3E}">
         <p14:creationId xmlns:p14="http://schemas.microsoft.com/office/powerpoint/2010/main" val="3749583059"/>
-      </p:ext>
-    </p:extLst>
-  </p:cSld>
-  <p:clrMapOvr>
-    <a:masterClrMapping/>
-  </p:clrMapOvr>
-</p:sld>
-</file>
-
-<file path=ppt/slides/slide42.xml><?xml version="1.0" encoding="utf-8"?>
-<p:sld xmlns:a="http://schemas.openxmlformats.org/drawingml/2006/main" xmlns:r="http://schemas.openxmlformats.org/officeDocument/2006/relationships" xmlns:p="http://schemas.openxmlformats.org/presentationml/2006/main">
-  <p:cSld>
-    <p:spTree>
-      <p:nvGrpSpPr>
-        <p:cNvPr id="1" name="">
-          <a:extLst>
-            <a:ext uri="{FF2B5EF4-FFF2-40B4-BE49-F238E27FC236}">
-              <a16:creationId xmlns:a16="http://schemas.microsoft.com/office/drawing/2014/main" id="{2468BD63-17D4-C5E1-384C-80C90959E99C}"/>
-            </a:ext>
-          </a:extLst>
-        </p:cNvPr>
-        <p:cNvGrpSpPr/>
-        <p:nvPr/>
-      </p:nvGrpSpPr>
-      <p:grpSpPr>
-        <a:xfrm>
-          <a:off x="0" y="0"/>
-          <a:ext cx="0" cy="0"/>
-          <a:chOff x="0" y="0"/>
-          <a:chExt cx="0" cy="0"/>
-        </a:xfrm>
-      </p:grpSpPr>
-      <p:sp>
-        <p:nvSpPr>
-          <p:cNvPr id="2" name="Titre 1">
-            <a:extLst>
-              <a:ext uri="{FF2B5EF4-FFF2-40B4-BE49-F238E27FC236}">
-                <a16:creationId xmlns:a16="http://schemas.microsoft.com/office/drawing/2014/main" id="{E9518231-3649-C7E3-DEE7-354D9C9330B5}"/>
-              </a:ext>
-            </a:extLst>
-          </p:cNvPr>
-          <p:cNvSpPr>
-            <a:spLocks noGrp="1"/>
-          </p:cNvSpPr>
-          <p:nvPr>
-            <p:ph type="title"/>
-          </p:nvPr>
-        </p:nvSpPr>
-        <p:spPr/>
-        <p:txBody>
-          <a:bodyPr/>
-          <a:lstStyle/>
-          <a:p>
-            <a:r>
-              <a:rPr lang="fr-FR" dirty="0"/>
-              <a:t>5. Constructeurs</a:t>
-            </a:r>
-            <a:br>
-              <a:rPr lang="fr-FR" dirty="0"/>
-            </a:br>
-            <a:endParaRPr lang="fr-BE" dirty="0"/>
-          </a:p>
-        </p:txBody>
-      </p:sp>
-      <p:sp>
-        <p:nvSpPr>
-          <p:cNvPr id="3" name="Espace réservé du contenu 2">
-            <a:extLst>
-              <a:ext uri="{FF2B5EF4-FFF2-40B4-BE49-F238E27FC236}">
-                <a16:creationId xmlns:a16="http://schemas.microsoft.com/office/drawing/2014/main" id="{11711C70-17E2-70EB-7A89-E09D8E6C1F8B}"/>
-              </a:ext>
-            </a:extLst>
-          </p:cNvPr>
-          <p:cNvSpPr>
-            <a:spLocks noGrp="1"/>
-          </p:cNvSpPr>
-          <p:nvPr>
-            <p:ph idx="1"/>
-          </p:nvPr>
-        </p:nvSpPr>
-        <p:spPr/>
-        <p:txBody>
-          <a:bodyPr/>
-          <a:lstStyle/>
-          <a:p>
-            <a:pPr lvl="1"/>
-            <a:r>
-              <a:rPr lang="fr-FR" dirty="0"/>
-              <a:t>Orienté objet en JS (3)</a:t>
-            </a:r>
-          </a:p>
-          <a:p>
-            <a:endParaRPr lang="fr-BE" dirty="0"/>
-          </a:p>
-        </p:txBody>
-      </p:sp>
-    </p:spTree>
-    <p:extLst>
-      <p:ext uri="{BB962C8B-B14F-4D97-AF65-F5344CB8AC3E}">
-        <p14:creationId xmlns:p14="http://schemas.microsoft.com/office/powerpoint/2010/main" val="511593771"/>
       </p:ext>
     </p:extLst>
   </p:cSld>
